--- a/Designing Testable Applications Parts I & II - Unit Tests and Legacy Code.pptx
+++ b/Designing Testable Applications Parts I & II - Unit Tests and Legacy Code.pptx
@@ -5,10 +5,10 @@
     <p:sldMasterId id="2147483661" r:id="rId4"/>
   </p:sldMasterIdLst>
   <p:notesMasterIdLst>
-    <p:notesMasterId r:id="rId34"/>
+    <p:notesMasterId r:id="rId35"/>
   </p:notesMasterIdLst>
   <p:handoutMasterIdLst>
-    <p:handoutMasterId r:id="rId35"/>
+    <p:handoutMasterId r:id="rId36"/>
   </p:handoutMasterIdLst>
   <p:sldIdLst>
     <p:sldId id="377" r:id="rId5"/>
@@ -21,25 +21,26 @@
     <p:sldId id="352" r:id="rId12"/>
     <p:sldId id="353" r:id="rId13"/>
     <p:sldId id="354" r:id="rId14"/>
-    <p:sldId id="355" r:id="rId15"/>
-    <p:sldId id="356" r:id="rId16"/>
-    <p:sldId id="358" r:id="rId17"/>
-    <p:sldId id="359" r:id="rId18"/>
-    <p:sldId id="360" r:id="rId19"/>
-    <p:sldId id="336" r:id="rId20"/>
-    <p:sldId id="361" r:id="rId21"/>
-    <p:sldId id="362" r:id="rId22"/>
-    <p:sldId id="363" r:id="rId23"/>
-    <p:sldId id="364" r:id="rId24"/>
-    <p:sldId id="365" r:id="rId25"/>
-    <p:sldId id="366" r:id="rId26"/>
-    <p:sldId id="367" r:id="rId27"/>
-    <p:sldId id="338" r:id="rId28"/>
-    <p:sldId id="368" r:id="rId29"/>
-    <p:sldId id="340" r:id="rId30"/>
-    <p:sldId id="341" r:id="rId31"/>
-    <p:sldId id="369" r:id="rId32"/>
-    <p:sldId id="323" r:id="rId33"/>
+    <p:sldId id="378" r:id="rId15"/>
+    <p:sldId id="355" r:id="rId16"/>
+    <p:sldId id="356" r:id="rId17"/>
+    <p:sldId id="358" r:id="rId18"/>
+    <p:sldId id="359" r:id="rId19"/>
+    <p:sldId id="360" r:id="rId20"/>
+    <p:sldId id="336" r:id="rId21"/>
+    <p:sldId id="361" r:id="rId22"/>
+    <p:sldId id="362" r:id="rId23"/>
+    <p:sldId id="363" r:id="rId24"/>
+    <p:sldId id="364" r:id="rId25"/>
+    <p:sldId id="365" r:id="rId26"/>
+    <p:sldId id="366" r:id="rId27"/>
+    <p:sldId id="367" r:id="rId28"/>
+    <p:sldId id="338" r:id="rId29"/>
+    <p:sldId id="368" r:id="rId30"/>
+    <p:sldId id="340" r:id="rId31"/>
+    <p:sldId id="341" r:id="rId32"/>
+    <p:sldId id="369" r:id="rId33"/>
+    <p:sldId id="323" r:id="rId34"/>
   </p:sldIdLst>
   <p:sldSz cx="12192000" cy="6858000"/>
   <p:notesSz cx="6858000" cy="9144000"/>
@@ -338,7 +339,7 @@
           <a:p>
             <a:fld id="{ADC38450-C1FA-8643-88B1-0782D94A79AF}" type="datetimeFigureOut">
               <a:rPr lang="es-ES_tradnl" smtClean="0"/>
-              <a:t>18/10/2017</a:t>
+              <a:t>23/10/2017</a:t>
             </a:fld>
             <a:endParaRPr lang="es-ES_tradnl"/>
           </a:p>
@@ -6982,7 +6983,7 @@
           <a:graphicData uri="http://schemas.openxmlformats.org/presentationml/2006/ole">
             <mc:AlternateContent xmlns:mc="http://schemas.openxmlformats.org/markup-compatibility/2006">
               <mc:Choice xmlns:v="urn:schemas-microsoft-com:vml" Requires="v">
-                <p:oleObj spid="_x0000_s3371" name="Image" r:id="rId4" imgW="2920320" imgH="2856960" progId="Photoshop.Image.16">
+                <p:oleObj spid="_x0000_s3374" name="Image" r:id="rId4" imgW="2920320" imgH="2856960" progId="Photoshop.Image.16">
                   <p:embed/>
                 </p:oleObj>
               </mc:Choice>
@@ -7035,7 +7036,7 @@
           <a:graphicData uri="http://schemas.openxmlformats.org/presentationml/2006/ole">
             <mc:AlternateContent xmlns:mc="http://schemas.openxmlformats.org/markup-compatibility/2006">
               <mc:Choice xmlns:v="urn:schemas-microsoft-com:vml" Requires="v">
-                <p:oleObj spid="_x0000_s3372" name="Image" r:id="rId6" imgW="2920320" imgH="2856960" progId="Photoshop.Image.16">
+                <p:oleObj spid="_x0000_s3375" name="Image" r:id="rId6" imgW="2920320" imgH="2856960" progId="Photoshop.Image.16">
                   <p:embed/>
                 </p:oleObj>
               </mc:Choice>
@@ -7092,7 +7093,7 @@
           <a:graphicData uri="http://schemas.openxmlformats.org/presentationml/2006/ole">
             <mc:AlternateContent xmlns:mc="http://schemas.openxmlformats.org/markup-compatibility/2006">
               <mc:Choice xmlns:v="urn:schemas-microsoft-com:vml" Requires="v">
-                <p:oleObj spid="_x0000_s3373" name="Image" r:id="rId8" imgW="2920320" imgH="2856960" progId="Photoshop.Image.16">
+                <p:oleObj spid="_x0000_s3376" name="Image" r:id="rId8" imgW="2920320" imgH="2856960" progId="Photoshop.Image.16">
                   <p:embed/>
                 </p:oleObj>
               </mc:Choice>
@@ -12647,840 +12648,453 @@
       </p:grpSpPr>
       <p:sp>
         <p:nvSpPr>
-          <p:cNvPr id="185349" name="Rectangle 5"/>
+          <p:cNvPr id="5" name="Text Placeholder 4"/>
           <p:cNvSpPr>
-            <a:spLocks noGrp="1" noChangeArrowheads="1"/>
+            <a:spLocks noGrp="1"/>
+          </p:cNvSpPr>
+          <p:nvPr>
+            <p:ph type="body" sz="quarter" idx="12"/>
+          </p:nvPr>
+        </p:nvSpPr>
+        <p:spPr/>
+        <p:txBody>
+          <a:bodyPr/>
+          <a:lstStyle/>
+          <a:p>
+            <a:pPr>
+              <a:spcAft>
+                <a:spcPts val="400"/>
+              </a:spcAft>
+            </a:pPr>
+            <a:r>
+              <a:rPr lang="en-US" dirty="0"/>
+              <a:t> Un </a:t>
+            </a:r>
+            <a:r>
+              <a:rPr lang="en-US" dirty="0" err="1"/>
+              <a:t>buen</a:t>
+            </a:r>
+            <a:r>
+              <a:rPr lang="en-US" dirty="0"/>
+              <a:t> test </a:t>
+            </a:r>
+            <a:r>
+              <a:rPr lang="en-US" dirty="0" err="1"/>
+              <a:t>unitario</a:t>
+            </a:r>
+            <a:r>
+              <a:rPr lang="en-US" dirty="0"/>
+              <a:t>:</a:t>
+            </a:r>
+          </a:p>
+          <a:p>
+            <a:pPr lvl="1">
+              <a:spcAft>
+                <a:spcPts val="400"/>
+              </a:spcAft>
+              <a:buFont typeface="Courier New" panose="02070309020205020404" pitchFamily="49" charset="0"/>
+              <a:buChar char="o"/>
+            </a:pPr>
+            <a:r>
+              <a:rPr lang="en-US" dirty="0" err="1"/>
+              <a:t>Documenta</a:t>
+            </a:r>
+            <a:r>
+              <a:rPr lang="en-US" dirty="0"/>
+              <a:t> el </a:t>
+            </a:r>
+            <a:r>
+              <a:rPr lang="en-US" dirty="0" err="1"/>
+              <a:t>diseño</a:t>
+            </a:r>
+            <a:r>
+              <a:rPr lang="en-US" dirty="0"/>
+              <a:t> de la </a:t>
+            </a:r>
+            <a:r>
+              <a:rPr lang="en-US" dirty="0" err="1"/>
+              <a:t>aplicación</a:t>
+            </a:r>
+            <a:endParaRPr lang="en-US" dirty="0"/>
+          </a:p>
+          <a:p>
+            <a:pPr lvl="1">
+              <a:spcAft>
+                <a:spcPts val="400"/>
+              </a:spcAft>
+              <a:buFont typeface="Courier New" panose="02070309020205020404" pitchFamily="49" charset="0"/>
+              <a:buChar char="o"/>
+            </a:pPr>
+            <a:r>
+              <a:rPr lang="en-US" dirty="0" err="1"/>
+              <a:t>Tiene</a:t>
+            </a:r>
+            <a:r>
+              <a:rPr lang="en-US" dirty="0"/>
+              <a:t> control total de </a:t>
+            </a:r>
+            <a:r>
+              <a:rPr lang="en-US" dirty="0" err="1"/>
+              <a:t>todos</a:t>
+            </a:r>
+            <a:r>
+              <a:rPr lang="en-US" dirty="0"/>
+              <a:t> </a:t>
+            </a:r>
+            <a:r>
+              <a:rPr lang="en-US" dirty="0" err="1"/>
+              <a:t>los</a:t>
+            </a:r>
+            <a:r>
+              <a:rPr lang="en-US" dirty="0"/>
+              <a:t> </a:t>
+            </a:r>
+            <a:r>
+              <a:rPr lang="en-US" dirty="0" err="1"/>
+              <a:t>componentes</a:t>
+            </a:r>
+            <a:r>
+              <a:rPr lang="en-US" dirty="0"/>
+              <a:t> </a:t>
+            </a:r>
+            <a:r>
+              <a:rPr lang="en-US" dirty="0" err="1"/>
+              <a:t>en</a:t>
+            </a:r>
+            <a:r>
+              <a:rPr lang="en-US" dirty="0"/>
+              <a:t> </a:t>
+            </a:r>
+            <a:r>
+              <a:rPr lang="en-US" dirty="0" err="1"/>
+              <a:t>ejecución</a:t>
+            </a:r>
+            <a:endParaRPr lang="en-US" dirty="0"/>
+          </a:p>
+          <a:p>
+            <a:pPr lvl="1">
+              <a:spcAft>
+                <a:spcPts val="400"/>
+              </a:spcAft>
+              <a:buFont typeface="Courier New" panose="02070309020205020404" pitchFamily="49" charset="0"/>
+              <a:buChar char="o"/>
+            </a:pPr>
+            <a:r>
+              <a:rPr lang="en-US" dirty="0" err="1"/>
+              <a:t>Puede</a:t>
+            </a:r>
+            <a:r>
+              <a:rPr lang="en-US" dirty="0"/>
+              <a:t> </a:t>
+            </a:r>
+            <a:r>
+              <a:rPr lang="en-US" dirty="0" err="1"/>
+              <a:t>ejecutarse</a:t>
+            </a:r>
+            <a:r>
+              <a:rPr lang="en-US" dirty="0"/>
+              <a:t> </a:t>
+            </a:r>
+            <a:r>
+              <a:rPr lang="en-US" dirty="0" err="1"/>
+              <a:t>en</a:t>
+            </a:r>
+            <a:r>
+              <a:rPr lang="en-US" dirty="0"/>
+              <a:t> </a:t>
+            </a:r>
+            <a:r>
+              <a:rPr lang="en-US" dirty="0" err="1"/>
+              <a:t>cualquier</a:t>
+            </a:r>
+            <a:r>
+              <a:rPr lang="en-US" dirty="0"/>
+              <a:t> </a:t>
+            </a:r>
+            <a:r>
+              <a:rPr lang="en-US" dirty="0" err="1"/>
+              <a:t>orden</a:t>
+            </a:r>
+            <a:r>
+              <a:rPr lang="en-US" dirty="0"/>
+              <a:t> </a:t>
+            </a:r>
+            <a:r>
+              <a:rPr lang="en-US" dirty="0" err="1"/>
+              <a:t>si</a:t>
+            </a:r>
+            <a:r>
+              <a:rPr lang="en-US" dirty="0"/>
+              <a:t> </a:t>
+            </a:r>
+            <a:r>
+              <a:rPr lang="en-US" dirty="0" err="1"/>
+              <a:t>es</a:t>
+            </a:r>
+            <a:r>
+              <a:rPr lang="en-US" dirty="0"/>
+              <a:t> parte de </a:t>
+            </a:r>
+            <a:r>
+              <a:rPr lang="en-US" dirty="0" err="1"/>
+              <a:t>muchos</a:t>
+            </a:r>
+            <a:r>
+              <a:rPr lang="en-US" dirty="0"/>
+              <a:t> </a:t>
+            </a:r>
+            <a:r>
+              <a:rPr lang="en-US" dirty="0" err="1"/>
+              <a:t>otros</a:t>
+            </a:r>
+            <a:r>
+              <a:rPr lang="en-US" dirty="0"/>
+              <a:t> tests</a:t>
+            </a:r>
+          </a:p>
+          <a:p>
+            <a:pPr lvl="1">
+              <a:spcAft>
+                <a:spcPts val="400"/>
+              </a:spcAft>
+              <a:buFont typeface="Courier New" panose="02070309020205020404" pitchFamily="49" charset="0"/>
+              <a:buChar char="o"/>
+            </a:pPr>
+            <a:r>
+              <a:rPr lang="en-US" dirty="0" err="1"/>
+              <a:t>Retorna</a:t>
+            </a:r>
+            <a:r>
+              <a:rPr lang="en-US" dirty="0"/>
+              <a:t> </a:t>
+            </a:r>
+            <a:r>
+              <a:rPr lang="en-US" dirty="0" err="1"/>
+              <a:t>consistentemente</a:t>
+            </a:r>
+            <a:r>
+              <a:rPr lang="en-US" dirty="0"/>
+              <a:t> el </a:t>
+            </a:r>
+            <a:r>
+              <a:rPr lang="en-US" dirty="0" err="1"/>
+              <a:t>mismo</a:t>
+            </a:r>
+            <a:r>
+              <a:rPr lang="en-US" dirty="0"/>
+              <a:t> </a:t>
+            </a:r>
+            <a:r>
+              <a:rPr lang="en-US" dirty="0" err="1"/>
+              <a:t>resultado</a:t>
+            </a:r>
+            <a:endParaRPr lang="en-US" dirty="0"/>
+          </a:p>
+          <a:p>
+            <a:pPr lvl="1">
+              <a:spcAft>
+                <a:spcPts val="400"/>
+              </a:spcAft>
+              <a:buFont typeface="Courier New" panose="02070309020205020404" pitchFamily="49" charset="0"/>
+              <a:buChar char="o"/>
+            </a:pPr>
+            <a:r>
+              <a:rPr lang="en-US" dirty="0" err="1"/>
+              <a:t>Prueba</a:t>
+            </a:r>
+            <a:r>
+              <a:rPr lang="en-US" dirty="0"/>
+              <a:t> un </a:t>
+            </a:r>
+            <a:r>
+              <a:rPr lang="en-US" dirty="0" err="1"/>
+              <a:t>único</a:t>
+            </a:r>
+            <a:r>
+              <a:rPr lang="en-US" dirty="0"/>
+              <a:t> </a:t>
+            </a:r>
+            <a:r>
+              <a:rPr lang="en-US" dirty="0" err="1"/>
+              <a:t>concepto</a:t>
+            </a:r>
+            <a:r>
+              <a:rPr lang="en-US" dirty="0"/>
+              <a:t> </a:t>
+            </a:r>
+            <a:r>
+              <a:rPr lang="en-US" dirty="0" err="1"/>
+              <a:t>lógico</a:t>
+            </a:r>
+            <a:r>
+              <a:rPr lang="en-US" dirty="0"/>
+              <a:t> </a:t>
+            </a:r>
+            <a:r>
+              <a:rPr lang="en-US" dirty="0" err="1"/>
+              <a:t>en</a:t>
+            </a:r>
+            <a:r>
+              <a:rPr lang="en-US" dirty="0"/>
+              <a:t> el </a:t>
+            </a:r>
+            <a:r>
+              <a:rPr lang="en-US" dirty="0" err="1"/>
+              <a:t>sistema</a:t>
+            </a:r>
+            <a:endParaRPr lang="en-US" dirty="0"/>
+          </a:p>
+          <a:p>
+            <a:pPr lvl="1">
+              <a:spcAft>
+                <a:spcPts val="400"/>
+              </a:spcAft>
+              <a:buFont typeface="Courier New" panose="02070309020205020404" pitchFamily="49" charset="0"/>
+              <a:buChar char="o"/>
+            </a:pPr>
+            <a:r>
+              <a:rPr lang="en-US" dirty="0" err="1"/>
+              <a:t>Tiene</a:t>
+            </a:r>
+            <a:r>
+              <a:rPr lang="en-US" dirty="0"/>
+              <a:t> un </a:t>
+            </a:r>
+            <a:r>
+              <a:rPr lang="en-US" dirty="0" err="1"/>
+              <a:t>nombre</a:t>
+            </a:r>
+            <a:r>
+              <a:rPr lang="en-US" dirty="0"/>
+              <a:t> </a:t>
+            </a:r>
+            <a:r>
+              <a:rPr lang="en-US" dirty="0" err="1"/>
+              <a:t>claro</a:t>
+            </a:r>
+            <a:r>
+              <a:rPr lang="en-US" dirty="0"/>
+              <a:t> y </a:t>
+            </a:r>
+            <a:r>
+              <a:rPr lang="en-US" dirty="0" err="1"/>
+              <a:t>consistente</a:t>
+            </a:r>
+            <a:endParaRPr lang="en-US" dirty="0"/>
+          </a:p>
+          <a:p>
+            <a:pPr lvl="1">
+              <a:spcAft>
+                <a:spcPts val="400"/>
+              </a:spcAft>
+              <a:buFont typeface="Courier New" panose="02070309020205020404" pitchFamily="49" charset="0"/>
+              <a:buChar char="o"/>
+            </a:pPr>
+            <a:r>
+              <a:rPr lang="en-US" dirty="0" err="1"/>
+              <a:t>Es</a:t>
+            </a:r>
+            <a:r>
+              <a:rPr lang="en-US" dirty="0"/>
+              <a:t> legible</a:t>
+            </a:r>
+          </a:p>
+          <a:p>
+            <a:pPr lvl="1">
+              <a:spcAft>
+                <a:spcPts val="400"/>
+              </a:spcAft>
+              <a:buFont typeface="Courier New" panose="02070309020205020404" pitchFamily="49" charset="0"/>
+              <a:buChar char="o"/>
+            </a:pPr>
+            <a:r>
+              <a:rPr lang="en-US" dirty="0" err="1"/>
+              <a:t>Es</a:t>
+            </a:r>
+            <a:r>
+              <a:rPr lang="en-US" dirty="0"/>
+              <a:t> </a:t>
+            </a:r>
+            <a:r>
+              <a:rPr lang="en-US" dirty="0" err="1"/>
+              <a:t>mantenible</a:t>
+            </a:r>
+            <a:endParaRPr lang="en-US" dirty="0"/>
+          </a:p>
+          <a:p>
+            <a:pPr>
+              <a:spcAft>
+                <a:spcPts val="400"/>
+              </a:spcAft>
+            </a:pPr>
+            <a:endParaRPr lang="es-AR" altLang="es-AR" dirty="0"/>
+          </a:p>
+          <a:p>
+            <a:pPr>
+              <a:spcAft>
+                <a:spcPts val="400"/>
+              </a:spcAft>
+            </a:pPr>
+            <a:endParaRPr lang="es-AR" dirty="0"/>
+          </a:p>
+        </p:txBody>
+      </p:sp>
+      <p:sp>
+        <p:nvSpPr>
+          <p:cNvPr id="3" name="Title 2"/>
+          <p:cNvSpPr>
+            <a:spLocks noGrp="1"/>
+          </p:cNvSpPr>
+          <p:nvPr>
+            <p:ph type="title"/>
+          </p:nvPr>
+        </p:nvSpPr>
+        <p:spPr/>
+        <p:txBody>
+          <a:bodyPr/>
+          <a:lstStyle/>
+          <a:p>
+            <a:r>
+              <a:rPr lang="en-US" dirty="0"/>
+              <a:t>Tests </a:t>
+            </a:r>
+            <a:r>
+              <a:rPr lang="en-US" dirty="0" err="1"/>
+              <a:t>Unitarios</a:t>
+            </a:r>
+            <a:endParaRPr lang="es-AR" dirty="0"/>
+          </a:p>
+        </p:txBody>
+      </p:sp>
+      <p:sp>
+        <p:nvSpPr>
+          <p:cNvPr id="4" name="Text Placeholder 3"/>
+          <p:cNvSpPr>
+            <a:spLocks noGrp="1"/>
           </p:cNvSpPr>
           <p:nvPr>
             <p:ph type="body" sz="quarter" idx="10"/>
           </p:nvPr>
         </p:nvSpPr>
-        <p:spPr>
-          <a:xfrm>
-            <a:off x="1169678" y="1984816"/>
-            <a:ext cx="8488424" cy="3603183"/>
-          </a:xfrm>
-        </p:spPr>
+        <p:spPr/>
         <p:txBody>
           <a:bodyPr/>
           <a:lstStyle/>
           <a:p>
-            <a:pPr marL="285750" indent="-285750">
-              <a:spcAft>
-                <a:spcPts val="400"/>
-              </a:spcAft>
-              <a:buClr>
-                <a:schemeClr val="accent6"/>
-              </a:buClr>
-              <a:buFont typeface="Arial" charset="0"/>
-              <a:buChar char="•"/>
-            </a:pPr>
-            <a:r>
-              <a:rPr lang="en-US" sz="2000" dirty="0">
-                <a:solidFill>
-                  <a:schemeClr val="tx1"/>
-                </a:solidFill>
-                <a:latin typeface="+mn-lt"/>
-              </a:rPr>
-              <a:t>No </a:t>
-            </a:r>
-            <a:r>
-              <a:rPr lang="en-US" sz="2000" dirty="0" err="1">
-                <a:solidFill>
-                  <a:schemeClr val="tx1"/>
-                </a:solidFill>
-                <a:latin typeface="+mn-lt"/>
-              </a:rPr>
-              <a:t>todo</a:t>
-            </a:r>
-            <a:r>
-              <a:rPr lang="en-US" sz="2000" dirty="0">
-                <a:solidFill>
-                  <a:schemeClr val="tx1"/>
-                </a:solidFill>
-                <a:latin typeface="+mn-lt"/>
-              </a:rPr>
-              <a:t> el </a:t>
-            </a:r>
-            <a:r>
-              <a:rPr lang="en-US" sz="2000" dirty="0" err="1">
-                <a:solidFill>
-                  <a:schemeClr val="tx1"/>
-                </a:solidFill>
-                <a:latin typeface="+mn-lt"/>
-              </a:rPr>
-              <a:t>código</a:t>
-            </a:r>
-            <a:r>
-              <a:rPr lang="en-US" sz="2000" dirty="0">
-                <a:solidFill>
-                  <a:schemeClr val="tx1"/>
-                </a:solidFill>
-                <a:latin typeface="+mn-lt"/>
-              </a:rPr>
-              <a:t> </a:t>
-            </a:r>
-            <a:r>
-              <a:rPr lang="en-US" sz="2000" dirty="0" err="1">
-                <a:solidFill>
-                  <a:schemeClr val="tx1"/>
-                </a:solidFill>
-                <a:latin typeface="+mn-lt"/>
-              </a:rPr>
-              <a:t>está</a:t>
-            </a:r>
-            <a:r>
-              <a:rPr lang="en-US" sz="2000" dirty="0">
-                <a:solidFill>
-                  <a:schemeClr val="tx1"/>
-                </a:solidFill>
-                <a:latin typeface="+mn-lt"/>
-              </a:rPr>
-              <a:t> </a:t>
-            </a:r>
-            <a:r>
-              <a:rPr lang="en-US" sz="2000" dirty="0" err="1">
-                <a:solidFill>
-                  <a:schemeClr val="tx1"/>
-                </a:solidFill>
-                <a:latin typeface="+mn-lt"/>
-              </a:rPr>
-              <a:t>contenido</a:t>
-            </a:r>
-            <a:r>
-              <a:rPr lang="en-US" sz="2000" dirty="0">
-                <a:solidFill>
-                  <a:schemeClr val="tx1"/>
-                </a:solidFill>
-                <a:latin typeface="+mn-lt"/>
-              </a:rPr>
-              <a:t> </a:t>
-            </a:r>
-            <a:r>
-              <a:rPr lang="en-US" sz="2000" dirty="0" err="1">
-                <a:solidFill>
-                  <a:schemeClr val="tx1"/>
-                </a:solidFill>
-                <a:latin typeface="+mn-lt"/>
-              </a:rPr>
-              <a:t>en</a:t>
-            </a:r>
-            <a:r>
-              <a:rPr lang="en-US" sz="2000" dirty="0">
-                <a:solidFill>
-                  <a:schemeClr val="tx1"/>
-                </a:solidFill>
-                <a:latin typeface="+mn-lt"/>
-              </a:rPr>
-              <a:t> </a:t>
-            </a:r>
-            <a:r>
-              <a:rPr lang="en-US" sz="2000" dirty="0" err="1">
-                <a:solidFill>
-                  <a:schemeClr val="tx1"/>
-                </a:solidFill>
-                <a:latin typeface="+mn-lt"/>
-              </a:rPr>
-              <a:t>sí</a:t>
-            </a:r>
-            <a:r>
-              <a:rPr lang="en-US" sz="2000" dirty="0">
-                <a:solidFill>
-                  <a:schemeClr val="tx1"/>
-                </a:solidFill>
-                <a:latin typeface="+mn-lt"/>
-              </a:rPr>
-              <a:t> </a:t>
-            </a:r>
-            <a:r>
-              <a:rPr lang="en-US" sz="2000" dirty="0" err="1" smtClean="0">
-                <a:solidFill>
-                  <a:schemeClr val="tx1"/>
-                </a:solidFill>
-                <a:latin typeface="+mn-lt"/>
-              </a:rPr>
-              <a:t>mismo</a:t>
-            </a:r>
-            <a:endParaRPr lang="en-US" sz="2000" dirty="0" smtClean="0">
-              <a:solidFill>
-                <a:schemeClr val="tx1"/>
-              </a:solidFill>
-              <a:latin typeface="+mn-lt"/>
-            </a:endParaRPr>
-          </a:p>
-          <a:p>
-            <a:pPr marL="285750" indent="-285750">
-              <a:spcAft>
-                <a:spcPts val="400"/>
-              </a:spcAft>
-              <a:buClr>
-                <a:schemeClr val="accent6"/>
-              </a:buClr>
-              <a:buFont typeface="Arial" charset="0"/>
-              <a:buChar char="•"/>
-            </a:pPr>
-            <a:endParaRPr lang="en-US" sz="2000" dirty="0">
-              <a:solidFill>
-                <a:schemeClr val="tx1"/>
-              </a:solidFill>
-              <a:latin typeface="+mn-lt"/>
-            </a:endParaRPr>
-          </a:p>
-          <a:p>
-            <a:pPr marL="285750" indent="-285750">
-              <a:spcAft>
-                <a:spcPts val="400"/>
-              </a:spcAft>
-              <a:buClr>
-                <a:schemeClr val="accent6"/>
-              </a:buClr>
-              <a:buFont typeface="Arial" charset="0"/>
-              <a:buChar char="•"/>
-            </a:pPr>
-            <a:r>
-              <a:rPr lang="en-US" sz="2000" dirty="0">
-                <a:solidFill>
-                  <a:schemeClr val="tx1"/>
-                </a:solidFill>
-                <a:latin typeface="+mn-lt"/>
-              </a:rPr>
-              <a:t>Un test </a:t>
-            </a:r>
-            <a:r>
-              <a:rPr lang="en-US" sz="2000" dirty="0" err="1">
-                <a:solidFill>
-                  <a:schemeClr val="tx1"/>
-                </a:solidFill>
-                <a:latin typeface="+mn-lt"/>
-              </a:rPr>
-              <a:t>unitario</a:t>
-            </a:r>
-            <a:r>
-              <a:rPr lang="en-US" sz="2000" dirty="0">
-                <a:solidFill>
-                  <a:schemeClr val="tx1"/>
-                </a:solidFill>
-                <a:latin typeface="+mn-lt"/>
-              </a:rPr>
-              <a:t> </a:t>
-            </a:r>
-            <a:r>
-              <a:rPr lang="en-US" sz="2000" dirty="0" err="1">
-                <a:solidFill>
-                  <a:schemeClr val="tx1"/>
-                </a:solidFill>
-                <a:latin typeface="+mn-lt"/>
-              </a:rPr>
-              <a:t>debe</a:t>
-            </a:r>
-            <a:r>
-              <a:rPr lang="en-US" sz="2000" dirty="0">
-                <a:solidFill>
-                  <a:schemeClr val="tx1"/>
-                </a:solidFill>
-                <a:latin typeface="+mn-lt"/>
-              </a:rPr>
-              <a:t> </a:t>
-            </a:r>
-            <a:r>
-              <a:rPr lang="en-US" sz="2000" dirty="0" err="1">
-                <a:solidFill>
-                  <a:schemeClr val="tx1"/>
-                </a:solidFill>
-                <a:latin typeface="+mn-lt"/>
-              </a:rPr>
-              <a:t>probar</a:t>
-            </a:r>
-            <a:r>
-              <a:rPr lang="en-US" sz="2000" dirty="0">
-                <a:solidFill>
-                  <a:schemeClr val="tx1"/>
-                </a:solidFill>
-                <a:latin typeface="+mn-lt"/>
-              </a:rPr>
-              <a:t> el </a:t>
-            </a:r>
-            <a:r>
-              <a:rPr lang="en-US" sz="2000" dirty="0" err="1">
-                <a:solidFill>
-                  <a:schemeClr val="tx1"/>
-                </a:solidFill>
-                <a:latin typeface="+mn-lt"/>
-              </a:rPr>
-              <a:t>código</a:t>
-            </a:r>
-            <a:r>
-              <a:rPr lang="en-US" sz="2000" dirty="0">
-                <a:solidFill>
-                  <a:schemeClr val="tx1"/>
-                </a:solidFill>
-                <a:latin typeface="+mn-lt"/>
-              </a:rPr>
-              <a:t> sin </a:t>
-            </a:r>
-            <a:r>
-              <a:rPr lang="en-US" sz="2000" dirty="0" err="1">
-                <a:solidFill>
-                  <a:schemeClr val="tx1"/>
-                </a:solidFill>
-                <a:latin typeface="+mn-lt"/>
-              </a:rPr>
-              <a:t>probar</a:t>
-            </a:r>
-            <a:r>
-              <a:rPr lang="en-US" sz="2000" dirty="0">
-                <a:solidFill>
-                  <a:schemeClr val="tx1"/>
-                </a:solidFill>
-                <a:latin typeface="+mn-lt"/>
-              </a:rPr>
-              <a:t> </a:t>
-            </a:r>
-            <a:r>
-              <a:rPr lang="en-US" sz="2000" dirty="0" err="1">
-                <a:solidFill>
-                  <a:schemeClr val="tx1"/>
-                </a:solidFill>
-                <a:latin typeface="+mn-lt"/>
-              </a:rPr>
-              <a:t>las</a:t>
-            </a:r>
-            <a:r>
-              <a:rPr lang="en-US" sz="2000" dirty="0">
-                <a:solidFill>
-                  <a:schemeClr val="tx1"/>
-                </a:solidFill>
-                <a:latin typeface="+mn-lt"/>
-              </a:rPr>
-              <a:t> </a:t>
-            </a:r>
-            <a:r>
-              <a:rPr lang="en-US" sz="2000" dirty="0" err="1">
-                <a:solidFill>
-                  <a:schemeClr val="tx1"/>
-                </a:solidFill>
-                <a:latin typeface="+mn-lt"/>
-              </a:rPr>
-              <a:t>dependencias</a:t>
-            </a:r>
-            <a:endParaRPr lang="en-US" sz="2000" dirty="0">
-              <a:solidFill>
-                <a:schemeClr val="tx1"/>
-              </a:solidFill>
-              <a:latin typeface="+mn-lt"/>
-            </a:endParaRPr>
-          </a:p>
-          <a:p>
-            <a:pPr marL="285750" indent="-285750">
-              <a:spcAft>
-                <a:spcPts val="400"/>
-              </a:spcAft>
-              <a:buClr>
-                <a:schemeClr val="accent6"/>
-              </a:buClr>
-              <a:buFont typeface="Arial" charset="0"/>
-              <a:buChar char="•"/>
-            </a:pPr>
-            <a:endParaRPr lang="en-US" sz="2000" dirty="0" smtClean="0">
-              <a:solidFill>
-                <a:schemeClr val="tx1"/>
-              </a:solidFill>
-              <a:latin typeface="+mn-lt"/>
-            </a:endParaRPr>
-          </a:p>
-          <a:p>
-            <a:pPr marL="285750" indent="-285750">
-              <a:spcAft>
-                <a:spcPts val="400"/>
-              </a:spcAft>
-              <a:buClr>
-                <a:schemeClr val="accent6"/>
-              </a:buClr>
-              <a:buFont typeface="Arial" charset="0"/>
-              <a:buChar char="•"/>
-            </a:pPr>
-            <a:r>
-              <a:rPr lang="en-US" sz="2000" dirty="0" err="1" smtClean="0">
-                <a:solidFill>
-                  <a:schemeClr val="tx1"/>
-                </a:solidFill>
-                <a:latin typeface="+mn-lt"/>
-              </a:rPr>
-              <a:t>Ver</a:t>
-            </a:r>
-            <a:r>
-              <a:rPr lang="en-US" sz="2000" dirty="0" smtClean="0">
-                <a:solidFill>
-                  <a:schemeClr val="tx1"/>
-                </a:solidFill>
-                <a:latin typeface="+mn-lt"/>
-              </a:rPr>
-              <a:t> </a:t>
-            </a:r>
-            <a:r>
-              <a:rPr lang="en-US" sz="2000" dirty="0">
-                <a:solidFill>
-                  <a:schemeClr val="tx1"/>
-                </a:solidFill>
-                <a:latin typeface="+mn-lt"/>
-              </a:rPr>
-              <a:t>Tips 1 y 2</a:t>
-            </a:r>
-          </a:p>
-          <a:p>
-            <a:pPr marL="597150" lvl="1" indent="-342900">
-              <a:spcAft>
-                <a:spcPts val="400"/>
-              </a:spcAft>
-              <a:buClr>
-                <a:schemeClr val="accent6"/>
-              </a:buClr>
-              <a:buSzPct val="100000"/>
-              <a:buFont typeface="Courier New" panose="02070309020205020404" pitchFamily="49" charset="0"/>
-              <a:buChar char="o"/>
-            </a:pPr>
-            <a:r>
-              <a:rPr lang="en-US" dirty="0" err="1">
-                <a:solidFill>
-                  <a:schemeClr val="tx1"/>
-                </a:solidFill>
-              </a:rPr>
-              <a:t>Programación</a:t>
-            </a:r>
-            <a:r>
-              <a:rPr lang="en-US" dirty="0">
-                <a:solidFill>
-                  <a:schemeClr val="tx1"/>
-                </a:solidFill>
-              </a:rPr>
-              <a:t> </a:t>
-            </a:r>
-            <a:r>
-              <a:rPr lang="en-US" dirty="0" err="1">
-                <a:solidFill>
-                  <a:schemeClr val="tx1"/>
-                </a:solidFill>
-              </a:rPr>
-              <a:t>orientada</a:t>
-            </a:r>
-            <a:r>
-              <a:rPr lang="en-US" dirty="0">
-                <a:solidFill>
-                  <a:schemeClr val="tx1"/>
-                </a:solidFill>
-              </a:rPr>
-              <a:t> a interfaces</a:t>
-            </a:r>
-          </a:p>
-          <a:p>
-            <a:pPr marL="597150" lvl="1" indent="-342900">
-              <a:spcAft>
-                <a:spcPts val="400"/>
-              </a:spcAft>
-              <a:buClr>
-                <a:schemeClr val="accent6"/>
-              </a:buClr>
-              <a:buSzPct val="100000"/>
-              <a:buFont typeface="Courier New" panose="02070309020205020404" pitchFamily="49" charset="0"/>
-              <a:buChar char="o"/>
-            </a:pPr>
-            <a:r>
-              <a:rPr lang="en-US" dirty="0" err="1">
-                <a:solidFill>
-                  <a:schemeClr val="tx1"/>
-                </a:solidFill>
-              </a:rPr>
-              <a:t>Inyección</a:t>
-            </a:r>
-            <a:r>
-              <a:rPr lang="en-US" dirty="0">
-                <a:solidFill>
-                  <a:schemeClr val="tx1"/>
-                </a:solidFill>
-              </a:rPr>
-              <a:t> de </a:t>
-            </a:r>
-            <a:r>
-              <a:rPr lang="en-US" dirty="0" err="1">
-                <a:solidFill>
-                  <a:schemeClr val="tx1"/>
-                </a:solidFill>
-              </a:rPr>
-              <a:t>dependencias</a:t>
-            </a:r>
-            <a:r>
-              <a:rPr lang="en-US" dirty="0">
-                <a:solidFill>
-                  <a:schemeClr val="tx1"/>
-                </a:solidFill>
-              </a:rPr>
-              <a:t> </a:t>
-            </a:r>
-            <a:r>
-              <a:rPr lang="en-US" dirty="0" err="1">
-                <a:solidFill>
-                  <a:schemeClr val="tx1"/>
-                </a:solidFill>
-              </a:rPr>
-              <a:t>por</a:t>
-            </a:r>
-            <a:r>
-              <a:rPr lang="en-US" dirty="0">
-                <a:solidFill>
-                  <a:schemeClr val="tx1"/>
-                </a:solidFill>
-              </a:rPr>
-              <a:t> constructor</a:t>
-            </a:r>
-          </a:p>
-        </p:txBody>
-      </p:sp>
-      <p:sp>
-        <p:nvSpPr>
-          <p:cNvPr id="6" name="Text Placeholder 3"/>
-          <p:cNvSpPr txBox="1">
-            <a:spLocks/>
-          </p:cNvSpPr>
-          <p:nvPr/>
-        </p:nvSpPr>
-        <p:spPr>
-          <a:xfrm>
-            <a:off x="1169678" y="951684"/>
-            <a:ext cx="8488424" cy="560517"/>
-          </a:xfrm>
-          <a:prstGeom prst="rect">
-            <a:avLst/>
-          </a:prstGeom>
-        </p:spPr>
-        <p:txBody>
-          <a:bodyPr/>
-          <a:lstStyle>
-            <a:defPPr marR="0" lvl="0" algn="l" rtl="0">
-              <a:lnSpc>
-                <a:spcPct val="100000"/>
-              </a:lnSpc>
-              <a:spcBef>
-                <a:spcPts val="0"/>
-              </a:spcBef>
-              <a:spcAft>
-                <a:spcPts val="0"/>
-              </a:spcAft>
-            </a:defPPr>
-            <a:lvl1pPr marR="0" lvl="0" algn="l" rtl="0" eaLnBrk="1" hangingPunct="1">
-              <a:lnSpc>
-                <a:spcPct val="100000"/>
-              </a:lnSpc>
-              <a:spcBef>
-                <a:spcPts val="0"/>
-              </a:spcBef>
-              <a:spcAft>
-                <a:spcPts val="0"/>
-              </a:spcAft>
-              <a:buNone/>
-              <a:defRPr sz="2400" b="0" i="0" u="none" strike="noStrike" cap="none" baseline="0">
-                <a:solidFill>
-                  <a:srgbClr val="A3A3A3"/>
-                </a:solidFill>
-                <a:latin typeface="Century Gothic" charset="0"/>
-                <a:ea typeface="Century Gothic" charset="0"/>
-                <a:cs typeface="Century Gothic" charset="0"/>
-                <a:sym typeface="Arial"/>
-              </a:defRPr>
-            </a:lvl1pPr>
-            <a:lvl2pPr marR="0" lvl="1" algn="l" rtl="0" eaLnBrk="1" hangingPunct="1">
-              <a:lnSpc>
-                <a:spcPct val="100000"/>
-              </a:lnSpc>
-              <a:spcBef>
-                <a:spcPts val="0"/>
-              </a:spcBef>
-              <a:spcAft>
-                <a:spcPts val="0"/>
-              </a:spcAft>
-              <a:buNone/>
-              <a:defRPr sz="1800" b="0" i="0" u="none" strike="noStrike" cap="none" baseline="0">
-                <a:solidFill>
-                  <a:schemeClr val="bg1">
-                    <a:lumMod val="50000"/>
-                  </a:schemeClr>
-                </a:solidFill>
-                <a:latin typeface="+mn-lt"/>
-                <a:ea typeface="Arial"/>
-                <a:cs typeface="Arial"/>
-                <a:sym typeface="Arial"/>
-              </a:defRPr>
-            </a:lvl2pPr>
-            <a:lvl3pPr marR="0" lvl="2" algn="l" rtl="0" eaLnBrk="1" hangingPunct="1">
-              <a:lnSpc>
-                <a:spcPct val="100000"/>
-              </a:lnSpc>
-              <a:spcBef>
-                <a:spcPts val="0"/>
-              </a:spcBef>
-              <a:spcAft>
-                <a:spcPts val="0"/>
-              </a:spcAft>
-              <a:buNone/>
-              <a:defRPr sz="1867" b="0" i="0" u="none" strike="noStrike" cap="none">
-                <a:solidFill>
-                  <a:srgbClr val="000000"/>
-                </a:solidFill>
-                <a:latin typeface="Arial"/>
-                <a:ea typeface="Arial"/>
-                <a:cs typeface="Arial"/>
-                <a:sym typeface="Arial"/>
-              </a:defRPr>
-            </a:lvl3pPr>
-            <a:lvl4pPr marR="0" lvl="3" algn="l" rtl="0" eaLnBrk="1" hangingPunct="1">
-              <a:lnSpc>
-                <a:spcPct val="100000"/>
-              </a:lnSpc>
-              <a:spcBef>
-                <a:spcPts val="0"/>
-              </a:spcBef>
-              <a:spcAft>
-                <a:spcPts val="0"/>
-              </a:spcAft>
-              <a:buNone/>
-              <a:defRPr sz="1867" b="0" i="0" u="none" strike="noStrike" cap="none">
-                <a:solidFill>
-                  <a:srgbClr val="000000"/>
-                </a:solidFill>
-                <a:latin typeface="Arial"/>
-                <a:ea typeface="Arial"/>
-                <a:cs typeface="Arial"/>
-                <a:sym typeface="Arial"/>
-              </a:defRPr>
-            </a:lvl4pPr>
-            <a:lvl5pPr marR="0" lvl="4" algn="l" rtl="0" eaLnBrk="1" hangingPunct="1">
-              <a:lnSpc>
-                <a:spcPct val="100000"/>
-              </a:lnSpc>
-              <a:spcBef>
-                <a:spcPts val="0"/>
-              </a:spcBef>
-              <a:spcAft>
-                <a:spcPts val="0"/>
-              </a:spcAft>
-              <a:buNone/>
-              <a:defRPr sz="1867" b="0" i="0" u="none" strike="noStrike" cap="none">
-                <a:solidFill>
-                  <a:srgbClr val="000000"/>
-                </a:solidFill>
-                <a:latin typeface="Arial"/>
-                <a:ea typeface="Arial"/>
-                <a:cs typeface="Arial"/>
-                <a:sym typeface="Arial"/>
-              </a:defRPr>
-            </a:lvl5pPr>
-            <a:lvl6pPr marR="0" lvl="5" algn="l" rtl="0" eaLnBrk="1" hangingPunct="1">
-              <a:lnSpc>
-                <a:spcPct val="100000"/>
-              </a:lnSpc>
-              <a:spcBef>
-                <a:spcPts val="0"/>
-              </a:spcBef>
-              <a:spcAft>
-                <a:spcPts val="0"/>
-              </a:spcAft>
-              <a:buNone/>
-              <a:defRPr sz="1867" b="0" i="0" u="none" strike="noStrike" cap="none">
-                <a:solidFill>
-                  <a:srgbClr val="000000"/>
-                </a:solidFill>
-                <a:latin typeface="Arial"/>
-                <a:ea typeface="Arial"/>
-                <a:cs typeface="Arial"/>
-                <a:sym typeface="Arial"/>
-              </a:defRPr>
-            </a:lvl6pPr>
-            <a:lvl7pPr marR="0" lvl="6" algn="l" rtl="0" eaLnBrk="1" hangingPunct="1">
-              <a:lnSpc>
-                <a:spcPct val="100000"/>
-              </a:lnSpc>
-              <a:spcBef>
-                <a:spcPts val="0"/>
-              </a:spcBef>
-              <a:spcAft>
-                <a:spcPts val="0"/>
-              </a:spcAft>
-              <a:buNone/>
-              <a:defRPr sz="1867" b="0" i="0" u="none" strike="noStrike" cap="none">
-                <a:solidFill>
-                  <a:srgbClr val="000000"/>
-                </a:solidFill>
-                <a:latin typeface="Arial"/>
-                <a:ea typeface="Arial"/>
-                <a:cs typeface="Arial"/>
-                <a:sym typeface="Arial"/>
-              </a:defRPr>
-            </a:lvl7pPr>
-            <a:lvl8pPr marR="0" lvl="7" algn="l" rtl="0" eaLnBrk="1" hangingPunct="1">
-              <a:lnSpc>
-                <a:spcPct val="100000"/>
-              </a:lnSpc>
-              <a:spcBef>
-                <a:spcPts val="0"/>
-              </a:spcBef>
-              <a:spcAft>
-                <a:spcPts val="0"/>
-              </a:spcAft>
-              <a:buNone/>
-              <a:defRPr sz="1867" b="0" i="0" u="none" strike="noStrike" cap="none">
-                <a:solidFill>
-                  <a:srgbClr val="000000"/>
-                </a:solidFill>
-                <a:latin typeface="Arial"/>
-                <a:ea typeface="Arial"/>
-                <a:cs typeface="Arial"/>
-                <a:sym typeface="Arial"/>
-              </a:defRPr>
-            </a:lvl8pPr>
-            <a:lvl9pPr marR="0" lvl="8" algn="l" rtl="0" eaLnBrk="1" hangingPunct="1">
-              <a:lnSpc>
-                <a:spcPct val="100000"/>
-              </a:lnSpc>
-              <a:spcBef>
-                <a:spcPts val="0"/>
-              </a:spcBef>
-              <a:spcAft>
-                <a:spcPts val="0"/>
-              </a:spcAft>
-              <a:buNone/>
-              <a:defRPr sz="1867" b="0" i="0" u="none" strike="noStrike" cap="none">
-                <a:solidFill>
-                  <a:srgbClr val="000000"/>
-                </a:solidFill>
-                <a:latin typeface="Arial"/>
-                <a:ea typeface="Arial"/>
-                <a:cs typeface="Arial"/>
-                <a:sym typeface="Arial"/>
-              </a:defRPr>
-            </a:lvl9pPr>
-          </a:lstStyle>
-          <a:p>
             <a:r>
               <a:rPr lang="en-US" dirty="0"/>
-              <a:t>Tip 5: Mocking de </a:t>
+              <a:t>Tip 4: </a:t>
             </a:r>
             <a:r>
               <a:rPr lang="en-US" dirty="0" err="1"/>
-              <a:t>dependencias</a:t>
-            </a:r>
-            <a:endParaRPr lang="es-AR" dirty="0"/>
-          </a:p>
-        </p:txBody>
-      </p:sp>
-      <p:sp>
-        <p:nvSpPr>
-          <p:cNvPr id="8" name="Rectangle 4"/>
-          <p:cNvSpPr txBox="1">
-            <a:spLocks noChangeArrowheads="1"/>
-          </p:cNvSpPr>
-          <p:nvPr/>
-        </p:nvSpPr>
-        <p:spPr>
-          <a:xfrm>
-            <a:off x="1169678" y="336161"/>
-            <a:ext cx="8488424" cy="615523"/>
-          </a:xfrm>
-          <a:prstGeom prst="rect">
-            <a:avLst/>
-          </a:prstGeom>
-        </p:spPr>
-        <p:txBody>
-          <a:bodyPr lIns="91425" tIns="91425" rIns="91425" bIns="91425" anchor="t" anchorCtr="0">
-            <a:spAutoFit/>
-          </a:bodyPr>
-          <a:lstStyle>
-            <a:defPPr marR="0" lvl="0" algn="l" rtl="0">
-              <a:lnSpc>
-                <a:spcPct val="100000"/>
-              </a:lnSpc>
-              <a:spcBef>
-                <a:spcPts val="0"/>
-              </a:spcBef>
-              <a:spcAft>
-                <a:spcPts val="0"/>
-              </a:spcAft>
-            </a:defPPr>
-            <a:lvl1pPr marR="0" lvl="0" algn="l" rtl="0" eaLnBrk="1" hangingPunct="1">
-              <a:lnSpc>
-                <a:spcPct val="100000"/>
-              </a:lnSpc>
-              <a:spcBef>
-                <a:spcPts val="0"/>
-              </a:spcBef>
-              <a:spcAft>
-                <a:spcPts val="0"/>
-              </a:spcAft>
-              <a:buNone/>
-              <a:defRPr sz="2800" b="0" i="0" u="none" strike="noStrike" cap="none" baseline="0">
-                <a:solidFill>
-                  <a:srgbClr val="676767"/>
-                </a:solidFill>
-                <a:latin typeface="Century Gothic" charset="0"/>
-                <a:ea typeface="Century Gothic" charset="0"/>
-                <a:cs typeface="Century Gothic" charset="0"/>
-                <a:sym typeface="Arial"/>
-              </a:defRPr>
-            </a:lvl1pPr>
-            <a:lvl2pPr lvl="1">
-              <a:spcBef>
-                <a:spcPts val="0"/>
-              </a:spcBef>
-              <a:defRPr/>
-            </a:lvl2pPr>
-            <a:lvl3pPr lvl="2">
-              <a:spcBef>
-                <a:spcPts val="0"/>
-              </a:spcBef>
-              <a:defRPr/>
-            </a:lvl3pPr>
-            <a:lvl4pPr lvl="3">
-              <a:spcBef>
-                <a:spcPts val="0"/>
-              </a:spcBef>
-              <a:defRPr/>
-            </a:lvl4pPr>
-            <a:lvl5pPr lvl="4">
-              <a:spcBef>
-                <a:spcPts val="0"/>
-              </a:spcBef>
-              <a:defRPr/>
-            </a:lvl5pPr>
-            <a:lvl6pPr lvl="5">
-              <a:spcBef>
-                <a:spcPts val="0"/>
-              </a:spcBef>
-              <a:defRPr/>
-            </a:lvl6pPr>
-            <a:lvl7pPr lvl="6">
-              <a:spcBef>
-                <a:spcPts val="0"/>
-              </a:spcBef>
-              <a:defRPr/>
-            </a:lvl7pPr>
-            <a:lvl8pPr lvl="7">
-              <a:spcBef>
-                <a:spcPts val="0"/>
-              </a:spcBef>
-              <a:defRPr/>
-            </a:lvl8pPr>
-            <a:lvl9pPr lvl="8">
-              <a:spcBef>
-                <a:spcPts val="0"/>
-              </a:spcBef>
-              <a:defRPr/>
-            </a:lvl9pPr>
-          </a:lstStyle>
-          <a:p>
-            <a:r>
-              <a:rPr lang="en-US" dirty="0" smtClean="0"/>
-              <a:t>Tests </a:t>
-            </a:r>
-            <a:r>
-              <a:rPr lang="en-US" dirty="0" err="1" smtClean="0"/>
+              <a:t>Generar</a:t>
+            </a:r>
+            <a:r>
+              <a:rPr lang="en-US" dirty="0"/>
+              <a:t> Tests </a:t>
+            </a:r>
+            <a:r>
+              <a:rPr lang="en-US" dirty="0" err="1"/>
               <a:t>Unitarios</a:t>
             </a:r>
             <a:endParaRPr lang="es-AR" dirty="0"/>
@@ -13490,14 +13104,13 @@
     </p:spTree>
     <p:extLst>
       <p:ext uri="{BB962C8B-B14F-4D97-AF65-F5344CB8AC3E}">
-        <p14:creationId xmlns:p14="http://schemas.microsoft.com/office/powerpoint/2010/main" val="1769549006"/>
+        <p14:creationId xmlns:p14="http://schemas.microsoft.com/office/powerpoint/2010/main" val="3463121040"/>
       </p:ext>
     </p:extLst>
   </p:cSld>
   <p:clrMapOvr>
     <a:masterClrMapping/>
   </p:clrMapOvr>
-  <p:transition/>
   <p:timing>
     <p:tnLst>
       <p:par>
@@ -13537,8 +13150,8 @@
         </p:nvSpPr>
         <p:spPr>
           <a:xfrm>
-            <a:off x="1169678" y="2619817"/>
-            <a:ext cx="5258418" cy="2129225"/>
+            <a:off x="1169678" y="1984816"/>
+            <a:ext cx="8488424" cy="3603183"/>
           </a:xfrm>
         </p:spPr>
         <p:txBody>
@@ -13562,7 +13175,7 @@
                 </a:solidFill>
                 <a:latin typeface="+mn-lt"/>
               </a:rPr>
-              <a:t>Los </a:t>
+              <a:t>No </a:t>
             </a:r>
             <a:r>
               <a:rPr lang="en-US" sz="2000" dirty="0" err="1">
@@ -13571,7 +13184,7 @@
                 </a:solidFill>
                 <a:latin typeface="+mn-lt"/>
               </a:rPr>
-              <a:t>objetos</a:t>
+              <a:t>todo</a:t>
             </a:r>
             <a:r>
               <a:rPr lang="en-US" sz="2000" dirty="0">
@@ -13580,7 +13193,7 @@
                 </a:solidFill>
                 <a:latin typeface="+mn-lt"/>
               </a:rPr>
-              <a:t> Mock son </a:t>
+              <a:t> el </a:t>
             </a:r>
             <a:r>
               <a:rPr lang="en-US" sz="2000" dirty="0" err="1">
@@ -13589,7 +13202,7 @@
                 </a:solidFill>
                 <a:latin typeface="+mn-lt"/>
               </a:rPr>
-              <a:t>objetos</a:t>
+              <a:t>código</a:t>
             </a:r>
             <a:r>
               <a:rPr lang="en-US" sz="2000" dirty="0">
@@ -13607,7 +13220,7 @@
                 </a:solidFill>
                 <a:latin typeface="+mn-lt"/>
               </a:rPr>
-              <a:t>simulados</a:t>
+              <a:t>está</a:t>
             </a:r>
             <a:r>
               <a:rPr lang="en-US" sz="2000" dirty="0">
@@ -13625,7 +13238,7 @@
                 </a:solidFill>
                 <a:latin typeface="+mn-lt"/>
               </a:rPr>
-              <a:t>que</a:t>
+              <a:t>contenido</a:t>
             </a:r>
             <a:r>
               <a:rPr lang="en-US" sz="2000" dirty="0">
@@ -13643,7 +13256,7 @@
                 </a:solidFill>
                 <a:latin typeface="+mn-lt"/>
               </a:rPr>
-              <a:t>imitan</a:t>
+              <a:t>en</a:t>
             </a:r>
             <a:r>
               <a:rPr lang="en-US" sz="2000" dirty="0">
@@ -13652,7 +13265,7 @@
                 </a:solidFill>
                 <a:latin typeface="+mn-lt"/>
               </a:rPr>
-              <a:t> el </a:t>
+              <a:t> </a:t>
             </a:r>
             <a:r>
               <a:rPr lang="en-US" sz="2000" dirty="0" err="1">
@@ -13661,7 +13274,7 @@
                 </a:solidFill>
                 <a:latin typeface="+mn-lt"/>
               </a:rPr>
-              <a:t>comportamiento</a:t>
+              <a:t>sí</a:t>
             </a:r>
             <a:r>
               <a:rPr lang="en-US" sz="2000" dirty="0">
@@ -13670,70 +13283,35 @@
                 </a:solidFill>
                 <a:latin typeface="+mn-lt"/>
               </a:rPr>
-              <a:t> de </a:t>
-            </a:r>
-            <a:r>
-              <a:rPr lang="en-US" sz="2000" dirty="0" err="1">
-                <a:solidFill>
-                  <a:schemeClr val="tx1"/>
-                </a:solidFill>
-                <a:latin typeface="+mn-lt"/>
-              </a:rPr>
-              <a:t>objetos</a:t>
-            </a:r>
-            <a:r>
-              <a:rPr lang="en-US" sz="2000" dirty="0">
-                <a:solidFill>
-                  <a:schemeClr val="tx1"/>
-                </a:solidFill>
-                <a:latin typeface="+mn-lt"/>
-              </a:rPr>
               <a:t> </a:t>
             </a:r>
             <a:r>
-              <a:rPr lang="en-US" sz="2000" dirty="0" err="1">
-                <a:solidFill>
-                  <a:schemeClr val="tx1"/>
-                </a:solidFill>
-                <a:latin typeface="+mn-lt"/>
-              </a:rPr>
-              <a:t>reales</a:t>
-            </a:r>
-            <a:r>
-              <a:rPr lang="en-US" sz="2000" dirty="0">
-                <a:solidFill>
-                  <a:schemeClr val="tx1"/>
-                </a:solidFill>
-                <a:latin typeface="+mn-lt"/>
-              </a:rPr>
-              <a:t> de forma </a:t>
-            </a:r>
-            <a:r>
-              <a:rPr lang="en-US" sz="2000" dirty="0" err="1">
-                <a:solidFill>
-                  <a:schemeClr val="tx1"/>
-                </a:solidFill>
-                <a:latin typeface="+mn-lt"/>
-              </a:rPr>
-              <a:t>controlada</a:t>
-            </a:r>
-            <a:r>
-              <a:rPr lang="en-US" sz="2000" dirty="0">
-                <a:solidFill>
-                  <a:schemeClr val="tx1"/>
-                </a:solidFill>
-                <a:latin typeface="+mn-lt"/>
-              </a:rPr>
-              <a:t/>
-            </a:r>
-            <a:br>
-              <a:rPr lang="en-US" sz="2000" dirty="0">
-                <a:solidFill>
-                  <a:schemeClr val="tx1"/>
-                </a:solidFill>
-                <a:latin typeface="+mn-lt"/>
-              </a:rPr>
-            </a:br>
+              <a:rPr lang="en-US" sz="2000" dirty="0" err="1" smtClean="0">
+                <a:solidFill>
+                  <a:schemeClr val="tx1"/>
+                </a:solidFill>
+                <a:latin typeface="+mn-lt"/>
+              </a:rPr>
+              <a:t>mismo</a:t>
+            </a:r>
+            <a:endParaRPr lang="en-US" sz="2000" dirty="0" smtClean="0">
+              <a:solidFill>
+                <a:schemeClr val="tx1"/>
+              </a:solidFill>
+              <a:latin typeface="+mn-lt"/>
+            </a:endParaRPr>
+          </a:p>
+          <a:p>
+            <a:pPr marL="285750" indent="-285750">
+              <a:spcAft>
+                <a:spcPts val="400"/>
+              </a:spcAft>
+              <a:buClr>
+                <a:schemeClr val="accent6"/>
+              </a:buClr>
+              <a:buFont typeface="Arial" charset="0"/>
+              <a:buChar char="•"/>
+            </a:pPr>
             <a:endParaRPr lang="en-US" sz="2000" dirty="0">
               <a:solidFill>
                 <a:schemeClr val="tx1"/>
@@ -13753,13 +13331,22 @@
               <a:buChar char="•"/>
             </a:pPr>
             <a:r>
+              <a:rPr lang="en-US" sz="2000" dirty="0">
+                <a:solidFill>
+                  <a:schemeClr val="tx1"/>
+                </a:solidFill>
+                <a:latin typeface="+mn-lt"/>
+              </a:rPr>
+              <a:t>Un test </a:t>
+            </a:r>
+            <a:r>
               <a:rPr lang="en-US" sz="2000" dirty="0" err="1">
                 <a:solidFill>
                   <a:schemeClr val="tx1"/>
                 </a:solidFill>
                 <a:latin typeface="+mn-lt"/>
               </a:rPr>
-              <a:t>Permiten</a:t>
+              <a:t>unitario</a:t>
             </a:r>
             <a:r>
               <a:rPr lang="en-US" sz="2000" dirty="0">
@@ -13777,7 +13364,7 @@
                 </a:solidFill>
                 <a:latin typeface="+mn-lt"/>
               </a:rPr>
-              <a:t>realizar</a:t>
+              <a:t>debe</a:t>
             </a:r>
             <a:r>
               <a:rPr lang="en-US" sz="2000" dirty="0">
@@ -13795,7 +13382,7 @@
                 </a:solidFill>
                 <a:latin typeface="+mn-lt"/>
               </a:rPr>
-              <a:t>verificación</a:t>
+              <a:t>probar</a:t>
             </a:r>
             <a:r>
               <a:rPr lang="en-US" sz="2000" dirty="0">
@@ -13804,7 +13391,7 @@
                 </a:solidFill>
                 <a:latin typeface="+mn-lt"/>
               </a:rPr>
-              <a:t> del </a:t>
+              <a:t> el </a:t>
             </a:r>
             <a:r>
               <a:rPr lang="en-US" sz="2000" dirty="0" err="1">
@@ -13813,7 +13400,7 @@
                 </a:solidFill>
                 <a:latin typeface="+mn-lt"/>
               </a:rPr>
-              <a:t>comportamiento</a:t>
+              <a:t>código</a:t>
             </a:r>
             <a:r>
               <a:rPr lang="en-US" sz="2000" dirty="0">
@@ -13822,7 +13409,7 @@
                 </a:solidFill>
                 <a:latin typeface="+mn-lt"/>
               </a:rPr>
-              <a:t> del </a:t>
+              <a:t> sin </a:t>
             </a:r>
             <a:r>
               <a:rPr lang="en-US" sz="2000" dirty="0" err="1">
@@ -13831,7 +13418,43 @@
                 </a:solidFill>
                 <a:latin typeface="+mn-lt"/>
               </a:rPr>
-              <a:t>objeto</a:t>
+              <a:t>probar</a:t>
+            </a:r>
+            <a:r>
+              <a:rPr lang="en-US" sz="2000" dirty="0">
+                <a:solidFill>
+                  <a:schemeClr val="tx1"/>
+                </a:solidFill>
+                <a:latin typeface="+mn-lt"/>
+              </a:rPr>
+              <a:t> </a:t>
+            </a:r>
+            <a:r>
+              <a:rPr lang="en-US" sz="2000" dirty="0" err="1">
+                <a:solidFill>
+                  <a:schemeClr val="tx1"/>
+                </a:solidFill>
+                <a:latin typeface="+mn-lt"/>
+              </a:rPr>
+              <a:t>las</a:t>
+            </a:r>
+            <a:r>
+              <a:rPr lang="en-US" sz="2000" dirty="0">
+                <a:solidFill>
+                  <a:schemeClr val="tx1"/>
+                </a:solidFill>
+                <a:latin typeface="+mn-lt"/>
+              </a:rPr>
+              <a:t> </a:t>
+            </a:r>
+            <a:r>
+              <a:rPr lang="en-US" sz="2000" dirty="0" err="1">
+                <a:solidFill>
+                  <a:schemeClr val="tx1"/>
+                </a:solidFill>
+                <a:latin typeface="+mn-lt"/>
+              </a:rPr>
+              <a:t>dependencias</a:t>
             </a:r>
             <a:endParaRPr lang="en-US" sz="2000" dirty="0">
               <a:solidFill>
@@ -13840,62 +13463,174 @@
               <a:latin typeface="+mn-lt"/>
             </a:endParaRPr>
           </a:p>
+          <a:p>
+            <a:pPr marL="285750" indent="-285750">
+              <a:spcAft>
+                <a:spcPts val="400"/>
+              </a:spcAft>
+              <a:buClr>
+                <a:schemeClr val="accent6"/>
+              </a:buClr>
+              <a:buFont typeface="Arial" charset="0"/>
+              <a:buChar char="•"/>
+            </a:pPr>
+            <a:endParaRPr lang="en-US" sz="2000" dirty="0" smtClean="0">
+              <a:solidFill>
+                <a:schemeClr val="tx1"/>
+              </a:solidFill>
+              <a:latin typeface="+mn-lt"/>
+            </a:endParaRPr>
+          </a:p>
+          <a:p>
+            <a:pPr marL="285750" indent="-285750">
+              <a:spcAft>
+                <a:spcPts val="400"/>
+              </a:spcAft>
+              <a:buClr>
+                <a:schemeClr val="accent6"/>
+              </a:buClr>
+              <a:buFont typeface="Arial" charset="0"/>
+              <a:buChar char="•"/>
+            </a:pPr>
+            <a:r>
+              <a:rPr lang="en-US" sz="2000" dirty="0" err="1" smtClean="0">
+                <a:solidFill>
+                  <a:schemeClr val="tx1"/>
+                </a:solidFill>
+                <a:latin typeface="+mn-lt"/>
+              </a:rPr>
+              <a:t>Ver</a:t>
+            </a:r>
+            <a:r>
+              <a:rPr lang="en-US" sz="2000" dirty="0" smtClean="0">
+                <a:solidFill>
+                  <a:schemeClr val="tx1"/>
+                </a:solidFill>
+                <a:latin typeface="+mn-lt"/>
+              </a:rPr>
+              <a:t> </a:t>
+            </a:r>
+            <a:r>
+              <a:rPr lang="en-US" sz="2000" dirty="0">
+                <a:solidFill>
+                  <a:schemeClr val="tx1"/>
+                </a:solidFill>
+                <a:latin typeface="+mn-lt"/>
+              </a:rPr>
+              <a:t>Tips 1 y 2</a:t>
+            </a:r>
+          </a:p>
+          <a:p>
+            <a:pPr marL="597150" lvl="1" indent="-342900">
+              <a:spcAft>
+                <a:spcPts val="400"/>
+              </a:spcAft>
+              <a:buClr>
+                <a:schemeClr val="accent6"/>
+              </a:buClr>
+              <a:buSzPct val="100000"/>
+              <a:buFont typeface="Courier New" panose="02070309020205020404" pitchFamily="49" charset="0"/>
+              <a:buChar char="o"/>
+            </a:pPr>
+            <a:r>
+              <a:rPr lang="en-US" dirty="0" err="1">
+                <a:solidFill>
+                  <a:schemeClr val="tx1"/>
+                </a:solidFill>
+              </a:rPr>
+              <a:t>Programación</a:t>
+            </a:r>
+            <a:r>
+              <a:rPr lang="en-US" dirty="0">
+                <a:solidFill>
+                  <a:schemeClr val="tx1"/>
+                </a:solidFill>
+              </a:rPr>
+              <a:t> </a:t>
+            </a:r>
+            <a:r>
+              <a:rPr lang="en-US" dirty="0" err="1">
+                <a:solidFill>
+                  <a:schemeClr val="tx1"/>
+                </a:solidFill>
+              </a:rPr>
+              <a:t>orientada</a:t>
+            </a:r>
+            <a:r>
+              <a:rPr lang="en-US" dirty="0">
+                <a:solidFill>
+                  <a:schemeClr val="tx1"/>
+                </a:solidFill>
+              </a:rPr>
+              <a:t> a interfaces</a:t>
+            </a:r>
+          </a:p>
+          <a:p>
+            <a:pPr marL="597150" lvl="1" indent="-342900">
+              <a:spcAft>
+                <a:spcPts val="400"/>
+              </a:spcAft>
+              <a:buClr>
+                <a:schemeClr val="accent6"/>
+              </a:buClr>
+              <a:buSzPct val="100000"/>
+              <a:buFont typeface="Courier New" panose="02070309020205020404" pitchFamily="49" charset="0"/>
+              <a:buChar char="o"/>
+            </a:pPr>
+            <a:r>
+              <a:rPr lang="en-US" dirty="0" err="1">
+                <a:solidFill>
+                  <a:schemeClr val="tx1"/>
+                </a:solidFill>
+              </a:rPr>
+              <a:t>Inyección</a:t>
+            </a:r>
+            <a:r>
+              <a:rPr lang="en-US" dirty="0">
+                <a:solidFill>
+                  <a:schemeClr val="tx1"/>
+                </a:solidFill>
+              </a:rPr>
+              <a:t> de </a:t>
+            </a:r>
+            <a:r>
+              <a:rPr lang="en-US" dirty="0" err="1">
+                <a:solidFill>
+                  <a:schemeClr val="tx1"/>
+                </a:solidFill>
+              </a:rPr>
+              <a:t>dependencias</a:t>
+            </a:r>
+            <a:r>
+              <a:rPr lang="en-US" dirty="0">
+                <a:solidFill>
+                  <a:schemeClr val="tx1"/>
+                </a:solidFill>
+              </a:rPr>
+              <a:t> </a:t>
+            </a:r>
+            <a:r>
+              <a:rPr lang="en-US" dirty="0" err="1">
+                <a:solidFill>
+                  <a:schemeClr val="tx1"/>
+                </a:solidFill>
+              </a:rPr>
+              <a:t>por</a:t>
+            </a:r>
+            <a:r>
+              <a:rPr lang="en-US" dirty="0">
+                <a:solidFill>
+                  <a:schemeClr val="tx1"/>
+                </a:solidFill>
+              </a:rPr>
+              <a:t> constructor</a:t>
+            </a:r>
+          </a:p>
         </p:txBody>
       </p:sp>
-      <p:pic>
-        <p:nvPicPr>
-          <p:cNvPr id="1026" name="Picture 2" descr="http://m.eet.com/media/1172690/atomic%20figure%201%20450.jpg"/>
-          <p:cNvPicPr>
-            <a:picLocks noChangeAspect="1" noChangeArrowheads="1"/>
-          </p:cNvPicPr>
-          <p:nvPr/>
-        </p:nvPicPr>
-        <p:blipFill>
-          <a:blip r:embed="rId3">
-            <a:clrChange>
-              <a:clrFrom>
-                <a:srgbClr val="FFFFFF"/>
-              </a:clrFrom>
-              <a:clrTo>
-                <a:srgbClr val="FFFFFF">
-                  <a:alpha val="0"/>
-                </a:srgbClr>
-              </a:clrTo>
-            </a:clrChange>
-            <a:extLst>
-              <a:ext uri="{28A0092B-C50C-407E-A947-70E740481C1C}">
-                <a14:useLocalDpi xmlns:a14="http://schemas.microsoft.com/office/drawing/2010/main" val="0"/>
-              </a:ext>
-            </a:extLst>
-          </a:blip>
-          <a:srcRect/>
-          <a:stretch>
-            <a:fillRect/>
-          </a:stretch>
-        </p:blipFill>
-        <p:spPr bwMode="auto">
-          <a:xfrm>
-            <a:off x="6701846" y="1934894"/>
-            <a:ext cx="5002271" cy="2890202"/>
-          </a:xfrm>
-          <a:prstGeom prst="rect">
-            <a:avLst/>
-          </a:prstGeom>
-          <a:noFill/>
-          <a:extLst>
-            <a:ext uri="{909E8E84-426E-40DD-AFC4-6F175D3DCCD1}">
-              <a14:hiddenFill xmlns:a14="http://schemas.microsoft.com/office/drawing/2010/main">
-                <a:solidFill>
-                  <a:srgbClr val="FFFFFF"/>
-                </a:solidFill>
-              </a14:hiddenFill>
-            </a:ext>
-          </a:extLst>
-        </p:spPr>
-      </p:pic>
       <p:sp>
         <p:nvSpPr>
-          <p:cNvPr id="8" name="Text Placeholder 3"/>
+          <p:cNvPr id="6" name="Text Placeholder 3"/>
           <p:cNvSpPr txBox="1">
             <a:spLocks/>
           </p:cNvSpPr>
@@ -14131,7 +13866,7 @@
       </p:sp>
       <p:sp>
         <p:nvSpPr>
-          <p:cNvPr id="9" name="Rectangle 4"/>
+          <p:cNvPr id="8" name="Rectangle 4"/>
           <p:cNvSpPr txBox="1">
             <a:spLocks noChangeArrowheads="1"/>
           </p:cNvSpPr>
@@ -14248,7 +13983,7 @@
     </p:spTree>
     <p:extLst>
       <p:ext uri="{BB962C8B-B14F-4D97-AF65-F5344CB8AC3E}">
-        <p14:creationId xmlns:p14="http://schemas.microsoft.com/office/powerpoint/2010/main" val="4259075703"/>
+        <p14:creationId xmlns:p14="http://schemas.microsoft.com/office/powerpoint/2010/main" val="1769549006"/>
       </p:ext>
     </p:extLst>
   </p:cSld>
@@ -14295,8 +14030,8 @@
         </p:nvSpPr>
         <p:spPr>
           <a:xfrm>
-            <a:off x="1169678" y="2238817"/>
-            <a:ext cx="8488424" cy="3330228"/>
+            <a:off x="1169678" y="2619817"/>
+            <a:ext cx="5258418" cy="2129225"/>
           </a:xfrm>
         </p:spPr>
         <p:txBody>
@@ -14314,13 +14049,22 @@
               <a:buChar char="•"/>
             </a:pPr>
             <a:r>
+              <a:rPr lang="en-US" sz="2000" dirty="0">
+                <a:solidFill>
+                  <a:schemeClr val="tx1"/>
+                </a:solidFill>
+                <a:latin typeface="+mn-lt"/>
+              </a:rPr>
+              <a:t>Los </a:t>
+            </a:r>
+            <a:r>
               <a:rPr lang="en-US" sz="2000" dirty="0" err="1">
                 <a:solidFill>
                   <a:schemeClr val="tx1"/>
                 </a:solidFill>
                 <a:latin typeface="+mn-lt"/>
               </a:rPr>
-              <a:t>Cómo</a:t>
+              <a:t>objetos</a:t>
             </a:r>
             <a:r>
               <a:rPr lang="en-US" sz="2000" dirty="0">
@@ -14329,6 +14073,24 @@
                 </a:solidFill>
                 <a:latin typeface="+mn-lt"/>
               </a:rPr>
+              <a:t> Mock son </a:t>
+            </a:r>
+            <a:r>
+              <a:rPr lang="en-US" sz="2000" dirty="0" err="1">
+                <a:solidFill>
+                  <a:schemeClr val="tx1"/>
+                </a:solidFill>
+                <a:latin typeface="+mn-lt"/>
+              </a:rPr>
+              <a:t>objetos</a:t>
+            </a:r>
+            <a:r>
+              <a:rPr lang="en-US" sz="2000" dirty="0">
+                <a:solidFill>
+                  <a:schemeClr val="tx1"/>
+                </a:solidFill>
+                <a:latin typeface="+mn-lt"/>
+              </a:rPr>
               <a:t> </a:t>
             </a:r>
             <a:r>
@@ -14338,7 +14100,7 @@
                 </a:solidFill>
                 <a:latin typeface="+mn-lt"/>
               </a:rPr>
-              <a:t>escribir</a:t>
+              <a:t>simulados</a:t>
             </a:r>
             <a:r>
               <a:rPr lang="en-US" sz="2000" dirty="0">
@@ -14347,7 +14109,7 @@
                 </a:solidFill>
                 <a:latin typeface="+mn-lt"/>
               </a:rPr>
-              <a:t> tests </a:t>
+              <a:t> </a:t>
             </a:r>
             <a:r>
               <a:rPr lang="en-US" sz="2000" dirty="0" err="1">
@@ -14356,7 +14118,7 @@
                 </a:solidFill>
                 <a:latin typeface="+mn-lt"/>
               </a:rPr>
-              <a:t>unitarios</a:t>
+              <a:t>que</a:t>
             </a:r>
             <a:r>
               <a:rPr lang="en-US" sz="2000" dirty="0">
@@ -14374,7 +14136,7 @@
                 </a:solidFill>
                 <a:latin typeface="+mn-lt"/>
               </a:rPr>
-              <a:t>usando</a:t>
+              <a:t>imitan</a:t>
             </a:r>
             <a:r>
               <a:rPr lang="en-US" sz="2000" dirty="0">
@@ -14383,411 +14145,250 @@
                 </a:solidFill>
                 <a:latin typeface="+mn-lt"/>
               </a:rPr>
-              <a:t> Mocks:</a:t>
-            </a:r>
-          </a:p>
-          <a:p>
-            <a:pPr marL="540000" lvl="1" indent="-285750">
+              <a:t> el </a:t>
+            </a:r>
+            <a:r>
+              <a:rPr lang="en-US" sz="2000" dirty="0" err="1">
+                <a:solidFill>
+                  <a:schemeClr val="tx1"/>
+                </a:solidFill>
+                <a:latin typeface="+mn-lt"/>
+              </a:rPr>
+              <a:t>comportamiento</a:t>
+            </a:r>
+            <a:r>
+              <a:rPr lang="en-US" sz="2000" dirty="0">
+                <a:solidFill>
+                  <a:schemeClr val="tx1"/>
+                </a:solidFill>
+                <a:latin typeface="+mn-lt"/>
+              </a:rPr>
+              <a:t> de </a:t>
+            </a:r>
+            <a:r>
+              <a:rPr lang="en-US" sz="2000" dirty="0" err="1">
+                <a:solidFill>
+                  <a:schemeClr val="tx1"/>
+                </a:solidFill>
+                <a:latin typeface="+mn-lt"/>
+              </a:rPr>
+              <a:t>objetos</a:t>
+            </a:r>
+            <a:r>
+              <a:rPr lang="en-US" sz="2000" dirty="0">
+                <a:solidFill>
+                  <a:schemeClr val="tx1"/>
+                </a:solidFill>
+                <a:latin typeface="+mn-lt"/>
+              </a:rPr>
+              <a:t> </a:t>
+            </a:r>
+            <a:r>
+              <a:rPr lang="en-US" sz="2000" dirty="0" err="1">
+                <a:solidFill>
+                  <a:schemeClr val="tx1"/>
+                </a:solidFill>
+                <a:latin typeface="+mn-lt"/>
+              </a:rPr>
+              <a:t>reales</a:t>
+            </a:r>
+            <a:r>
+              <a:rPr lang="en-US" sz="2000" dirty="0">
+                <a:solidFill>
+                  <a:schemeClr val="tx1"/>
+                </a:solidFill>
+                <a:latin typeface="+mn-lt"/>
+              </a:rPr>
+              <a:t> de forma </a:t>
+            </a:r>
+            <a:r>
+              <a:rPr lang="en-US" sz="2000" dirty="0" err="1">
+                <a:solidFill>
+                  <a:schemeClr val="tx1"/>
+                </a:solidFill>
+                <a:latin typeface="+mn-lt"/>
+              </a:rPr>
+              <a:t>controlada</a:t>
+            </a:r>
+            <a:r>
+              <a:rPr lang="en-US" sz="2000" dirty="0">
+                <a:solidFill>
+                  <a:schemeClr val="tx1"/>
+                </a:solidFill>
+                <a:latin typeface="+mn-lt"/>
+              </a:rPr>
+              <a:t/>
+            </a:r>
+            <a:br>
+              <a:rPr lang="en-US" sz="2000" dirty="0">
+                <a:solidFill>
+                  <a:schemeClr val="tx1"/>
+                </a:solidFill>
+                <a:latin typeface="+mn-lt"/>
+              </a:rPr>
+            </a:br>
+            <a:endParaRPr lang="en-US" sz="2000" dirty="0">
+              <a:solidFill>
+                <a:schemeClr val="tx1"/>
+              </a:solidFill>
+              <a:latin typeface="+mn-lt"/>
+            </a:endParaRPr>
+          </a:p>
+          <a:p>
+            <a:pPr marL="285750" indent="-285750">
               <a:spcAft>
                 <a:spcPts val="400"/>
               </a:spcAft>
               <a:buClr>
                 <a:schemeClr val="accent6"/>
               </a:buClr>
-              <a:buSzPct val="100000"/>
-              <a:buFont typeface="Courier New" panose="02070309020205020404" pitchFamily="49" charset="0"/>
-              <a:buChar char="o"/>
+              <a:buFont typeface="Arial" charset="0"/>
+              <a:buChar char="•"/>
             </a:pPr>
             <a:r>
-              <a:rPr lang="en-US" dirty="0">
-                <a:solidFill>
-                  <a:schemeClr val="tx1"/>
-                </a:solidFill>
-              </a:rPr>
-              <a:t>Setup de </a:t>
-            </a:r>
-            <a:r>
-              <a:rPr lang="en-US" dirty="0" err="1">
-                <a:solidFill>
-                  <a:schemeClr val="tx1"/>
-                </a:solidFill>
-              </a:rPr>
-              <a:t>precondiciones</a:t>
-            </a:r>
-            <a:r>
-              <a:rPr lang="en-US" dirty="0">
-                <a:solidFill>
-                  <a:schemeClr val="tx1"/>
-                </a:solidFill>
+              <a:rPr lang="en-US" sz="2000" dirty="0" err="1">
+                <a:solidFill>
+                  <a:schemeClr val="tx1"/>
+                </a:solidFill>
+                <a:latin typeface="+mn-lt"/>
+              </a:rPr>
+              <a:t>Permiten</a:t>
+            </a:r>
+            <a:r>
+              <a:rPr lang="en-US" sz="2000" dirty="0">
+                <a:solidFill>
+                  <a:schemeClr val="tx1"/>
+                </a:solidFill>
+                <a:latin typeface="+mn-lt"/>
               </a:rPr>
               <a:t> </a:t>
             </a:r>
             <a:r>
-              <a:rPr lang="en-US" dirty="0" err="1">
-                <a:solidFill>
-                  <a:schemeClr val="tx1"/>
-                </a:solidFill>
-              </a:rPr>
-              <a:t>incluyendo</a:t>
-            </a:r>
-            <a:r>
-              <a:rPr lang="en-US" dirty="0">
-                <a:solidFill>
-                  <a:schemeClr val="tx1"/>
-                </a:solidFill>
-              </a:rPr>
-              <a:t> el setup de los </a:t>
-            </a:r>
-            <a:r>
-              <a:rPr lang="en-US" dirty="0" err="1">
-                <a:solidFill>
-                  <a:schemeClr val="tx1"/>
-                </a:solidFill>
-              </a:rPr>
-              <a:t>objetos</a:t>
-            </a:r>
-            <a:r>
-              <a:rPr lang="en-US" dirty="0">
-                <a:solidFill>
-                  <a:schemeClr val="tx1"/>
-                </a:solidFill>
-              </a:rPr>
-              <a:t> mock</a:t>
-            </a:r>
-          </a:p>
-          <a:p>
-            <a:pPr marL="540000" lvl="1" indent="-285750">
-              <a:spcAft>
-                <a:spcPts val="400"/>
-              </a:spcAft>
-              <a:buClr>
-                <a:schemeClr val="accent6"/>
-              </a:buClr>
-              <a:buSzPct val="100000"/>
-              <a:buFont typeface="Courier New" panose="02070309020205020404" pitchFamily="49" charset="0"/>
-              <a:buChar char="o"/>
-            </a:pPr>
-            <a:r>
-              <a:rPr lang="en-US" dirty="0" err="1">
-                <a:solidFill>
-                  <a:schemeClr val="tx1"/>
-                </a:solidFill>
-              </a:rPr>
-              <a:t>Inyectar</a:t>
-            </a:r>
-            <a:r>
-              <a:rPr lang="en-US" dirty="0">
-                <a:solidFill>
-                  <a:schemeClr val="tx1"/>
-                </a:solidFill>
-              </a:rPr>
-              <a:t> mocks de </a:t>
-            </a:r>
-            <a:r>
-              <a:rPr lang="en-US" dirty="0" err="1">
-                <a:solidFill>
-                  <a:schemeClr val="tx1"/>
-                </a:solidFill>
-              </a:rPr>
-              <a:t>dependencias</a:t>
-            </a:r>
-            <a:endParaRPr lang="en-US" dirty="0">
+              <a:rPr lang="en-US" sz="2000" dirty="0" err="1">
+                <a:solidFill>
+                  <a:schemeClr val="tx1"/>
+                </a:solidFill>
+                <a:latin typeface="+mn-lt"/>
+              </a:rPr>
+              <a:t>realizar</a:t>
+            </a:r>
+            <a:r>
+              <a:rPr lang="en-US" sz="2000" dirty="0">
+                <a:solidFill>
+                  <a:schemeClr val="tx1"/>
+                </a:solidFill>
+                <a:latin typeface="+mn-lt"/>
+              </a:rPr>
+              <a:t> </a:t>
+            </a:r>
+            <a:r>
+              <a:rPr lang="en-US" sz="2000" dirty="0" err="1">
+                <a:solidFill>
+                  <a:schemeClr val="tx1"/>
+                </a:solidFill>
+                <a:latin typeface="+mn-lt"/>
+              </a:rPr>
+              <a:t>verificación</a:t>
+            </a:r>
+            <a:r>
+              <a:rPr lang="en-US" sz="2000" dirty="0">
+                <a:solidFill>
+                  <a:schemeClr val="tx1"/>
+                </a:solidFill>
+                <a:latin typeface="+mn-lt"/>
+              </a:rPr>
+              <a:t> del </a:t>
+            </a:r>
+            <a:r>
+              <a:rPr lang="en-US" sz="2000" dirty="0" err="1">
+                <a:solidFill>
+                  <a:schemeClr val="tx1"/>
+                </a:solidFill>
+                <a:latin typeface="+mn-lt"/>
+              </a:rPr>
+              <a:t>comportamiento</a:t>
+            </a:r>
+            <a:r>
+              <a:rPr lang="en-US" sz="2000" dirty="0">
+                <a:solidFill>
+                  <a:schemeClr val="tx1"/>
+                </a:solidFill>
+                <a:latin typeface="+mn-lt"/>
+              </a:rPr>
+              <a:t> del </a:t>
+            </a:r>
+            <a:r>
+              <a:rPr lang="en-US" sz="2000" dirty="0" err="1">
+                <a:solidFill>
+                  <a:schemeClr val="tx1"/>
+                </a:solidFill>
+                <a:latin typeface="+mn-lt"/>
+              </a:rPr>
+              <a:t>objeto</a:t>
+            </a:r>
+            <a:endParaRPr lang="en-US" sz="2000" dirty="0">
               <a:solidFill>
                 <a:schemeClr val="tx1"/>
               </a:solidFill>
-            </a:endParaRPr>
-          </a:p>
-          <a:p>
-            <a:pPr marL="540000" lvl="1" indent="-285750">
-              <a:spcAft>
-                <a:spcPts val="400"/>
-              </a:spcAft>
-              <a:buClr>
-                <a:schemeClr val="accent6"/>
-              </a:buClr>
-              <a:buSzPct val="100000"/>
-              <a:buFont typeface="Courier New" panose="02070309020205020404" pitchFamily="49" charset="0"/>
-              <a:buChar char="o"/>
-            </a:pPr>
-            <a:r>
-              <a:rPr lang="en-US" dirty="0" err="1">
-                <a:solidFill>
-                  <a:schemeClr val="tx1"/>
-                </a:solidFill>
-              </a:rPr>
-              <a:t>Ejecutar</a:t>
-            </a:r>
-            <a:r>
-              <a:rPr lang="en-US" dirty="0">
-                <a:solidFill>
-                  <a:schemeClr val="tx1"/>
-                </a:solidFill>
-              </a:rPr>
-              <a:t> el </a:t>
-            </a:r>
-            <a:r>
-              <a:rPr lang="en-US" dirty="0" err="1">
-                <a:solidFill>
-                  <a:schemeClr val="tx1"/>
-                </a:solidFill>
-              </a:rPr>
-              <a:t>código</a:t>
-            </a:r>
-            <a:r>
-              <a:rPr lang="en-US" dirty="0">
-                <a:solidFill>
-                  <a:schemeClr val="tx1"/>
-                </a:solidFill>
-              </a:rPr>
-              <a:t> a </a:t>
-            </a:r>
-            <a:r>
-              <a:rPr lang="en-US" dirty="0" err="1">
-                <a:solidFill>
-                  <a:schemeClr val="tx1"/>
-                </a:solidFill>
-              </a:rPr>
-              <a:t>ser</a:t>
-            </a:r>
-            <a:r>
-              <a:rPr lang="en-US" dirty="0">
-                <a:solidFill>
-                  <a:schemeClr val="tx1"/>
-                </a:solidFill>
-              </a:rPr>
-              <a:t> </a:t>
-            </a:r>
-            <a:r>
-              <a:rPr lang="en-US" dirty="0" err="1">
-                <a:solidFill>
-                  <a:schemeClr val="tx1"/>
-                </a:solidFill>
-              </a:rPr>
-              <a:t>testeado</a:t>
-            </a:r>
-            <a:endParaRPr lang="en-US" dirty="0">
-              <a:solidFill>
-                <a:schemeClr val="tx1"/>
-              </a:solidFill>
-            </a:endParaRPr>
-          </a:p>
-          <a:p>
-            <a:pPr marL="540000" lvl="1" indent="-285750">
-              <a:spcAft>
-                <a:spcPts val="400"/>
-              </a:spcAft>
-              <a:buClr>
-                <a:schemeClr val="accent6"/>
-              </a:buClr>
-              <a:buSzPct val="100000"/>
-              <a:buFont typeface="Courier New" panose="02070309020205020404" pitchFamily="49" charset="0"/>
-              <a:buChar char="o"/>
-            </a:pPr>
-            <a:r>
-              <a:rPr lang="en-US" dirty="0" err="1">
-                <a:solidFill>
-                  <a:schemeClr val="tx1"/>
-                </a:solidFill>
-              </a:rPr>
-              <a:t>Realizar</a:t>
-            </a:r>
-            <a:r>
-              <a:rPr lang="en-US" dirty="0">
-                <a:solidFill>
-                  <a:schemeClr val="tx1"/>
-                </a:solidFill>
-              </a:rPr>
-              <a:t> asserts </a:t>
-            </a:r>
-            <a:r>
-              <a:rPr lang="en-US" dirty="0" err="1">
-                <a:solidFill>
-                  <a:schemeClr val="tx1"/>
-                </a:solidFill>
-              </a:rPr>
-              <a:t>sobre</a:t>
-            </a:r>
-            <a:r>
-              <a:rPr lang="en-US" dirty="0">
-                <a:solidFill>
-                  <a:schemeClr val="tx1"/>
-                </a:solidFill>
-              </a:rPr>
-              <a:t> los </a:t>
-            </a:r>
-            <a:r>
-              <a:rPr lang="en-US" dirty="0" err="1">
-                <a:solidFill>
-                  <a:schemeClr val="tx1"/>
-                </a:solidFill>
-              </a:rPr>
-              <a:t>resultados</a:t>
-            </a:r>
-            <a:r>
-              <a:rPr lang="en-US" dirty="0">
-                <a:solidFill>
-                  <a:schemeClr val="tx1"/>
-                </a:solidFill>
-              </a:rPr>
-              <a:t> </a:t>
-            </a:r>
-            <a:r>
-              <a:rPr lang="en-US" dirty="0" err="1">
-                <a:solidFill>
-                  <a:schemeClr val="tx1"/>
-                </a:solidFill>
-              </a:rPr>
-              <a:t>esperados</a:t>
-            </a:r>
-            <a:endParaRPr lang="en-US" dirty="0">
-              <a:solidFill>
-                <a:schemeClr val="tx1"/>
-              </a:solidFill>
-            </a:endParaRPr>
-          </a:p>
-          <a:p>
-            <a:pPr marL="540000" lvl="1" indent="-285750">
-              <a:spcAft>
-                <a:spcPts val="400"/>
-              </a:spcAft>
-              <a:buClr>
-                <a:schemeClr val="accent6"/>
-              </a:buClr>
-              <a:buSzPct val="100000"/>
-              <a:buFont typeface="Courier New" panose="02070309020205020404" pitchFamily="49" charset="0"/>
-              <a:buChar char="o"/>
-            </a:pPr>
-            <a:r>
-              <a:rPr lang="en-US" dirty="0" err="1">
-                <a:solidFill>
-                  <a:schemeClr val="tx1"/>
-                </a:solidFill>
-              </a:rPr>
-              <a:t>Verificar</a:t>
-            </a:r>
-            <a:r>
-              <a:rPr lang="en-US" dirty="0">
-                <a:solidFill>
-                  <a:schemeClr val="tx1"/>
-                </a:solidFill>
-              </a:rPr>
-              <a:t> </a:t>
-            </a:r>
-            <a:r>
-              <a:rPr lang="en-US" dirty="0" err="1">
-                <a:solidFill>
-                  <a:schemeClr val="tx1"/>
-                </a:solidFill>
-              </a:rPr>
-              <a:t>que</a:t>
-            </a:r>
-            <a:r>
-              <a:rPr lang="en-US" dirty="0">
-                <a:solidFill>
-                  <a:schemeClr val="tx1"/>
-                </a:solidFill>
-              </a:rPr>
-              <a:t> el mock </a:t>
-            </a:r>
-            <a:r>
-              <a:rPr lang="en-US" dirty="0" err="1">
-                <a:solidFill>
-                  <a:schemeClr val="tx1"/>
-                </a:solidFill>
-              </a:rPr>
-              <a:t>fue</a:t>
-            </a:r>
-            <a:r>
-              <a:rPr lang="en-US" dirty="0">
-                <a:solidFill>
-                  <a:schemeClr val="tx1"/>
-                </a:solidFill>
-              </a:rPr>
-              <a:t> </a:t>
-            </a:r>
-            <a:r>
-              <a:rPr lang="en-US" dirty="0" err="1">
-                <a:solidFill>
-                  <a:schemeClr val="tx1"/>
-                </a:solidFill>
-              </a:rPr>
-              <a:t>llamado</a:t>
-            </a:r>
-            <a:r>
-              <a:rPr lang="en-US" dirty="0">
-                <a:solidFill>
-                  <a:schemeClr val="tx1"/>
-                </a:solidFill>
-              </a:rPr>
-              <a:t> la </a:t>
-            </a:r>
-            <a:r>
-              <a:rPr lang="en-US" dirty="0" err="1">
-                <a:solidFill>
-                  <a:schemeClr val="tx1"/>
-                </a:solidFill>
-              </a:rPr>
-              <a:t>cantidad</a:t>
-            </a:r>
-            <a:r>
-              <a:rPr lang="en-US" dirty="0">
-                <a:solidFill>
-                  <a:schemeClr val="tx1"/>
-                </a:solidFill>
-              </a:rPr>
-              <a:t> de </a:t>
-            </a:r>
-            <a:r>
-              <a:rPr lang="en-US" dirty="0" err="1">
-                <a:solidFill>
-                  <a:schemeClr val="tx1"/>
-                </a:solidFill>
-              </a:rPr>
-              <a:t>veces</a:t>
-            </a:r>
-            <a:r>
-              <a:rPr lang="en-US" dirty="0">
-                <a:solidFill>
-                  <a:schemeClr val="tx1"/>
-                </a:solidFill>
-              </a:rPr>
-              <a:t> y con los </a:t>
-            </a:r>
-            <a:r>
-              <a:rPr lang="en-US" dirty="0" err="1">
-                <a:solidFill>
-                  <a:schemeClr val="tx1"/>
-                </a:solidFill>
-              </a:rPr>
-              <a:t>parámetros</a:t>
-            </a:r>
-            <a:r>
-              <a:rPr lang="en-US" dirty="0">
-                <a:solidFill>
-                  <a:schemeClr val="tx1"/>
-                </a:solidFill>
-              </a:rPr>
-              <a:t> </a:t>
-            </a:r>
-            <a:r>
-              <a:rPr lang="en-US" dirty="0" err="1">
-                <a:solidFill>
-                  <a:schemeClr val="tx1"/>
-                </a:solidFill>
-              </a:rPr>
-              <a:t>esperados</a:t>
-            </a:r>
-            <a:endParaRPr lang="es-AR" dirty="0">
-              <a:solidFill>
-                <a:schemeClr val="tx1"/>
-              </a:solidFill>
+              <a:latin typeface="+mn-lt"/>
             </a:endParaRPr>
           </a:p>
         </p:txBody>
       </p:sp>
+      <p:pic>
+        <p:nvPicPr>
+          <p:cNvPr id="1026" name="Picture 2" descr="http://m.eet.com/media/1172690/atomic%20figure%201%20450.jpg"/>
+          <p:cNvPicPr>
+            <a:picLocks noChangeAspect="1" noChangeArrowheads="1"/>
+          </p:cNvPicPr>
+          <p:nvPr/>
+        </p:nvPicPr>
+        <p:blipFill>
+          <a:blip r:embed="rId3">
+            <a:clrChange>
+              <a:clrFrom>
+                <a:srgbClr val="FFFFFF"/>
+              </a:clrFrom>
+              <a:clrTo>
+                <a:srgbClr val="FFFFFF">
+                  <a:alpha val="0"/>
+                </a:srgbClr>
+              </a:clrTo>
+            </a:clrChange>
+            <a:extLst>
+              <a:ext uri="{28A0092B-C50C-407E-A947-70E740481C1C}">
+                <a14:useLocalDpi xmlns:a14="http://schemas.microsoft.com/office/drawing/2010/main" val="0"/>
+              </a:ext>
+            </a:extLst>
+          </a:blip>
+          <a:srcRect/>
+          <a:stretch>
+            <a:fillRect/>
+          </a:stretch>
+        </p:blipFill>
+        <p:spPr bwMode="auto">
+          <a:xfrm>
+            <a:off x="6701846" y="1934894"/>
+            <a:ext cx="5002271" cy="2890202"/>
+          </a:xfrm>
+          <a:prstGeom prst="rect">
+            <a:avLst/>
+          </a:prstGeom>
+          <a:noFill/>
+          <a:extLst>
+            <a:ext uri="{909E8E84-426E-40DD-AFC4-6F175D3DCCD1}">
+              <a14:hiddenFill xmlns:a14="http://schemas.microsoft.com/office/drawing/2010/main">
+                <a:solidFill>
+                  <a:srgbClr val="FFFFFF"/>
+                </a:solidFill>
+              </a14:hiddenFill>
+            </a:ext>
+          </a:extLst>
+        </p:spPr>
+      </p:pic>
       <p:sp>
         <p:nvSpPr>
-          <p:cNvPr id="6" name="Text Placeholder 3"/>
+          <p:cNvPr id="8" name="Text Placeholder 3"/>
           <p:cNvSpPr txBox="1">
             <a:spLocks/>
           </p:cNvSpPr>
@@ -15023,7 +14624,7 @@
       </p:sp>
       <p:sp>
         <p:nvSpPr>
-          <p:cNvPr id="7" name="Rectangle 4"/>
+          <p:cNvPr id="9" name="Rectangle 4"/>
           <p:cNvSpPr txBox="1">
             <a:spLocks noChangeArrowheads="1"/>
           </p:cNvSpPr>
@@ -15140,7 +14741,7 @@
     </p:spTree>
     <p:extLst>
       <p:ext uri="{BB962C8B-B14F-4D97-AF65-F5344CB8AC3E}">
-        <p14:creationId xmlns:p14="http://schemas.microsoft.com/office/powerpoint/2010/main" val="2409351229"/>
+        <p14:creationId xmlns:p14="http://schemas.microsoft.com/office/powerpoint/2010/main" val="4259075703"/>
       </p:ext>
     </p:extLst>
   </p:cSld>
@@ -15187,15 +14788,99 @@
         </p:nvSpPr>
         <p:spPr>
           <a:xfrm>
-            <a:off x="1169678" y="1984817"/>
-            <a:ext cx="8488424" cy="4135446"/>
+            <a:off x="1169678" y="2238817"/>
+            <a:ext cx="8488424" cy="3330228"/>
           </a:xfrm>
         </p:spPr>
         <p:txBody>
           <a:bodyPr/>
           <a:lstStyle/>
           <a:p>
-            <a:pPr marL="597150" lvl="1" indent="-342900">
+            <a:pPr marL="285750" indent="-285750">
+              <a:spcAft>
+                <a:spcPts val="400"/>
+              </a:spcAft>
+              <a:buClr>
+                <a:schemeClr val="accent6"/>
+              </a:buClr>
+              <a:buFont typeface="Arial" charset="0"/>
+              <a:buChar char="•"/>
+            </a:pPr>
+            <a:r>
+              <a:rPr lang="en-US" sz="2000" dirty="0" err="1">
+                <a:solidFill>
+                  <a:schemeClr val="tx1"/>
+                </a:solidFill>
+                <a:latin typeface="+mn-lt"/>
+              </a:rPr>
+              <a:t>Cómo</a:t>
+            </a:r>
+            <a:r>
+              <a:rPr lang="en-US" sz="2000" dirty="0">
+                <a:solidFill>
+                  <a:schemeClr val="tx1"/>
+                </a:solidFill>
+                <a:latin typeface="+mn-lt"/>
+              </a:rPr>
+              <a:t> </a:t>
+            </a:r>
+            <a:r>
+              <a:rPr lang="en-US" sz="2000" dirty="0" err="1">
+                <a:solidFill>
+                  <a:schemeClr val="tx1"/>
+                </a:solidFill>
+                <a:latin typeface="+mn-lt"/>
+              </a:rPr>
+              <a:t>escribir</a:t>
+            </a:r>
+            <a:r>
+              <a:rPr lang="en-US" sz="2000" dirty="0">
+                <a:solidFill>
+                  <a:schemeClr val="tx1"/>
+                </a:solidFill>
+                <a:latin typeface="+mn-lt"/>
+              </a:rPr>
+              <a:t> tests </a:t>
+            </a:r>
+            <a:r>
+              <a:rPr lang="en-US" sz="2000" dirty="0" err="1">
+                <a:solidFill>
+                  <a:schemeClr val="tx1"/>
+                </a:solidFill>
+                <a:latin typeface="+mn-lt"/>
+              </a:rPr>
+              <a:t>unitarios</a:t>
+            </a:r>
+            <a:r>
+              <a:rPr lang="en-US" sz="2000" dirty="0">
+                <a:solidFill>
+                  <a:schemeClr val="tx1"/>
+                </a:solidFill>
+                <a:latin typeface="+mn-lt"/>
+              </a:rPr>
+              <a:t> </a:t>
+            </a:r>
+            <a:r>
+              <a:rPr lang="en-US" sz="2000" dirty="0" err="1">
+                <a:solidFill>
+                  <a:schemeClr val="tx1"/>
+                </a:solidFill>
+                <a:latin typeface="+mn-lt"/>
+              </a:rPr>
+              <a:t>usando</a:t>
+            </a:r>
+            <a:r>
+              <a:rPr lang="en-US" sz="2000" dirty="0">
+                <a:solidFill>
+                  <a:schemeClr val="tx1"/>
+                </a:solidFill>
+                <a:latin typeface="+mn-lt"/>
+              </a:rPr>
+              <a:t> Mocks:</a:t>
+            </a:r>
+          </a:p>
+          <a:p>
+            <a:pPr marL="540000" lvl="1" indent="-285750">
               <a:spcAft>
                 <a:spcPts val="400"/>
               </a:spcAft>
@@ -15203,67 +14888,51 @@
                 <a:schemeClr val="accent6"/>
               </a:buClr>
               <a:buSzPct val="100000"/>
-              <a:buFont typeface="Arial" panose="020B0604020202020204" pitchFamily="34" charset="0"/>
-              <a:buChar char="•"/>
+              <a:buFont typeface="Courier New" panose="02070309020205020404" pitchFamily="49" charset="0"/>
+              <a:buChar char="o"/>
             </a:pPr>
             <a:r>
-              <a:rPr lang="en-GB" sz="2000" dirty="0">
-                <a:solidFill>
-                  <a:schemeClr val="tx1"/>
-                </a:solidFill>
-              </a:rPr>
-              <a:t>No </a:t>
-            </a:r>
-            <a:r>
-              <a:rPr lang="en-GB" sz="2000" dirty="0" err="1">
-                <a:solidFill>
-                  <a:schemeClr val="tx1"/>
-                </a:solidFill>
-              </a:rPr>
-              <a:t>mezclar</a:t>
-            </a:r>
-            <a:r>
-              <a:rPr lang="en-GB" sz="2000" dirty="0">
-                <a:solidFill>
-                  <a:schemeClr val="tx1"/>
-                </a:solidFill>
-              </a:rPr>
-              <a:t> el </a:t>
-            </a:r>
-            <a:r>
-              <a:rPr lang="en-GB" sz="2000" dirty="0" err="1">
-                <a:solidFill>
-                  <a:schemeClr val="tx1"/>
-                </a:solidFill>
-              </a:rPr>
-              <a:t>grafo</a:t>
-            </a:r>
-            <a:r>
-              <a:rPr lang="en-GB" sz="2000" dirty="0">
-                <a:solidFill>
-                  <a:schemeClr val="tx1"/>
-                </a:solidFill>
-              </a:rPr>
-              <a:t> de </a:t>
-            </a:r>
-            <a:r>
-              <a:rPr lang="en-GB" sz="2000" dirty="0" err="1">
-                <a:solidFill>
-                  <a:schemeClr val="tx1"/>
-                </a:solidFill>
-              </a:rPr>
-              <a:t>instanciación</a:t>
-            </a:r>
-            <a:r>
-              <a:rPr lang="en-GB" sz="2000" dirty="0">
-                <a:solidFill>
-                  <a:schemeClr val="tx1"/>
-                </a:solidFill>
-              </a:rPr>
-              <a:t> de </a:t>
-            </a:r>
-            <a:r>
-              <a:rPr lang="en-GB" sz="2000" dirty="0" err="1">
+              <a:rPr lang="en-US" dirty="0">
+                <a:solidFill>
+                  <a:schemeClr val="tx1"/>
+                </a:solidFill>
+              </a:rPr>
+              <a:t>Setup de </a:t>
+            </a:r>
+            <a:r>
+              <a:rPr lang="en-US" dirty="0" err="1">
+                <a:solidFill>
+                  <a:schemeClr val="tx1"/>
+                </a:solidFill>
+              </a:rPr>
+              <a:t>precondiciones</a:t>
+            </a:r>
+            <a:r>
+              <a:rPr lang="en-US" dirty="0">
+                <a:solidFill>
+                  <a:schemeClr val="tx1"/>
+                </a:solidFill>
+              </a:rPr>
+              <a:t> </a:t>
+            </a:r>
+            <a:r>
+              <a:rPr lang="en-US" dirty="0" err="1">
+                <a:solidFill>
+                  <a:schemeClr val="tx1"/>
+                </a:solidFill>
+              </a:rPr>
+              <a:t>incluyendo</a:t>
+            </a:r>
+            <a:r>
+              <a:rPr lang="en-US" dirty="0">
+                <a:solidFill>
+                  <a:schemeClr val="tx1"/>
+                </a:solidFill>
+              </a:rPr>
+              <a:t> el setup de los </a:t>
+            </a:r>
+            <a:r>
+              <a:rPr lang="en-US" dirty="0" err="1">
                 <a:solidFill>
                   <a:schemeClr val="tx1"/>
                 </a:solidFill>
@@ -15271,45 +14940,58 @@
               <a:t>objetos</a:t>
             </a:r>
             <a:r>
-              <a:rPr lang="en-GB" sz="2000" dirty="0">
-                <a:solidFill>
-                  <a:schemeClr val="tx1"/>
-                </a:solidFill>
-              </a:rPr>
-              <a:t> con la </a:t>
-            </a:r>
-            <a:r>
-              <a:rPr lang="en-GB" sz="2000" dirty="0" err="1">
-                <a:solidFill>
-                  <a:schemeClr val="tx1"/>
-                </a:solidFill>
-              </a:rPr>
-              <a:t>lógica</a:t>
-            </a:r>
-            <a:r>
-              <a:rPr lang="en-GB" sz="2000" dirty="0">
-                <a:solidFill>
-                  <a:schemeClr val="tx1"/>
-                </a:solidFill>
-              </a:rPr>
-              <a:t> de la </a:t>
-            </a:r>
-            <a:r>
-              <a:rPr lang="en-GB" sz="2000" dirty="0" err="1" smtClean="0">
-                <a:solidFill>
-                  <a:schemeClr val="tx1"/>
-                </a:solidFill>
-              </a:rPr>
-              <a:t>aplicación</a:t>
-            </a:r>
-            <a:endParaRPr lang="en-GB" sz="2000" dirty="0">
+              <a:rPr lang="en-US" dirty="0">
+                <a:solidFill>
+                  <a:schemeClr val="tx1"/>
+                </a:solidFill>
+              </a:rPr>
+              <a:t> mock</a:t>
+            </a:r>
+          </a:p>
+          <a:p>
+            <a:pPr marL="540000" lvl="1" indent="-285750">
+              <a:spcAft>
+                <a:spcPts val="400"/>
+              </a:spcAft>
+              <a:buClr>
+                <a:schemeClr val="accent6"/>
+              </a:buClr>
+              <a:buSzPct val="100000"/>
+              <a:buFont typeface="Courier New" panose="02070309020205020404" pitchFamily="49" charset="0"/>
+              <a:buChar char="o"/>
+            </a:pPr>
+            <a:r>
+              <a:rPr lang="en-US" dirty="0" err="1">
+                <a:solidFill>
+                  <a:schemeClr val="tx1"/>
+                </a:solidFill>
+              </a:rPr>
+              <a:t>Inyectar</a:t>
+            </a:r>
+            <a:r>
+              <a:rPr lang="en-US" dirty="0">
+                <a:solidFill>
+                  <a:schemeClr val="tx1"/>
+                </a:solidFill>
+              </a:rPr>
+              <a:t> mocks de </a:t>
+            </a:r>
+            <a:r>
+              <a:rPr lang="en-US" dirty="0" err="1">
+                <a:solidFill>
+                  <a:schemeClr val="tx1"/>
+                </a:solidFill>
+              </a:rPr>
+              <a:t>dependencias</a:t>
+            </a:r>
+            <a:endParaRPr lang="en-US" dirty="0">
               <a:solidFill>
                 <a:schemeClr val="tx1"/>
               </a:solidFill>
             </a:endParaRPr>
           </a:p>
           <a:p>
-            <a:pPr marL="597150" lvl="1" indent="-342900">
+            <a:pPr marL="540000" lvl="1" indent="-285750">
               <a:spcAft>
                 <a:spcPts val="400"/>
               </a:spcAft>
@@ -15317,20 +14999,73 @@
                 <a:schemeClr val="accent6"/>
               </a:buClr>
               <a:buSzPct val="100000"/>
-              <a:buFont typeface="Arial" panose="020B0604020202020204" pitchFamily="34" charset="0"/>
-              <a:buChar char="•"/>
+              <a:buFont typeface="Courier New" panose="02070309020205020404" pitchFamily="49" charset="0"/>
+              <a:buChar char="o"/>
             </a:pPr>
             <a:r>
-              <a:rPr lang="es-AR" sz="2000" dirty="0">
-                <a:solidFill>
-                  <a:schemeClr val="tx1"/>
-                </a:solidFill>
-              </a:rPr>
-              <a:t>Pedir los objetos, no ir a buscarlos</a:t>
-            </a:r>
-          </a:p>
-          <a:p>
-            <a:pPr marL="597150" lvl="1" indent="-342900">
+              <a:rPr lang="en-US" dirty="0" err="1">
+                <a:solidFill>
+                  <a:schemeClr val="tx1"/>
+                </a:solidFill>
+              </a:rPr>
+              <a:t>Ejecutar</a:t>
+            </a:r>
+            <a:r>
+              <a:rPr lang="en-US" dirty="0">
+                <a:solidFill>
+                  <a:schemeClr val="tx1"/>
+                </a:solidFill>
+              </a:rPr>
+              <a:t> el </a:t>
+            </a:r>
+            <a:r>
+              <a:rPr lang="en-US" dirty="0" err="1">
+                <a:solidFill>
+                  <a:schemeClr val="tx1"/>
+                </a:solidFill>
+              </a:rPr>
+              <a:t>código</a:t>
+            </a:r>
+            <a:r>
+              <a:rPr lang="en-US" dirty="0">
+                <a:solidFill>
+                  <a:schemeClr val="tx1"/>
+                </a:solidFill>
+              </a:rPr>
+              <a:t> a </a:t>
+            </a:r>
+            <a:r>
+              <a:rPr lang="en-US" dirty="0" err="1">
+                <a:solidFill>
+                  <a:schemeClr val="tx1"/>
+                </a:solidFill>
+              </a:rPr>
+              <a:t>ser</a:t>
+            </a:r>
+            <a:r>
+              <a:rPr lang="en-US" dirty="0">
+                <a:solidFill>
+                  <a:schemeClr val="tx1"/>
+                </a:solidFill>
+              </a:rPr>
+              <a:t> </a:t>
+            </a:r>
+            <a:r>
+              <a:rPr lang="en-US" dirty="0" err="1">
+                <a:solidFill>
+                  <a:schemeClr val="tx1"/>
+                </a:solidFill>
+              </a:rPr>
+              <a:t>testeado</a:t>
+            </a:r>
+            <a:endParaRPr lang="en-US" dirty="0">
+              <a:solidFill>
+                <a:schemeClr val="tx1"/>
+              </a:solidFill>
+            </a:endParaRPr>
+          </a:p>
+          <a:p>
+            <a:pPr marL="540000" lvl="1" indent="-285750">
               <a:spcAft>
                 <a:spcPts val="400"/>
               </a:spcAft>
@@ -15338,27 +15073,51 @@
                 <a:schemeClr val="accent6"/>
               </a:buClr>
               <a:buSzPct val="100000"/>
-              <a:buFont typeface="Arial" panose="020B0604020202020204" pitchFamily="34" charset="0"/>
-              <a:buChar char="•"/>
+              <a:buFont typeface="Courier New" panose="02070309020205020404" pitchFamily="49" charset="0"/>
+              <a:buChar char="o"/>
             </a:pPr>
             <a:r>
-              <a:rPr lang="en-US" sz="2000" dirty="0" smtClean="0">
-                <a:solidFill>
-                  <a:schemeClr val="tx1"/>
-                </a:solidFill>
-              </a:rPr>
-              <a:t>No </a:t>
-            </a:r>
-            <a:r>
-              <a:rPr lang="en-US" sz="2000" dirty="0" err="1">
-                <a:solidFill>
-                  <a:schemeClr val="tx1"/>
-                </a:solidFill>
-              </a:rPr>
-              <a:t>escribir</a:t>
-            </a:r>
-            <a:r>
-              <a:rPr lang="en-US" sz="2000" dirty="0">
+              <a:rPr lang="en-US" dirty="0" err="1">
+                <a:solidFill>
+                  <a:schemeClr val="tx1"/>
+                </a:solidFill>
+              </a:rPr>
+              <a:t>Realizar</a:t>
+            </a:r>
+            <a:r>
+              <a:rPr lang="en-US" dirty="0">
+                <a:solidFill>
+                  <a:schemeClr val="tx1"/>
+                </a:solidFill>
+              </a:rPr>
+              <a:t> asserts </a:t>
+            </a:r>
+            <a:r>
+              <a:rPr lang="en-US" dirty="0" err="1">
+                <a:solidFill>
+                  <a:schemeClr val="tx1"/>
+                </a:solidFill>
+              </a:rPr>
+              <a:t>sobre</a:t>
+            </a:r>
+            <a:r>
+              <a:rPr lang="en-US" dirty="0">
+                <a:solidFill>
+                  <a:schemeClr val="tx1"/>
+                </a:solidFill>
+              </a:rPr>
+              <a:t> los </a:t>
+            </a:r>
+            <a:r>
+              <a:rPr lang="en-US" dirty="0" err="1">
+                <a:solidFill>
+                  <a:schemeClr val="tx1"/>
+                </a:solidFill>
+              </a:rPr>
+              <a:t>resultados</a:t>
+            </a:r>
+            <a:r>
+              <a:rPr lang="en-US" dirty="0">
                 <a:solidFill>
                   <a:schemeClr val="tx1"/>
                 </a:solidFill>
@@ -15366,45 +15125,21 @@
               <a:t> </a:t>
             </a:r>
             <a:r>
-              <a:rPr lang="en-US" sz="2000" dirty="0" err="1">
-                <a:solidFill>
-                  <a:schemeClr val="tx1"/>
-                </a:solidFill>
-              </a:rPr>
-              <a:t>lógica</a:t>
-            </a:r>
-            <a:r>
-              <a:rPr lang="en-US" sz="2000" dirty="0">
-                <a:solidFill>
-                  <a:schemeClr val="tx1"/>
-                </a:solidFill>
-              </a:rPr>
-              <a:t> </a:t>
-            </a:r>
-            <a:r>
-              <a:rPr lang="en-US" sz="2000" dirty="0" err="1">
-                <a:solidFill>
-                  <a:schemeClr val="tx1"/>
-                </a:solidFill>
-              </a:rPr>
-              <a:t>en</a:t>
-            </a:r>
-            <a:r>
-              <a:rPr lang="en-US" sz="2000" dirty="0">
-                <a:solidFill>
-                  <a:schemeClr val="tx1"/>
-                </a:solidFill>
-              </a:rPr>
-              <a:t> el constructor</a:t>
-            </a:r>
-            <a:endParaRPr lang="es-AR" sz="2000" dirty="0">
+              <a:rPr lang="en-US" dirty="0" err="1">
+                <a:solidFill>
+                  <a:schemeClr val="tx1"/>
+                </a:solidFill>
+              </a:rPr>
+              <a:t>esperados</a:t>
+            </a:r>
+            <a:endParaRPr lang="en-US" dirty="0">
               <a:solidFill>
                 <a:schemeClr val="tx1"/>
               </a:solidFill>
             </a:endParaRPr>
           </a:p>
           <a:p>
-            <a:pPr marL="597150" lvl="1" indent="-342900">
+            <a:pPr marL="540000" lvl="1" indent="-285750">
               <a:spcAft>
                 <a:spcPts val="400"/>
               </a:spcAft>
@@ -15412,19 +15147,19 @@
                 <a:schemeClr val="accent6"/>
               </a:buClr>
               <a:buSzPct val="100000"/>
-              <a:buFont typeface="Arial" panose="020B0604020202020204" pitchFamily="34" charset="0"/>
-              <a:buChar char="•"/>
+              <a:buFont typeface="Courier New" panose="02070309020205020404" pitchFamily="49" charset="0"/>
+              <a:buChar char="o"/>
             </a:pPr>
             <a:r>
-              <a:rPr lang="en-US" sz="2000" dirty="0" err="1" smtClean="0">
-                <a:solidFill>
-                  <a:schemeClr val="tx1"/>
-                </a:solidFill>
-              </a:rPr>
-              <a:t>Tener</a:t>
-            </a:r>
-            <a:r>
-              <a:rPr lang="en-US" sz="2000" dirty="0" smtClean="0">
+              <a:rPr lang="en-US" dirty="0" err="1">
+                <a:solidFill>
+                  <a:schemeClr val="tx1"/>
+                </a:solidFill>
+              </a:rPr>
+              <a:t>Verificar</a:t>
+            </a:r>
+            <a:r>
+              <a:rPr lang="en-US" dirty="0">
                 <a:solidFill>
                   <a:schemeClr val="tx1"/>
                 </a:solidFill>
@@ -15432,65 +15167,31 @@
               <a:t> </a:t>
             </a:r>
             <a:r>
-              <a:rPr lang="en-US" sz="2000" dirty="0" err="1">
-                <a:solidFill>
-                  <a:schemeClr val="tx1"/>
-                </a:solidFill>
-              </a:rPr>
-              <a:t>cuidado</a:t>
-            </a:r>
-            <a:r>
-              <a:rPr lang="en-US" sz="2000" dirty="0">
-                <a:solidFill>
-                  <a:schemeClr val="tx1"/>
-                </a:solidFill>
-              </a:rPr>
-              <a:t> con </a:t>
-            </a:r>
-            <a:r>
-              <a:rPr lang="en-US" sz="2000" dirty="0" err="1">
-                <a:solidFill>
-                  <a:schemeClr val="tx1"/>
-                </a:solidFill>
-              </a:rPr>
-              <a:t>estado</a:t>
-            </a:r>
-            <a:r>
-              <a:rPr lang="en-US" sz="2000" dirty="0">
-                <a:solidFill>
-                  <a:schemeClr val="tx1"/>
-                </a:solidFill>
-              </a:rPr>
-              <a:t> global y singletons</a:t>
-            </a:r>
-            <a:endParaRPr lang="es-AR" sz="2000" dirty="0">
-              <a:solidFill>
-                <a:schemeClr val="tx1"/>
-              </a:solidFill>
-            </a:endParaRPr>
-          </a:p>
-          <a:p>
-            <a:pPr marL="597150" lvl="1" indent="-342900">
-              <a:spcAft>
-                <a:spcPts val="400"/>
-              </a:spcAft>
-              <a:buClr>
-                <a:schemeClr val="accent6"/>
-              </a:buClr>
-              <a:buSzPct val="100000"/>
-              <a:buFont typeface="Arial" panose="020B0604020202020204" pitchFamily="34" charset="0"/>
-              <a:buChar char="•"/>
-            </a:pPr>
-            <a:r>
-              <a:rPr lang="en-US" sz="2000" dirty="0" err="1" smtClean="0">
-                <a:solidFill>
-                  <a:schemeClr val="tx1"/>
-                </a:solidFill>
-              </a:rPr>
-              <a:t>Tener</a:t>
-            </a:r>
-            <a:r>
-              <a:rPr lang="en-US" sz="2000" dirty="0" smtClean="0">
+              <a:rPr lang="en-US" dirty="0" err="1">
+                <a:solidFill>
+                  <a:schemeClr val="tx1"/>
+                </a:solidFill>
+              </a:rPr>
+              <a:t>que</a:t>
+            </a:r>
+            <a:r>
+              <a:rPr lang="en-US" dirty="0">
+                <a:solidFill>
+                  <a:schemeClr val="tx1"/>
+                </a:solidFill>
+              </a:rPr>
+              <a:t> el mock </a:t>
+            </a:r>
+            <a:r>
+              <a:rPr lang="en-US" dirty="0" err="1">
+                <a:solidFill>
+                  <a:schemeClr val="tx1"/>
+                </a:solidFill>
+              </a:rPr>
+              <a:t>fue</a:t>
+            </a:r>
+            <a:r>
+              <a:rPr lang="en-US" dirty="0">
                 <a:solidFill>
                   <a:schemeClr val="tx1"/>
                 </a:solidFill>
@@ -15498,31 +15199,63 @@
               <a:t> </a:t>
             </a:r>
             <a:r>
-              <a:rPr lang="en-US" sz="2000" dirty="0" err="1">
-                <a:solidFill>
-                  <a:schemeClr val="tx1"/>
-                </a:solidFill>
-              </a:rPr>
-              <a:t>cuidado</a:t>
-            </a:r>
-            <a:r>
-              <a:rPr lang="en-US" sz="2000" dirty="0">
-                <a:solidFill>
-                  <a:schemeClr val="tx1"/>
-                </a:solidFill>
-              </a:rPr>
-              <a:t> con </a:t>
-            </a:r>
-            <a:r>
-              <a:rPr lang="en-US" sz="2000" dirty="0" err="1">
-                <a:solidFill>
-                  <a:schemeClr val="tx1"/>
-                </a:solidFill>
-              </a:rPr>
-              <a:t>métodos</a:t>
-            </a:r>
-            <a:r>
-              <a:rPr lang="en-US" sz="2000" dirty="0">
+              <a:rPr lang="en-US" dirty="0" err="1">
+                <a:solidFill>
+                  <a:schemeClr val="tx1"/>
+                </a:solidFill>
+              </a:rPr>
+              <a:t>llamado</a:t>
+            </a:r>
+            <a:r>
+              <a:rPr lang="en-US" dirty="0">
+                <a:solidFill>
+                  <a:schemeClr val="tx1"/>
+                </a:solidFill>
+              </a:rPr>
+              <a:t> la </a:t>
+            </a:r>
+            <a:r>
+              <a:rPr lang="en-US" dirty="0" err="1">
+                <a:solidFill>
+                  <a:schemeClr val="tx1"/>
+                </a:solidFill>
+              </a:rPr>
+              <a:t>cantidad</a:t>
+            </a:r>
+            <a:r>
+              <a:rPr lang="en-US" dirty="0">
+                <a:solidFill>
+                  <a:schemeClr val="tx1"/>
+                </a:solidFill>
+              </a:rPr>
+              <a:t> de </a:t>
+            </a:r>
+            <a:r>
+              <a:rPr lang="en-US" dirty="0" err="1">
+                <a:solidFill>
+                  <a:schemeClr val="tx1"/>
+                </a:solidFill>
+              </a:rPr>
+              <a:t>veces</a:t>
+            </a:r>
+            <a:r>
+              <a:rPr lang="en-US" dirty="0">
+                <a:solidFill>
+                  <a:schemeClr val="tx1"/>
+                </a:solidFill>
+              </a:rPr>
+              <a:t> y con los </a:t>
+            </a:r>
+            <a:r>
+              <a:rPr lang="en-US" dirty="0" err="1">
+                <a:solidFill>
+                  <a:schemeClr val="tx1"/>
+                </a:solidFill>
+              </a:rPr>
+              <a:t>parámetros</a:t>
+            </a:r>
+            <a:r>
+              <a:rPr lang="en-US" dirty="0">
                 <a:solidFill>
                   <a:schemeClr val="tx1"/>
                 </a:solidFill>
@@ -15530,252 +15263,14 @@
               <a:t> </a:t>
             </a:r>
             <a:r>
-              <a:rPr lang="en-US" sz="2000" dirty="0" err="1">
-                <a:solidFill>
-                  <a:schemeClr val="tx1"/>
-                </a:solidFill>
-              </a:rPr>
-              <a:t>estáticos</a:t>
-            </a:r>
-            <a:endParaRPr lang="es-AR" sz="2000" dirty="0">
-              <a:solidFill>
-                <a:schemeClr val="tx1"/>
-              </a:solidFill>
-            </a:endParaRPr>
-          </a:p>
-          <a:p>
-            <a:pPr marL="597150" lvl="1" indent="-342900">
-              <a:spcAft>
-                <a:spcPts val="400"/>
-              </a:spcAft>
-              <a:buClr>
-                <a:schemeClr val="accent6"/>
-              </a:buClr>
-              <a:buSzPct val="100000"/>
-              <a:buFont typeface="Arial" panose="020B0604020202020204" pitchFamily="34" charset="0"/>
-              <a:buChar char="•"/>
-            </a:pPr>
-            <a:r>
-              <a:rPr lang="en-US" sz="2000" dirty="0" err="1" smtClean="0">
-                <a:solidFill>
-                  <a:schemeClr val="tx1"/>
-                </a:solidFill>
-              </a:rPr>
-              <a:t>Elegir</a:t>
-            </a:r>
-            <a:r>
-              <a:rPr lang="en-US" sz="2000" dirty="0" smtClean="0">
-                <a:solidFill>
-                  <a:schemeClr val="tx1"/>
-                </a:solidFill>
-              </a:rPr>
-              <a:t> </a:t>
-            </a:r>
-            <a:r>
-              <a:rPr lang="en-US" sz="2000" dirty="0">
-                <a:solidFill>
-                  <a:schemeClr val="tx1"/>
-                </a:solidFill>
-              </a:rPr>
-              <a:t>el </a:t>
-            </a:r>
-            <a:r>
-              <a:rPr lang="en-US" sz="2000" dirty="0" err="1">
-                <a:solidFill>
-                  <a:schemeClr val="tx1"/>
-                </a:solidFill>
-              </a:rPr>
-              <a:t>polimorfismo</a:t>
-            </a:r>
-            <a:r>
-              <a:rPr lang="en-US" sz="2000" dirty="0">
-                <a:solidFill>
-                  <a:schemeClr val="tx1"/>
-                </a:solidFill>
-              </a:rPr>
-              <a:t> </a:t>
-            </a:r>
-            <a:r>
-              <a:rPr lang="en-US" sz="2000" dirty="0" err="1">
-                <a:solidFill>
-                  <a:schemeClr val="tx1"/>
-                </a:solidFill>
-              </a:rPr>
-              <a:t>por</a:t>
-            </a:r>
-            <a:r>
-              <a:rPr lang="en-US" sz="2000" dirty="0">
-                <a:solidFill>
-                  <a:schemeClr val="tx1"/>
-                </a:solidFill>
-              </a:rPr>
-              <a:t> </a:t>
-            </a:r>
-            <a:r>
-              <a:rPr lang="en-US" sz="2000" dirty="0" err="1">
-                <a:solidFill>
-                  <a:schemeClr val="tx1"/>
-                </a:solidFill>
-              </a:rPr>
-              <a:t>sobre</a:t>
-            </a:r>
-            <a:r>
-              <a:rPr lang="en-US" sz="2000" dirty="0">
-                <a:solidFill>
-                  <a:schemeClr val="tx1"/>
-                </a:solidFill>
-              </a:rPr>
-              <a:t> los </a:t>
-            </a:r>
-            <a:r>
-              <a:rPr lang="en-US" sz="2000" dirty="0" err="1">
-                <a:solidFill>
-                  <a:schemeClr val="tx1"/>
-                </a:solidFill>
-              </a:rPr>
-              <a:t>condicionales</a:t>
-            </a:r>
-            <a:endParaRPr lang="es-AR" sz="2000" dirty="0">
-              <a:solidFill>
-                <a:schemeClr val="tx1"/>
-              </a:solidFill>
-            </a:endParaRPr>
-          </a:p>
-          <a:p>
-            <a:pPr marL="597150" lvl="1" indent="-342900">
-              <a:spcAft>
-                <a:spcPts val="400"/>
-              </a:spcAft>
-              <a:buClr>
-                <a:schemeClr val="accent6"/>
-              </a:buClr>
-              <a:buSzPct val="100000"/>
-              <a:buFont typeface="Arial" panose="020B0604020202020204" pitchFamily="34" charset="0"/>
-              <a:buChar char="•"/>
-            </a:pPr>
-            <a:r>
-              <a:rPr lang="en-US" sz="2000" dirty="0">
-                <a:solidFill>
-                  <a:schemeClr val="tx1"/>
-                </a:solidFill>
-              </a:rPr>
-              <a:t>No </a:t>
-            </a:r>
-            <a:r>
-              <a:rPr lang="en-US" sz="2000" dirty="0" err="1">
-                <a:solidFill>
-                  <a:schemeClr val="tx1"/>
-                </a:solidFill>
-              </a:rPr>
-              <a:t>mezclar</a:t>
-            </a:r>
-            <a:r>
-              <a:rPr lang="en-US" sz="2000" dirty="0">
-                <a:solidFill>
-                  <a:schemeClr val="tx1"/>
-                </a:solidFill>
-              </a:rPr>
-              <a:t> </a:t>
-            </a:r>
-            <a:r>
-              <a:rPr lang="en-US" sz="2000" dirty="0" err="1">
-                <a:solidFill>
-                  <a:schemeClr val="tx1"/>
-                </a:solidFill>
-              </a:rPr>
-              <a:t>objetos</a:t>
-            </a:r>
-            <a:r>
-              <a:rPr lang="en-US" sz="2000" dirty="0">
-                <a:solidFill>
-                  <a:schemeClr val="tx1"/>
-                </a:solidFill>
-              </a:rPr>
-              <a:t> de </a:t>
-            </a:r>
-            <a:r>
-              <a:rPr lang="en-US" sz="2000" dirty="0" err="1">
-                <a:solidFill>
-                  <a:schemeClr val="tx1"/>
-                </a:solidFill>
-              </a:rPr>
-              <a:t>servicio</a:t>
-            </a:r>
-            <a:r>
-              <a:rPr lang="en-US" sz="2000" dirty="0">
-                <a:solidFill>
-                  <a:schemeClr val="tx1"/>
-                </a:solidFill>
-              </a:rPr>
-              <a:t> con </a:t>
-            </a:r>
-            <a:r>
-              <a:rPr lang="en-US" sz="2000" dirty="0" err="1">
-                <a:solidFill>
-                  <a:schemeClr val="tx1"/>
-                </a:solidFill>
-              </a:rPr>
-              <a:t>objetos</a:t>
-            </a:r>
-            <a:r>
-              <a:rPr lang="en-US" sz="2000" dirty="0">
-                <a:solidFill>
-                  <a:schemeClr val="tx1"/>
-                </a:solidFill>
-              </a:rPr>
-              <a:t> de valor</a:t>
-            </a:r>
-            <a:endParaRPr lang="es-AR" sz="2000" dirty="0">
-              <a:solidFill>
-                <a:schemeClr val="tx1"/>
-              </a:solidFill>
-            </a:endParaRPr>
-          </a:p>
-          <a:p>
-            <a:pPr marL="597150" lvl="1" indent="-342900">
-              <a:spcAft>
-                <a:spcPts val="400"/>
-              </a:spcAft>
-              <a:buClr>
-                <a:schemeClr val="accent6"/>
-              </a:buClr>
-              <a:buSzPct val="100000"/>
-              <a:buFont typeface="Arial" panose="020B0604020202020204" pitchFamily="34" charset="0"/>
-              <a:buChar char="•"/>
-            </a:pPr>
-            <a:r>
-              <a:rPr lang="en-US" sz="2000" dirty="0">
-                <a:solidFill>
-                  <a:schemeClr val="tx1"/>
-                </a:solidFill>
-              </a:rPr>
-              <a:t>No </a:t>
-            </a:r>
-            <a:r>
-              <a:rPr lang="en-US" sz="2000" dirty="0" err="1">
-                <a:solidFill>
-                  <a:schemeClr val="tx1"/>
-                </a:solidFill>
-              </a:rPr>
-              <a:t>mezclar</a:t>
-            </a:r>
-            <a:r>
-              <a:rPr lang="en-US" sz="2000" dirty="0">
-                <a:solidFill>
-                  <a:schemeClr val="tx1"/>
-                </a:solidFill>
-              </a:rPr>
-              <a:t> </a:t>
-            </a:r>
-            <a:r>
-              <a:rPr lang="en-US" sz="2000" dirty="0" err="1">
-                <a:solidFill>
-                  <a:schemeClr val="tx1"/>
-                </a:solidFill>
-              </a:rPr>
-              <a:t>responsabilidades</a:t>
-            </a:r>
-            <a:endParaRPr lang="es-AR" sz="2000" dirty="0">
+              <a:rPr lang="en-US" dirty="0" err="1">
+                <a:solidFill>
+                  <a:schemeClr val="tx1"/>
+                </a:solidFill>
+              </a:rPr>
+              <a:t>esperados</a:t>
+            </a:r>
+            <a:endParaRPr lang="es-AR" dirty="0">
               <a:solidFill>
                 <a:schemeClr val="tx1"/>
               </a:solidFill>
@@ -16009,27 +15504,11 @@
           <a:p>
             <a:r>
               <a:rPr lang="en-US" dirty="0"/>
-              <a:t>Tip 6: </a:t>
+              <a:t>Tip 5: Mocking de </a:t>
             </a:r>
             <a:r>
               <a:rPr lang="en-US" dirty="0" err="1"/>
-              <a:t>Escribiendo</a:t>
-            </a:r>
-            <a:r>
-              <a:rPr lang="en-US" dirty="0"/>
-              <a:t> </a:t>
-            </a:r>
-            <a:r>
-              <a:rPr lang="en-US" dirty="0" err="1"/>
-              <a:t>código</a:t>
-            </a:r>
-            <a:r>
-              <a:rPr lang="en-US" dirty="0"/>
-              <a:t> </a:t>
-            </a:r>
-            <a:r>
-              <a:rPr lang="en-US" dirty="0" err="1"/>
-              <a:t>testeable</a:t>
+              <a:t>dependencias</a:t>
             </a:r>
             <a:endParaRPr lang="es-AR" dirty="0"/>
           </a:p>
@@ -16154,7 +15633,7 @@
     </p:spTree>
     <p:extLst>
       <p:ext uri="{BB962C8B-B14F-4D97-AF65-F5344CB8AC3E}">
-        <p14:creationId xmlns:p14="http://schemas.microsoft.com/office/powerpoint/2010/main" val="4153664042"/>
+        <p14:creationId xmlns:p14="http://schemas.microsoft.com/office/powerpoint/2010/main" val="2409351229"/>
       </p:ext>
     </p:extLst>
   </p:cSld>
@@ -16201,8 +15680,8 @@
         </p:nvSpPr>
         <p:spPr>
           <a:xfrm>
-            <a:off x="1169678" y="2238817"/>
-            <a:ext cx="8488424" cy="2661487"/>
+            <a:off x="1169678" y="1984817"/>
+            <a:ext cx="8488424" cy="4135446"/>
           </a:xfrm>
         </p:spPr>
         <p:txBody>
@@ -16221,12 +15700,20 @@
               <a:buChar char="•"/>
             </a:pPr>
             <a:r>
+              <a:rPr lang="en-GB" sz="2000" dirty="0">
+                <a:solidFill>
+                  <a:schemeClr val="tx1"/>
+                </a:solidFill>
+              </a:rPr>
+              <a:t>No </a:t>
+            </a:r>
+            <a:r>
               <a:rPr lang="en-GB" sz="2000" dirty="0" err="1">
                 <a:solidFill>
                   <a:schemeClr val="tx1"/>
                 </a:solidFill>
               </a:rPr>
-              <a:t>Evitan</a:t>
+              <a:t>mezclar</a:t>
             </a:r>
             <a:r>
               <a:rPr lang="en-GB" sz="2000" dirty="0">
@@ -16234,7 +15721,7 @@
                   <a:schemeClr val="tx1"/>
                 </a:solidFill>
               </a:rPr>
-              <a:t> </a:t>
+              <a:t> el </a:t>
             </a:r>
             <a:r>
               <a:rPr lang="en-GB" sz="2000" dirty="0" err="1">
@@ -16242,7 +15729,7 @@
                   <a:schemeClr val="tx1"/>
                 </a:solidFill>
               </a:rPr>
-              <a:t>acoplar</a:t>
+              <a:t>grafo</a:t>
             </a:r>
             <a:r>
               <a:rPr lang="en-GB" sz="2000" dirty="0">
@@ -16250,7 +15737,7 @@
                   <a:schemeClr val="tx1"/>
                 </a:solidFill>
               </a:rPr>
-              <a:t> el </a:t>
+              <a:t> de </a:t>
             </a:r>
             <a:r>
               <a:rPr lang="en-GB" sz="2000" dirty="0" err="1">
@@ -16258,7 +15745,7 @@
                   <a:schemeClr val="tx1"/>
                 </a:solidFill>
               </a:rPr>
-              <a:t>código</a:t>
+              <a:t>instanciación</a:t>
             </a:r>
             <a:r>
               <a:rPr lang="en-GB" sz="2000" dirty="0">
@@ -16266,7 +15753,7 @@
                   <a:schemeClr val="tx1"/>
                 </a:solidFill>
               </a:rPr>
-              <a:t> </a:t>
+              <a:t> de </a:t>
             </a:r>
             <a:r>
               <a:rPr lang="en-GB" sz="2000" dirty="0" err="1">
@@ -16274,7 +15761,7 @@
                   <a:schemeClr val="tx1"/>
                 </a:solidFill>
               </a:rPr>
-              <a:t>directamente</a:t>
+              <a:t>objetos</a:t>
             </a:r>
             <a:r>
               <a:rPr lang="en-GB" sz="2000" dirty="0">
@@ -16282,7 +15769,7 @@
                   <a:schemeClr val="tx1"/>
                 </a:solidFill>
               </a:rPr>
-              <a:t> a </a:t>
+              <a:t> con la </a:t>
             </a:r>
             <a:r>
               <a:rPr lang="en-GB" sz="2000" dirty="0" err="1">
@@ -16290,7 +15777,7 @@
                   <a:schemeClr val="tx1"/>
                 </a:solidFill>
               </a:rPr>
-              <a:t>librerías</a:t>
+              <a:t>lógica</a:t>
             </a:r>
             <a:r>
               <a:rPr lang="en-GB" sz="2000" dirty="0">
@@ -16298,7 +15785,7 @@
                   <a:schemeClr val="tx1"/>
                 </a:solidFill>
               </a:rPr>
-              <a:t> de </a:t>
+              <a:t> de la </a:t>
             </a:r>
             <a:r>
               <a:rPr lang="en-GB" sz="2000" dirty="0" err="1" smtClean="0">
@@ -16306,9 +15793,9 @@
                   <a:schemeClr val="tx1"/>
                 </a:solidFill>
               </a:rPr>
-              <a:t>terceros</a:t>
-            </a:r>
-            <a:endParaRPr lang="en-GB" sz="2000" dirty="0" smtClean="0">
+              <a:t>aplicación</a:t>
+            </a:r>
+            <a:endParaRPr lang="en-GB" sz="2000" dirty="0">
               <a:solidFill>
                 <a:schemeClr val="tx1"/>
               </a:solidFill>
@@ -16326,11 +15813,14 @@
               <a:buFont typeface="Arial" panose="020B0604020202020204" pitchFamily="34" charset="0"/>
               <a:buChar char="•"/>
             </a:pPr>
-            <a:endParaRPr lang="en-GB" sz="2000" dirty="0">
-              <a:solidFill>
-                <a:schemeClr val="tx1"/>
-              </a:solidFill>
-            </a:endParaRPr>
+            <a:r>
+              <a:rPr lang="es-AR" sz="2000" dirty="0">
+                <a:solidFill>
+                  <a:schemeClr val="tx1"/>
+                </a:solidFill>
+              </a:rPr>
+              <a:t>Pedir los objetos, no ir a buscarlos</a:t>
+            </a:r>
           </a:p>
           <a:p>
             <a:pPr marL="597150" lvl="1" indent="-342900">
@@ -16345,23 +15835,23 @@
               <a:buChar char="•"/>
             </a:pPr>
             <a:r>
-              <a:rPr lang="en-GB" sz="2000" dirty="0">
-                <a:solidFill>
-                  <a:schemeClr val="tx1"/>
-                </a:solidFill>
-              </a:rPr>
-              <a:t>Se </a:t>
-            </a:r>
-            <a:r>
-              <a:rPr lang="en-GB" sz="2000" dirty="0" err="1">
-                <a:solidFill>
-                  <a:schemeClr val="tx1"/>
-                </a:solidFill>
-              </a:rPr>
-              <a:t>puede</a:t>
-            </a:r>
-            <a:r>
-              <a:rPr lang="en-GB" sz="2000" dirty="0">
+              <a:rPr lang="en-US" sz="2000" dirty="0" smtClean="0">
+                <a:solidFill>
+                  <a:schemeClr val="tx1"/>
+                </a:solidFill>
+              </a:rPr>
+              <a:t>No </a:t>
+            </a:r>
+            <a:r>
+              <a:rPr lang="en-US" sz="2000" dirty="0" err="1">
+                <a:solidFill>
+                  <a:schemeClr val="tx1"/>
+                </a:solidFill>
+              </a:rPr>
+              <a:t>escribir</a:t>
+            </a:r>
+            <a:r>
+              <a:rPr lang="en-US" sz="2000" dirty="0">
                 <a:solidFill>
                   <a:schemeClr val="tx1"/>
                 </a:solidFill>
@@ -16369,94 +15859,38 @@
               <a:t> </a:t>
             </a:r>
             <a:r>
-              <a:rPr lang="en-GB" sz="2000" dirty="0" err="1">
-                <a:solidFill>
-                  <a:schemeClr val="tx1"/>
-                </a:solidFill>
-              </a:rPr>
-              <a:t>cambiar</a:t>
-            </a:r>
-            <a:r>
-              <a:rPr lang="en-GB" sz="2000" dirty="0">
-                <a:solidFill>
-                  <a:schemeClr val="tx1"/>
-                </a:solidFill>
-              </a:rPr>
-              <a:t> de </a:t>
-            </a:r>
-            <a:r>
-              <a:rPr lang="en-GB" sz="2000" dirty="0" err="1">
-                <a:solidFill>
-                  <a:schemeClr val="tx1"/>
-                </a:solidFill>
-              </a:rPr>
-              <a:t>librería</a:t>
-            </a:r>
-            <a:r>
-              <a:rPr lang="en-GB" sz="2000" dirty="0">
-                <a:solidFill>
-                  <a:schemeClr val="tx1"/>
-                </a:solidFill>
-              </a:rPr>
-              <a:t> de </a:t>
-            </a:r>
-            <a:r>
-              <a:rPr lang="en-GB" sz="2000" dirty="0" err="1">
-                <a:solidFill>
-                  <a:schemeClr val="tx1"/>
-                </a:solidFill>
-              </a:rPr>
-              <a:t>terceros</a:t>
-            </a:r>
-            <a:r>
-              <a:rPr lang="en-GB" sz="2000" dirty="0">
-                <a:solidFill>
-                  <a:schemeClr val="tx1"/>
-                </a:solidFill>
-              </a:rPr>
-              <a:t> sin </a:t>
-            </a:r>
-            <a:r>
-              <a:rPr lang="en-GB" sz="2000" dirty="0" err="1">
-                <a:solidFill>
-                  <a:schemeClr val="tx1"/>
-                </a:solidFill>
-              </a:rPr>
-              <a:t>cambiar</a:t>
-            </a:r>
-            <a:r>
-              <a:rPr lang="en-GB" sz="2000" dirty="0">
-                <a:solidFill>
-                  <a:schemeClr val="tx1"/>
-                </a:solidFill>
-              </a:rPr>
-              <a:t> el </a:t>
-            </a:r>
-            <a:r>
-              <a:rPr lang="en-GB" sz="2000" dirty="0" err="1">
-                <a:solidFill>
-                  <a:schemeClr val="tx1"/>
-                </a:solidFill>
-              </a:rPr>
-              <a:t>código</a:t>
-            </a:r>
-            <a:r>
-              <a:rPr lang="en-GB" sz="2000" dirty="0">
-                <a:solidFill>
-                  <a:schemeClr val="tx1"/>
-                </a:solidFill>
-              </a:rPr>
-              <a:t> de la </a:t>
-            </a:r>
-            <a:r>
-              <a:rPr lang="en-GB" sz="2000" dirty="0" err="1">
-                <a:solidFill>
-                  <a:schemeClr val="tx1"/>
-                </a:solidFill>
-              </a:rPr>
-              <a:t>aplicación</a:t>
-            </a:r>
-            <a:endParaRPr lang="en-GB" sz="2000" dirty="0">
+              <a:rPr lang="en-US" sz="2000" dirty="0" err="1">
+                <a:solidFill>
+                  <a:schemeClr val="tx1"/>
+                </a:solidFill>
+              </a:rPr>
+              <a:t>lógica</a:t>
+            </a:r>
+            <a:r>
+              <a:rPr lang="en-US" sz="2000" dirty="0">
+                <a:solidFill>
+                  <a:schemeClr val="tx1"/>
+                </a:solidFill>
+              </a:rPr>
+              <a:t> </a:t>
+            </a:r>
+            <a:r>
+              <a:rPr lang="en-US" sz="2000" dirty="0" err="1">
+                <a:solidFill>
+                  <a:schemeClr val="tx1"/>
+                </a:solidFill>
+              </a:rPr>
+              <a:t>en</a:t>
+            </a:r>
+            <a:r>
+              <a:rPr lang="en-US" sz="2000" dirty="0">
+                <a:solidFill>
+                  <a:schemeClr val="tx1"/>
+                </a:solidFill>
+              </a:rPr>
+              <a:t> el constructor</a:t>
+            </a:r>
+            <a:endParaRPr lang="es-AR" sz="2000" dirty="0">
               <a:solidFill>
                 <a:schemeClr val="tx1"/>
               </a:solidFill>
@@ -16474,7 +15908,55 @@
               <a:buFont typeface="Arial" panose="020B0604020202020204" pitchFamily="34" charset="0"/>
               <a:buChar char="•"/>
             </a:pPr>
-            <a:endParaRPr lang="en-GB" sz="2000" dirty="0" smtClean="0">
+            <a:r>
+              <a:rPr lang="en-US" sz="2000" dirty="0" err="1" smtClean="0">
+                <a:solidFill>
+                  <a:schemeClr val="tx1"/>
+                </a:solidFill>
+              </a:rPr>
+              <a:t>Tener</a:t>
+            </a:r>
+            <a:r>
+              <a:rPr lang="en-US" sz="2000" dirty="0" smtClean="0">
+                <a:solidFill>
+                  <a:schemeClr val="tx1"/>
+                </a:solidFill>
+              </a:rPr>
+              <a:t> </a:t>
+            </a:r>
+            <a:r>
+              <a:rPr lang="en-US" sz="2000" dirty="0" err="1">
+                <a:solidFill>
+                  <a:schemeClr val="tx1"/>
+                </a:solidFill>
+              </a:rPr>
+              <a:t>cuidado</a:t>
+            </a:r>
+            <a:r>
+              <a:rPr lang="en-US" sz="2000" dirty="0">
+                <a:solidFill>
+                  <a:schemeClr val="tx1"/>
+                </a:solidFill>
+              </a:rPr>
+              <a:t> con </a:t>
+            </a:r>
+            <a:r>
+              <a:rPr lang="en-US" sz="2000" dirty="0" err="1">
+                <a:solidFill>
+                  <a:schemeClr val="tx1"/>
+                </a:solidFill>
+              </a:rPr>
+              <a:t>estado</a:t>
+            </a:r>
+            <a:r>
+              <a:rPr lang="en-US" sz="2000" dirty="0">
+                <a:solidFill>
+                  <a:schemeClr val="tx1"/>
+                </a:solidFill>
+              </a:rPr>
+              <a:t> global y singletons</a:t>
+            </a:r>
+            <a:endParaRPr lang="es-AR" sz="2000" dirty="0">
               <a:solidFill>
                 <a:schemeClr val="tx1"/>
               </a:solidFill>
@@ -16493,15 +15975,15 @@
               <a:buChar char="•"/>
             </a:pPr>
             <a:r>
-              <a:rPr lang="en-GB" sz="2000" dirty="0" err="1" smtClean="0">
-                <a:solidFill>
-                  <a:schemeClr val="tx1"/>
-                </a:solidFill>
-              </a:rPr>
-              <a:t>Permiten</a:t>
-            </a:r>
-            <a:r>
-              <a:rPr lang="en-GB" sz="2000" dirty="0" smtClean="0">
+              <a:rPr lang="en-US" sz="2000" dirty="0" err="1" smtClean="0">
+                <a:solidFill>
+                  <a:schemeClr val="tx1"/>
+                </a:solidFill>
+              </a:rPr>
+              <a:t>Tener</a:t>
+            </a:r>
+            <a:r>
+              <a:rPr lang="en-US" sz="2000" dirty="0" smtClean="0">
                 <a:solidFill>
                   <a:schemeClr val="tx1"/>
                 </a:solidFill>
@@ -16509,31 +15991,31 @@
               <a:t> </a:t>
             </a:r>
             <a:r>
-              <a:rPr lang="en-GB" sz="2000" dirty="0" err="1">
-                <a:solidFill>
-                  <a:schemeClr val="tx1"/>
-                </a:solidFill>
-              </a:rPr>
-              <a:t>usar</a:t>
-            </a:r>
-            <a:r>
-              <a:rPr lang="en-GB" sz="2000" dirty="0">
-                <a:solidFill>
-                  <a:schemeClr val="tx1"/>
-                </a:solidFill>
-              </a:rPr>
-              <a:t> mocks de </a:t>
-            </a:r>
-            <a:r>
-              <a:rPr lang="en-GB" sz="2000" dirty="0" err="1">
-                <a:solidFill>
-                  <a:schemeClr val="tx1"/>
-                </a:solidFill>
-              </a:rPr>
-              <a:t>dependencias</a:t>
-            </a:r>
-            <a:r>
-              <a:rPr lang="en-GB" sz="2000" dirty="0">
+              <a:rPr lang="en-US" sz="2000" dirty="0" err="1">
+                <a:solidFill>
+                  <a:schemeClr val="tx1"/>
+                </a:solidFill>
+              </a:rPr>
+              <a:t>cuidado</a:t>
+            </a:r>
+            <a:r>
+              <a:rPr lang="en-US" sz="2000" dirty="0">
+                <a:solidFill>
+                  <a:schemeClr val="tx1"/>
+                </a:solidFill>
+              </a:rPr>
+              <a:t> con </a:t>
+            </a:r>
+            <a:r>
+              <a:rPr lang="en-US" sz="2000" dirty="0" err="1">
+                <a:solidFill>
+                  <a:schemeClr val="tx1"/>
+                </a:solidFill>
+              </a:rPr>
+              <a:t>métodos</a:t>
+            </a:r>
+            <a:r>
+              <a:rPr lang="en-US" sz="2000" dirty="0">
                 <a:solidFill>
                   <a:schemeClr val="tx1"/>
                 </a:solidFill>
@@ -16541,30 +16023,14 @@
               <a:t> </a:t>
             </a:r>
             <a:r>
-              <a:rPr lang="en-GB" sz="2000" b="1" dirty="0" err="1">
-                <a:solidFill>
-                  <a:schemeClr val="tx1"/>
-                </a:solidFill>
-              </a:rPr>
-              <a:t>estáticas</a:t>
-            </a:r>
-            <a:r>
-              <a:rPr lang="en-GB" sz="2000" dirty="0">
-                <a:solidFill>
-                  <a:schemeClr val="tx1"/>
-                </a:solidFill>
-              </a:rPr>
-              <a:t> de </a:t>
-            </a:r>
-            <a:r>
-              <a:rPr lang="en-GB" sz="2000" dirty="0" err="1">
-                <a:solidFill>
-                  <a:schemeClr val="tx1"/>
-                </a:solidFill>
-              </a:rPr>
-              <a:t>terceros</a:t>
-            </a:r>
-            <a:endParaRPr lang="en-GB" sz="2000" dirty="0">
+              <a:rPr lang="en-US" sz="2000" dirty="0" err="1">
+                <a:solidFill>
+                  <a:schemeClr val="tx1"/>
+                </a:solidFill>
+              </a:rPr>
+              <a:t>estáticos</a:t>
+            </a:r>
+            <a:endParaRPr lang="es-AR" sz="2000" dirty="0">
               <a:solidFill>
                 <a:schemeClr val="tx1"/>
               </a:solidFill>
@@ -16582,7 +16048,87 @@
               <a:buFont typeface="Arial" panose="020B0604020202020204" pitchFamily="34" charset="0"/>
               <a:buChar char="•"/>
             </a:pPr>
-            <a:endParaRPr lang="en-GB" sz="2000" dirty="0" smtClean="0">
+            <a:r>
+              <a:rPr lang="en-US" sz="2000" dirty="0" err="1" smtClean="0">
+                <a:solidFill>
+                  <a:schemeClr val="tx1"/>
+                </a:solidFill>
+              </a:rPr>
+              <a:t>Elegir</a:t>
+            </a:r>
+            <a:r>
+              <a:rPr lang="en-US" sz="2000" dirty="0" smtClean="0">
+                <a:solidFill>
+                  <a:schemeClr val="tx1"/>
+                </a:solidFill>
+              </a:rPr>
+              <a:t> </a:t>
+            </a:r>
+            <a:r>
+              <a:rPr lang="en-US" sz="2000" dirty="0">
+                <a:solidFill>
+                  <a:schemeClr val="tx1"/>
+                </a:solidFill>
+              </a:rPr>
+              <a:t>el </a:t>
+            </a:r>
+            <a:r>
+              <a:rPr lang="en-US" sz="2000" dirty="0" err="1">
+                <a:solidFill>
+                  <a:schemeClr val="tx1"/>
+                </a:solidFill>
+              </a:rPr>
+              <a:t>polimorfismo</a:t>
+            </a:r>
+            <a:r>
+              <a:rPr lang="en-US" sz="2000" dirty="0">
+                <a:solidFill>
+                  <a:schemeClr val="tx1"/>
+                </a:solidFill>
+              </a:rPr>
+              <a:t> </a:t>
+            </a:r>
+            <a:r>
+              <a:rPr lang="en-US" sz="2000" dirty="0" err="1">
+                <a:solidFill>
+                  <a:schemeClr val="tx1"/>
+                </a:solidFill>
+              </a:rPr>
+              <a:t>por</a:t>
+            </a:r>
+            <a:r>
+              <a:rPr lang="en-US" sz="2000" dirty="0">
+                <a:solidFill>
+                  <a:schemeClr val="tx1"/>
+                </a:solidFill>
+              </a:rPr>
+              <a:t> </a:t>
+            </a:r>
+            <a:r>
+              <a:rPr lang="en-US" sz="2000" dirty="0" err="1">
+                <a:solidFill>
+                  <a:schemeClr val="tx1"/>
+                </a:solidFill>
+              </a:rPr>
+              <a:t>sobre</a:t>
+            </a:r>
+            <a:r>
+              <a:rPr lang="en-US" sz="2000" dirty="0">
+                <a:solidFill>
+                  <a:schemeClr val="tx1"/>
+                </a:solidFill>
+              </a:rPr>
+              <a:t> los </a:t>
+            </a:r>
+            <a:r>
+              <a:rPr lang="en-US" sz="2000" dirty="0" err="1">
+                <a:solidFill>
+                  <a:schemeClr val="tx1"/>
+                </a:solidFill>
+              </a:rPr>
+              <a:t>condicionales</a:t>
+            </a:r>
+            <a:endParaRPr lang="es-AR" sz="2000" dirty="0">
               <a:solidFill>
                 <a:schemeClr val="tx1"/>
               </a:solidFill>
@@ -16601,15 +16147,23 @@
               <a:buChar char="•"/>
             </a:pPr>
             <a:r>
-              <a:rPr lang="en-GB" sz="2000" dirty="0" err="1" smtClean="0">
-                <a:solidFill>
-                  <a:schemeClr val="tx1"/>
-                </a:solidFill>
-              </a:rPr>
-              <a:t>Evitan</a:t>
-            </a:r>
-            <a:r>
-              <a:rPr lang="en-GB" sz="2000" dirty="0" smtClean="0">
+              <a:rPr lang="en-US" sz="2000" dirty="0">
+                <a:solidFill>
+                  <a:schemeClr val="tx1"/>
+                </a:solidFill>
+              </a:rPr>
+              <a:t>No </a:t>
+            </a:r>
+            <a:r>
+              <a:rPr lang="en-US" sz="2000" dirty="0" err="1">
+                <a:solidFill>
+                  <a:schemeClr val="tx1"/>
+                </a:solidFill>
+              </a:rPr>
+              <a:t>mezclar</a:t>
+            </a:r>
+            <a:r>
+              <a:rPr lang="en-US" sz="2000" dirty="0">
                 <a:solidFill>
                   <a:schemeClr val="tx1"/>
                 </a:solidFill>
@@ -16617,23 +16171,15 @@
               <a:t> </a:t>
             </a:r>
             <a:r>
-              <a:rPr lang="en-GB" sz="2000" dirty="0">
-                <a:solidFill>
-                  <a:schemeClr val="tx1"/>
-                </a:solidFill>
-              </a:rPr>
-              <a:t>el </a:t>
-            </a:r>
-            <a:r>
-              <a:rPr lang="en-GB" sz="2000" dirty="0" err="1">
-                <a:solidFill>
-                  <a:schemeClr val="tx1"/>
-                </a:solidFill>
-              </a:rPr>
-              <a:t>uso</a:t>
-            </a:r>
-            <a:r>
-              <a:rPr lang="en-GB" sz="2000" dirty="0">
+              <a:rPr lang="en-US" sz="2000" dirty="0" err="1">
+                <a:solidFill>
+                  <a:schemeClr val="tx1"/>
+                </a:solidFill>
+              </a:rPr>
+              <a:t>objetos</a:t>
+            </a:r>
+            <a:r>
+              <a:rPr lang="en-US" sz="2000" dirty="0">
                 <a:solidFill>
                   <a:schemeClr val="tx1"/>
                 </a:solidFill>
@@ -16641,110 +16187,38 @@
               <a:t> de </a:t>
             </a:r>
             <a:r>
-              <a:rPr lang="en-GB" sz="2000" dirty="0" err="1">
-                <a:solidFill>
-                  <a:schemeClr val="tx1"/>
-                </a:solidFill>
-              </a:rPr>
-              <a:t>clases</a:t>
-            </a:r>
-            <a:r>
-              <a:rPr lang="en-GB" sz="2000" dirty="0">
-                <a:solidFill>
-                  <a:schemeClr val="tx1"/>
-                </a:solidFill>
-              </a:rPr>
-              <a:t> </a:t>
-            </a:r>
-            <a:r>
-              <a:rPr lang="en-GB" sz="2000" dirty="0" err="1">
-                <a:solidFill>
-                  <a:schemeClr val="tx1"/>
-                </a:solidFill>
-              </a:rPr>
-              <a:t>específicas</a:t>
-            </a:r>
-            <a:r>
-              <a:rPr lang="en-GB" sz="2000" dirty="0">
-                <a:solidFill>
-                  <a:schemeClr val="tx1"/>
-                </a:solidFill>
-              </a:rPr>
-              <a:t> de </a:t>
-            </a:r>
-            <a:r>
-              <a:rPr lang="en-GB" sz="2000" dirty="0" err="1">
-                <a:solidFill>
-                  <a:schemeClr val="tx1"/>
-                </a:solidFill>
-              </a:rPr>
-              <a:t>librerías</a:t>
-            </a:r>
-            <a:r>
-              <a:rPr lang="en-GB" sz="2000" dirty="0">
-                <a:solidFill>
-                  <a:schemeClr val="tx1"/>
-                </a:solidFill>
-              </a:rPr>
-              <a:t> de </a:t>
-            </a:r>
-            <a:r>
-              <a:rPr lang="en-GB" sz="2000" dirty="0" err="1">
-                <a:solidFill>
-                  <a:schemeClr val="tx1"/>
-                </a:solidFill>
-              </a:rPr>
-              <a:t>terceros</a:t>
-            </a:r>
-            <a:r>
-              <a:rPr lang="en-GB" sz="2000" dirty="0">
-                <a:solidFill>
-                  <a:schemeClr val="tx1"/>
-                </a:solidFill>
-              </a:rPr>
-              <a:t> </a:t>
-            </a:r>
-            <a:r>
-              <a:rPr lang="en-GB" sz="2000" dirty="0" err="1">
-                <a:solidFill>
-                  <a:schemeClr val="tx1"/>
-                </a:solidFill>
-              </a:rPr>
-              <a:t>en</a:t>
-            </a:r>
-            <a:r>
-              <a:rPr lang="en-GB" sz="2000" dirty="0">
-                <a:solidFill>
-                  <a:schemeClr val="tx1"/>
-                </a:solidFill>
-              </a:rPr>
-              <a:t> </a:t>
-            </a:r>
-            <a:r>
-              <a:rPr lang="en-GB" sz="2000" dirty="0" err="1">
-                <a:solidFill>
-                  <a:schemeClr val="tx1"/>
-                </a:solidFill>
-              </a:rPr>
-              <a:t>tu</a:t>
-            </a:r>
-            <a:r>
-              <a:rPr lang="en-GB" sz="2000" dirty="0">
-                <a:solidFill>
-                  <a:schemeClr val="tx1"/>
-                </a:solidFill>
-              </a:rPr>
-              <a:t> </a:t>
-            </a:r>
-            <a:r>
-              <a:rPr lang="en-GB" sz="2000" dirty="0" err="1">
-                <a:solidFill>
-                  <a:schemeClr val="tx1"/>
-                </a:solidFill>
-              </a:rPr>
-              <a:t>código</a:t>
-            </a:r>
-            <a:endParaRPr lang="en-GB" sz="2000" dirty="0">
+              <a:rPr lang="en-US" sz="2000" dirty="0" err="1">
+                <a:solidFill>
+                  <a:schemeClr val="tx1"/>
+                </a:solidFill>
+              </a:rPr>
+              <a:t>servicio</a:t>
+            </a:r>
+            <a:r>
+              <a:rPr lang="en-US" sz="2000" dirty="0">
+                <a:solidFill>
+                  <a:schemeClr val="tx1"/>
+                </a:solidFill>
+              </a:rPr>
+              <a:t> con </a:t>
+            </a:r>
+            <a:r>
+              <a:rPr lang="en-US" sz="2000" dirty="0" err="1">
+                <a:solidFill>
+                  <a:schemeClr val="tx1"/>
+                </a:solidFill>
+              </a:rPr>
+              <a:t>objetos</a:t>
+            </a:r>
+            <a:r>
+              <a:rPr lang="en-US" sz="2000" dirty="0">
+                <a:solidFill>
+                  <a:schemeClr val="tx1"/>
+                </a:solidFill>
+              </a:rPr>
+              <a:t> de valor</a:t>
+            </a:r>
+            <a:endParaRPr lang="es-AR" sz="2000" dirty="0">
               <a:solidFill>
                 <a:schemeClr val="tx1"/>
               </a:solidFill>
@@ -16762,26 +16236,8 @@
               <a:buFont typeface="Arial" panose="020B0604020202020204" pitchFamily="34" charset="0"/>
               <a:buChar char="•"/>
             </a:pPr>
-            <a:endParaRPr lang="en-GB" sz="2000" dirty="0" smtClean="0">
-              <a:solidFill>
-                <a:schemeClr val="tx1"/>
-              </a:solidFill>
-            </a:endParaRPr>
-          </a:p>
-          <a:p>
-            <a:pPr marL="597150" lvl="1" indent="-342900">
-              <a:spcAft>
-                <a:spcPts val="400"/>
-              </a:spcAft>
-              <a:buClr>
-                <a:schemeClr val="accent6"/>
-              </a:buClr>
-              <a:buSzPct val="100000"/>
-              <a:buFont typeface="Arial" panose="020B0604020202020204" pitchFamily="34" charset="0"/>
-              <a:buChar char="•"/>
-            </a:pPr>
-            <a:r>
-              <a:rPr lang="en-GB" sz="2000" dirty="0" smtClean="0">
+            <a:r>
+              <a:rPr lang="en-US" sz="2000" dirty="0">
                 <a:solidFill>
                   <a:schemeClr val="tx1"/>
                 </a:solidFill>
@@ -16789,15 +16245,15 @@
               <a:t>No </a:t>
             </a:r>
             <a:r>
-              <a:rPr lang="en-GB" sz="2000" b="1" dirty="0" err="1">
-                <a:solidFill>
-                  <a:schemeClr val="tx1"/>
-                </a:solidFill>
-              </a:rPr>
-              <a:t>siempre</a:t>
-            </a:r>
-            <a:r>
-              <a:rPr lang="en-GB" sz="2000" dirty="0">
+              <a:rPr lang="en-US" sz="2000" dirty="0" err="1">
+                <a:solidFill>
+                  <a:schemeClr val="tx1"/>
+                </a:solidFill>
+              </a:rPr>
+              <a:t>mezclar</a:t>
+            </a:r>
+            <a:r>
+              <a:rPr lang="en-US" sz="2000" dirty="0">
                 <a:solidFill>
                   <a:schemeClr val="tx1"/>
                 </a:solidFill>
@@ -16805,76 +16261,12 @@
               <a:t> </a:t>
             </a:r>
             <a:r>
-              <a:rPr lang="en-GB" sz="2000" dirty="0" err="1">
-                <a:solidFill>
-                  <a:schemeClr val="tx1"/>
-                </a:solidFill>
-              </a:rPr>
-              <a:t>es</a:t>
-            </a:r>
-            <a:r>
-              <a:rPr lang="en-GB" sz="2000" dirty="0">
-                <a:solidFill>
-                  <a:schemeClr val="tx1"/>
-                </a:solidFill>
-              </a:rPr>
-              <a:t> </a:t>
-            </a:r>
-            <a:r>
-              <a:rPr lang="en-GB" sz="2000" dirty="0" err="1">
-                <a:solidFill>
-                  <a:schemeClr val="tx1"/>
-                </a:solidFill>
-              </a:rPr>
-              <a:t>necesario</a:t>
-            </a:r>
-            <a:r>
-              <a:rPr lang="en-GB" sz="2000" dirty="0">
-                <a:solidFill>
-                  <a:schemeClr val="tx1"/>
-                </a:solidFill>
-              </a:rPr>
-              <a:t> </a:t>
-            </a:r>
-            <a:r>
-              <a:rPr lang="en-GB" sz="2000" dirty="0" err="1">
-                <a:solidFill>
-                  <a:schemeClr val="tx1"/>
-                </a:solidFill>
-              </a:rPr>
-              <a:t>usar</a:t>
-            </a:r>
-            <a:r>
-              <a:rPr lang="en-GB" sz="2000" dirty="0">
-                <a:solidFill>
-                  <a:schemeClr val="tx1"/>
-                </a:solidFill>
-              </a:rPr>
-              <a:t> wrappers para </a:t>
-            </a:r>
-            <a:r>
-              <a:rPr lang="en-GB" sz="2000" dirty="0" err="1">
-                <a:solidFill>
-                  <a:schemeClr val="tx1"/>
-                </a:solidFill>
-              </a:rPr>
-              <a:t>dependencias</a:t>
-            </a:r>
-            <a:r>
-              <a:rPr lang="en-GB" sz="2000" dirty="0">
-                <a:solidFill>
-                  <a:schemeClr val="tx1"/>
-                </a:solidFill>
-              </a:rPr>
-              <a:t> de </a:t>
-            </a:r>
-            <a:r>
-              <a:rPr lang="en-GB" sz="2000" dirty="0" err="1">
-                <a:solidFill>
-                  <a:schemeClr val="tx1"/>
-                </a:solidFill>
-              </a:rPr>
-              <a:t>terceros</a:t>
+              <a:rPr lang="en-US" sz="2000" dirty="0" err="1">
+                <a:solidFill>
+                  <a:schemeClr val="tx1"/>
+                </a:solidFill>
+              </a:rPr>
+              <a:t>responsabilidades</a:t>
             </a:r>
             <a:endParaRPr lang="es-AR" sz="2000" dirty="0">
               <a:solidFill>
@@ -16894,8 +16286,8 @@
         </p:nvSpPr>
         <p:spPr>
           <a:xfrm>
-            <a:off x="1169677" y="951684"/>
-            <a:ext cx="8847779" cy="560517"/>
+            <a:off x="1169678" y="951684"/>
+            <a:ext cx="8488424" cy="560517"/>
           </a:xfrm>
           <a:prstGeom prst="rect">
             <a:avLst/>
@@ -17110,11 +16502,11 @@
           <a:p>
             <a:r>
               <a:rPr lang="en-US" dirty="0"/>
-              <a:t>Tip 7: Wrappers para </a:t>
+              <a:t>Tip 6: </a:t>
             </a:r>
             <a:r>
               <a:rPr lang="en-US" dirty="0" err="1"/>
-              <a:t>encapsular</a:t>
+              <a:t>Escribiendo</a:t>
             </a:r>
             <a:r>
               <a:rPr lang="en-US" dirty="0"/>
@@ -17122,7 +16514,7 @@
             </a:r>
             <a:r>
               <a:rPr lang="en-US" dirty="0" err="1"/>
-              <a:t>dependencias</a:t>
+              <a:t>código</a:t>
             </a:r>
             <a:r>
               <a:rPr lang="en-US" dirty="0"/>
@@ -17130,7 +16522,7 @@
             </a:r>
             <a:r>
               <a:rPr lang="en-US" dirty="0" err="1"/>
-              <a:t>estáticas</a:t>
+              <a:t>testeable</a:t>
             </a:r>
             <a:endParaRPr lang="es-AR" dirty="0"/>
           </a:p>
@@ -17255,7 +16647,7 @@
     </p:spTree>
     <p:extLst>
       <p:ext uri="{BB962C8B-B14F-4D97-AF65-F5344CB8AC3E}">
-        <p14:creationId xmlns:p14="http://schemas.microsoft.com/office/powerpoint/2010/main" val="725741956"/>
+        <p14:creationId xmlns:p14="http://schemas.microsoft.com/office/powerpoint/2010/main" val="4153664042"/>
       </p:ext>
     </p:extLst>
   </p:cSld>
@@ -17292,24 +16684,1062 @@
       </p:grpSpPr>
       <p:sp>
         <p:nvSpPr>
-          <p:cNvPr id="5" name="Title 4"/>
+          <p:cNvPr id="185349" name="Rectangle 5"/>
           <p:cNvSpPr>
-            <a:spLocks noGrp="1"/>
+            <a:spLocks noGrp="1" noChangeArrowheads="1"/>
           </p:cNvSpPr>
           <p:nvPr>
-            <p:ph type="title"/>
+            <p:ph type="body" sz="quarter" idx="10"/>
           </p:nvPr>
         </p:nvSpPr>
-        <p:spPr/>
+        <p:spPr>
+          <a:xfrm>
+            <a:off x="1169678" y="2238817"/>
+            <a:ext cx="8488424" cy="2661487"/>
+          </a:xfrm>
+        </p:spPr>
         <p:txBody>
-          <a:bodyPr>
-            <a:normAutofit/>
+          <a:bodyPr/>
+          <a:lstStyle/>
+          <a:p>
+            <a:pPr marL="597150" lvl="1" indent="-342900">
+              <a:spcAft>
+                <a:spcPts val="400"/>
+              </a:spcAft>
+              <a:buClr>
+                <a:schemeClr val="accent6"/>
+              </a:buClr>
+              <a:buSzPct val="100000"/>
+              <a:buFont typeface="Arial" panose="020B0604020202020204" pitchFamily="34" charset="0"/>
+              <a:buChar char="•"/>
+            </a:pPr>
+            <a:r>
+              <a:rPr lang="en-GB" sz="2000" dirty="0" err="1">
+                <a:solidFill>
+                  <a:schemeClr val="tx1"/>
+                </a:solidFill>
+              </a:rPr>
+              <a:t>Evitan</a:t>
+            </a:r>
+            <a:r>
+              <a:rPr lang="en-GB" sz="2000" dirty="0">
+                <a:solidFill>
+                  <a:schemeClr val="tx1"/>
+                </a:solidFill>
+              </a:rPr>
+              <a:t> </a:t>
+            </a:r>
+            <a:r>
+              <a:rPr lang="en-GB" sz="2000" dirty="0" err="1">
+                <a:solidFill>
+                  <a:schemeClr val="tx1"/>
+                </a:solidFill>
+              </a:rPr>
+              <a:t>acoplar</a:t>
+            </a:r>
+            <a:r>
+              <a:rPr lang="en-GB" sz="2000" dirty="0">
+                <a:solidFill>
+                  <a:schemeClr val="tx1"/>
+                </a:solidFill>
+              </a:rPr>
+              <a:t> el </a:t>
+            </a:r>
+            <a:r>
+              <a:rPr lang="en-GB" sz="2000" dirty="0" err="1">
+                <a:solidFill>
+                  <a:schemeClr val="tx1"/>
+                </a:solidFill>
+              </a:rPr>
+              <a:t>código</a:t>
+            </a:r>
+            <a:r>
+              <a:rPr lang="en-GB" sz="2000" dirty="0">
+                <a:solidFill>
+                  <a:schemeClr val="tx1"/>
+                </a:solidFill>
+              </a:rPr>
+              <a:t> </a:t>
+            </a:r>
+            <a:r>
+              <a:rPr lang="en-GB" sz="2000" dirty="0" err="1">
+                <a:solidFill>
+                  <a:schemeClr val="tx1"/>
+                </a:solidFill>
+              </a:rPr>
+              <a:t>directamente</a:t>
+            </a:r>
+            <a:r>
+              <a:rPr lang="en-GB" sz="2000" dirty="0">
+                <a:solidFill>
+                  <a:schemeClr val="tx1"/>
+                </a:solidFill>
+              </a:rPr>
+              <a:t> a </a:t>
+            </a:r>
+            <a:r>
+              <a:rPr lang="en-GB" sz="2000" dirty="0" err="1">
+                <a:solidFill>
+                  <a:schemeClr val="tx1"/>
+                </a:solidFill>
+              </a:rPr>
+              <a:t>librerías</a:t>
+            </a:r>
+            <a:r>
+              <a:rPr lang="en-GB" sz="2000" dirty="0">
+                <a:solidFill>
+                  <a:schemeClr val="tx1"/>
+                </a:solidFill>
+              </a:rPr>
+              <a:t> de </a:t>
+            </a:r>
+            <a:r>
+              <a:rPr lang="en-GB" sz="2000" dirty="0" err="1" smtClean="0">
+                <a:solidFill>
+                  <a:schemeClr val="tx1"/>
+                </a:solidFill>
+              </a:rPr>
+              <a:t>terceros</a:t>
+            </a:r>
+            <a:endParaRPr lang="en-GB" sz="2000" dirty="0" smtClean="0">
+              <a:solidFill>
+                <a:schemeClr val="tx1"/>
+              </a:solidFill>
+            </a:endParaRPr>
+          </a:p>
+          <a:p>
+            <a:pPr marL="597150" lvl="1" indent="-342900">
+              <a:spcAft>
+                <a:spcPts val="400"/>
+              </a:spcAft>
+              <a:buClr>
+                <a:schemeClr val="accent6"/>
+              </a:buClr>
+              <a:buSzPct val="100000"/>
+              <a:buFont typeface="Arial" panose="020B0604020202020204" pitchFamily="34" charset="0"/>
+              <a:buChar char="•"/>
+            </a:pPr>
+            <a:endParaRPr lang="en-GB" sz="2000" dirty="0">
+              <a:solidFill>
+                <a:schemeClr val="tx1"/>
+              </a:solidFill>
+            </a:endParaRPr>
+          </a:p>
+          <a:p>
+            <a:pPr marL="597150" lvl="1" indent="-342900">
+              <a:spcAft>
+                <a:spcPts val="400"/>
+              </a:spcAft>
+              <a:buClr>
+                <a:schemeClr val="accent6"/>
+              </a:buClr>
+              <a:buSzPct val="100000"/>
+              <a:buFont typeface="Arial" panose="020B0604020202020204" pitchFamily="34" charset="0"/>
+              <a:buChar char="•"/>
+            </a:pPr>
+            <a:r>
+              <a:rPr lang="en-GB" sz="2000" dirty="0">
+                <a:solidFill>
+                  <a:schemeClr val="tx1"/>
+                </a:solidFill>
+              </a:rPr>
+              <a:t>Se </a:t>
+            </a:r>
+            <a:r>
+              <a:rPr lang="en-GB" sz="2000" dirty="0" err="1">
+                <a:solidFill>
+                  <a:schemeClr val="tx1"/>
+                </a:solidFill>
+              </a:rPr>
+              <a:t>puede</a:t>
+            </a:r>
+            <a:r>
+              <a:rPr lang="en-GB" sz="2000" dirty="0">
+                <a:solidFill>
+                  <a:schemeClr val="tx1"/>
+                </a:solidFill>
+              </a:rPr>
+              <a:t> </a:t>
+            </a:r>
+            <a:r>
+              <a:rPr lang="en-GB" sz="2000" dirty="0" err="1">
+                <a:solidFill>
+                  <a:schemeClr val="tx1"/>
+                </a:solidFill>
+              </a:rPr>
+              <a:t>cambiar</a:t>
+            </a:r>
+            <a:r>
+              <a:rPr lang="en-GB" sz="2000" dirty="0">
+                <a:solidFill>
+                  <a:schemeClr val="tx1"/>
+                </a:solidFill>
+              </a:rPr>
+              <a:t> de </a:t>
+            </a:r>
+            <a:r>
+              <a:rPr lang="en-GB" sz="2000" dirty="0" err="1">
+                <a:solidFill>
+                  <a:schemeClr val="tx1"/>
+                </a:solidFill>
+              </a:rPr>
+              <a:t>librería</a:t>
+            </a:r>
+            <a:r>
+              <a:rPr lang="en-GB" sz="2000" dirty="0">
+                <a:solidFill>
+                  <a:schemeClr val="tx1"/>
+                </a:solidFill>
+              </a:rPr>
+              <a:t> de </a:t>
+            </a:r>
+            <a:r>
+              <a:rPr lang="en-GB" sz="2000" dirty="0" err="1">
+                <a:solidFill>
+                  <a:schemeClr val="tx1"/>
+                </a:solidFill>
+              </a:rPr>
+              <a:t>terceros</a:t>
+            </a:r>
+            <a:r>
+              <a:rPr lang="en-GB" sz="2000" dirty="0">
+                <a:solidFill>
+                  <a:schemeClr val="tx1"/>
+                </a:solidFill>
+              </a:rPr>
+              <a:t> sin </a:t>
+            </a:r>
+            <a:r>
+              <a:rPr lang="en-GB" sz="2000" dirty="0" err="1">
+                <a:solidFill>
+                  <a:schemeClr val="tx1"/>
+                </a:solidFill>
+              </a:rPr>
+              <a:t>cambiar</a:t>
+            </a:r>
+            <a:r>
+              <a:rPr lang="en-GB" sz="2000" dirty="0">
+                <a:solidFill>
+                  <a:schemeClr val="tx1"/>
+                </a:solidFill>
+              </a:rPr>
+              <a:t> el </a:t>
+            </a:r>
+            <a:r>
+              <a:rPr lang="en-GB" sz="2000" dirty="0" err="1">
+                <a:solidFill>
+                  <a:schemeClr val="tx1"/>
+                </a:solidFill>
+              </a:rPr>
+              <a:t>código</a:t>
+            </a:r>
+            <a:r>
+              <a:rPr lang="en-GB" sz="2000" dirty="0">
+                <a:solidFill>
+                  <a:schemeClr val="tx1"/>
+                </a:solidFill>
+              </a:rPr>
+              <a:t> de la </a:t>
+            </a:r>
+            <a:r>
+              <a:rPr lang="en-GB" sz="2000" dirty="0" err="1">
+                <a:solidFill>
+                  <a:schemeClr val="tx1"/>
+                </a:solidFill>
+              </a:rPr>
+              <a:t>aplicación</a:t>
+            </a:r>
+            <a:endParaRPr lang="en-GB" sz="2000" dirty="0">
+              <a:solidFill>
+                <a:schemeClr val="tx1"/>
+              </a:solidFill>
+            </a:endParaRPr>
+          </a:p>
+          <a:p>
+            <a:pPr marL="597150" lvl="1" indent="-342900">
+              <a:spcAft>
+                <a:spcPts val="400"/>
+              </a:spcAft>
+              <a:buClr>
+                <a:schemeClr val="accent6"/>
+              </a:buClr>
+              <a:buSzPct val="100000"/>
+              <a:buFont typeface="Arial" panose="020B0604020202020204" pitchFamily="34" charset="0"/>
+              <a:buChar char="•"/>
+            </a:pPr>
+            <a:endParaRPr lang="en-GB" sz="2000" dirty="0" smtClean="0">
+              <a:solidFill>
+                <a:schemeClr val="tx1"/>
+              </a:solidFill>
+            </a:endParaRPr>
+          </a:p>
+          <a:p>
+            <a:pPr marL="597150" lvl="1" indent="-342900">
+              <a:spcAft>
+                <a:spcPts val="400"/>
+              </a:spcAft>
+              <a:buClr>
+                <a:schemeClr val="accent6"/>
+              </a:buClr>
+              <a:buSzPct val="100000"/>
+              <a:buFont typeface="Arial" panose="020B0604020202020204" pitchFamily="34" charset="0"/>
+              <a:buChar char="•"/>
+            </a:pPr>
+            <a:r>
+              <a:rPr lang="en-GB" sz="2000" dirty="0" err="1" smtClean="0">
+                <a:solidFill>
+                  <a:schemeClr val="tx1"/>
+                </a:solidFill>
+              </a:rPr>
+              <a:t>Permiten</a:t>
+            </a:r>
+            <a:r>
+              <a:rPr lang="en-GB" sz="2000" dirty="0" smtClean="0">
+                <a:solidFill>
+                  <a:schemeClr val="tx1"/>
+                </a:solidFill>
+              </a:rPr>
+              <a:t> </a:t>
+            </a:r>
+            <a:r>
+              <a:rPr lang="en-GB" sz="2000" dirty="0" err="1">
+                <a:solidFill>
+                  <a:schemeClr val="tx1"/>
+                </a:solidFill>
+              </a:rPr>
+              <a:t>usar</a:t>
+            </a:r>
+            <a:r>
+              <a:rPr lang="en-GB" sz="2000" dirty="0">
+                <a:solidFill>
+                  <a:schemeClr val="tx1"/>
+                </a:solidFill>
+              </a:rPr>
+              <a:t> mocks de </a:t>
+            </a:r>
+            <a:r>
+              <a:rPr lang="en-GB" sz="2000" dirty="0" err="1">
+                <a:solidFill>
+                  <a:schemeClr val="tx1"/>
+                </a:solidFill>
+              </a:rPr>
+              <a:t>dependencias</a:t>
+            </a:r>
+            <a:r>
+              <a:rPr lang="en-GB" sz="2000" dirty="0">
+                <a:solidFill>
+                  <a:schemeClr val="tx1"/>
+                </a:solidFill>
+              </a:rPr>
+              <a:t> </a:t>
+            </a:r>
+            <a:r>
+              <a:rPr lang="en-GB" sz="2000" b="1" dirty="0" err="1">
+                <a:solidFill>
+                  <a:schemeClr val="tx1"/>
+                </a:solidFill>
+              </a:rPr>
+              <a:t>estáticas</a:t>
+            </a:r>
+            <a:r>
+              <a:rPr lang="en-GB" sz="2000" dirty="0">
+                <a:solidFill>
+                  <a:schemeClr val="tx1"/>
+                </a:solidFill>
+              </a:rPr>
+              <a:t> de </a:t>
+            </a:r>
+            <a:r>
+              <a:rPr lang="en-GB" sz="2000" dirty="0" err="1">
+                <a:solidFill>
+                  <a:schemeClr val="tx1"/>
+                </a:solidFill>
+              </a:rPr>
+              <a:t>terceros</a:t>
+            </a:r>
+            <a:endParaRPr lang="en-GB" sz="2000" dirty="0">
+              <a:solidFill>
+                <a:schemeClr val="tx1"/>
+              </a:solidFill>
+            </a:endParaRPr>
+          </a:p>
+          <a:p>
+            <a:pPr marL="597150" lvl="1" indent="-342900">
+              <a:spcAft>
+                <a:spcPts val="400"/>
+              </a:spcAft>
+              <a:buClr>
+                <a:schemeClr val="accent6"/>
+              </a:buClr>
+              <a:buSzPct val="100000"/>
+              <a:buFont typeface="Arial" panose="020B0604020202020204" pitchFamily="34" charset="0"/>
+              <a:buChar char="•"/>
+            </a:pPr>
+            <a:endParaRPr lang="en-GB" sz="2000" dirty="0" smtClean="0">
+              <a:solidFill>
+                <a:schemeClr val="tx1"/>
+              </a:solidFill>
+            </a:endParaRPr>
+          </a:p>
+          <a:p>
+            <a:pPr marL="597150" lvl="1" indent="-342900">
+              <a:spcAft>
+                <a:spcPts val="400"/>
+              </a:spcAft>
+              <a:buClr>
+                <a:schemeClr val="accent6"/>
+              </a:buClr>
+              <a:buSzPct val="100000"/>
+              <a:buFont typeface="Arial" panose="020B0604020202020204" pitchFamily="34" charset="0"/>
+              <a:buChar char="•"/>
+            </a:pPr>
+            <a:r>
+              <a:rPr lang="en-GB" sz="2000" dirty="0" err="1" smtClean="0">
+                <a:solidFill>
+                  <a:schemeClr val="tx1"/>
+                </a:solidFill>
+              </a:rPr>
+              <a:t>Evitan</a:t>
+            </a:r>
+            <a:r>
+              <a:rPr lang="en-GB" sz="2000" dirty="0" smtClean="0">
+                <a:solidFill>
+                  <a:schemeClr val="tx1"/>
+                </a:solidFill>
+              </a:rPr>
+              <a:t> </a:t>
+            </a:r>
+            <a:r>
+              <a:rPr lang="en-GB" sz="2000" dirty="0">
+                <a:solidFill>
+                  <a:schemeClr val="tx1"/>
+                </a:solidFill>
+              </a:rPr>
+              <a:t>el </a:t>
+            </a:r>
+            <a:r>
+              <a:rPr lang="en-GB" sz="2000" dirty="0" err="1">
+                <a:solidFill>
+                  <a:schemeClr val="tx1"/>
+                </a:solidFill>
+              </a:rPr>
+              <a:t>uso</a:t>
+            </a:r>
+            <a:r>
+              <a:rPr lang="en-GB" sz="2000" dirty="0">
+                <a:solidFill>
+                  <a:schemeClr val="tx1"/>
+                </a:solidFill>
+              </a:rPr>
+              <a:t> de </a:t>
+            </a:r>
+            <a:r>
+              <a:rPr lang="en-GB" sz="2000" dirty="0" err="1">
+                <a:solidFill>
+                  <a:schemeClr val="tx1"/>
+                </a:solidFill>
+              </a:rPr>
+              <a:t>clases</a:t>
+            </a:r>
+            <a:r>
+              <a:rPr lang="en-GB" sz="2000" dirty="0">
+                <a:solidFill>
+                  <a:schemeClr val="tx1"/>
+                </a:solidFill>
+              </a:rPr>
+              <a:t> </a:t>
+            </a:r>
+            <a:r>
+              <a:rPr lang="en-GB" sz="2000" dirty="0" err="1">
+                <a:solidFill>
+                  <a:schemeClr val="tx1"/>
+                </a:solidFill>
+              </a:rPr>
+              <a:t>específicas</a:t>
+            </a:r>
+            <a:r>
+              <a:rPr lang="en-GB" sz="2000" dirty="0">
+                <a:solidFill>
+                  <a:schemeClr val="tx1"/>
+                </a:solidFill>
+              </a:rPr>
+              <a:t> de </a:t>
+            </a:r>
+            <a:r>
+              <a:rPr lang="en-GB" sz="2000" dirty="0" err="1">
+                <a:solidFill>
+                  <a:schemeClr val="tx1"/>
+                </a:solidFill>
+              </a:rPr>
+              <a:t>librerías</a:t>
+            </a:r>
+            <a:r>
+              <a:rPr lang="en-GB" sz="2000" dirty="0">
+                <a:solidFill>
+                  <a:schemeClr val="tx1"/>
+                </a:solidFill>
+              </a:rPr>
+              <a:t> de </a:t>
+            </a:r>
+            <a:r>
+              <a:rPr lang="en-GB" sz="2000" dirty="0" err="1">
+                <a:solidFill>
+                  <a:schemeClr val="tx1"/>
+                </a:solidFill>
+              </a:rPr>
+              <a:t>terceros</a:t>
+            </a:r>
+            <a:r>
+              <a:rPr lang="en-GB" sz="2000" dirty="0">
+                <a:solidFill>
+                  <a:schemeClr val="tx1"/>
+                </a:solidFill>
+              </a:rPr>
+              <a:t> </a:t>
+            </a:r>
+            <a:r>
+              <a:rPr lang="en-GB" sz="2000" dirty="0" err="1">
+                <a:solidFill>
+                  <a:schemeClr val="tx1"/>
+                </a:solidFill>
+              </a:rPr>
+              <a:t>en</a:t>
+            </a:r>
+            <a:r>
+              <a:rPr lang="en-GB" sz="2000" dirty="0">
+                <a:solidFill>
+                  <a:schemeClr val="tx1"/>
+                </a:solidFill>
+              </a:rPr>
+              <a:t> </a:t>
+            </a:r>
+            <a:r>
+              <a:rPr lang="en-GB" sz="2000" dirty="0" err="1">
+                <a:solidFill>
+                  <a:schemeClr val="tx1"/>
+                </a:solidFill>
+              </a:rPr>
+              <a:t>tu</a:t>
+            </a:r>
+            <a:r>
+              <a:rPr lang="en-GB" sz="2000" dirty="0">
+                <a:solidFill>
+                  <a:schemeClr val="tx1"/>
+                </a:solidFill>
+              </a:rPr>
+              <a:t> </a:t>
+            </a:r>
+            <a:r>
+              <a:rPr lang="en-GB" sz="2000" dirty="0" err="1">
+                <a:solidFill>
+                  <a:schemeClr val="tx1"/>
+                </a:solidFill>
+              </a:rPr>
+              <a:t>código</a:t>
+            </a:r>
+            <a:endParaRPr lang="en-GB" sz="2000" dirty="0">
+              <a:solidFill>
+                <a:schemeClr val="tx1"/>
+              </a:solidFill>
+            </a:endParaRPr>
+          </a:p>
+          <a:p>
+            <a:pPr marL="597150" lvl="1" indent="-342900">
+              <a:spcAft>
+                <a:spcPts val="400"/>
+              </a:spcAft>
+              <a:buClr>
+                <a:schemeClr val="accent6"/>
+              </a:buClr>
+              <a:buSzPct val="100000"/>
+              <a:buFont typeface="Arial" panose="020B0604020202020204" pitchFamily="34" charset="0"/>
+              <a:buChar char="•"/>
+            </a:pPr>
+            <a:endParaRPr lang="en-GB" sz="2000" dirty="0" smtClean="0">
+              <a:solidFill>
+                <a:schemeClr val="tx1"/>
+              </a:solidFill>
+            </a:endParaRPr>
+          </a:p>
+          <a:p>
+            <a:pPr marL="597150" lvl="1" indent="-342900">
+              <a:spcAft>
+                <a:spcPts val="400"/>
+              </a:spcAft>
+              <a:buClr>
+                <a:schemeClr val="accent6"/>
+              </a:buClr>
+              <a:buSzPct val="100000"/>
+              <a:buFont typeface="Arial" panose="020B0604020202020204" pitchFamily="34" charset="0"/>
+              <a:buChar char="•"/>
+            </a:pPr>
+            <a:r>
+              <a:rPr lang="en-GB" sz="2000" dirty="0" smtClean="0">
+                <a:solidFill>
+                  <a:schemeClr val="tx1"/>
+                </a:solidFill>
+              </a:rPr>
+              <a:t>No </a:t>
+            </a:r>
+            <a:r>
+              <a:rPr lang="en-GB" sz="2000" b="1" dirty="0" err="1">
+                <a:solidFill>
+                  <a:schemeClr val="tx1"/>
+                </a:solidFill>
+              </a:rPr>
+              <a:t>siempre</a:t>
+            </a:r>
+            <a:r>
+              <a:rPr lang="en-GB" sz="2000" dirty="0">
+                <a:solidFill>
+                  <a:schemeClr val="tx1"/>
+                </a:solidFill>
+              </a:rPr>
+              <a:t> </a:t>
+            </a:r>
+            <a:r>
+              <a:rPr lang="en-GB" sz="2000" dirty="0" err="1">
+                <a:solidFill>
+                  <a:schemeClr val="tx1"/>
+                </a:solidFill>
+              </a:rPr>
+              <a:t>es</a:t>
+            </a:r>
+            <a:r>
+              <a:rPr lang="en-GB" sz="2000" dirty="0">
+                <a:solidFill>
+                  <a:schemeClr val="tx1"/>
+                </a:solidFill>
+              </a:rPr>
+              <a:t> </a:t>
+            </a:r>
+            <a:r>
+              <a:rPr lang="en-GB" sz="2000" dirty="0" err="1">
+                <a:solidFill>
+                  <a:schemeClr val="tx1"/>
+                </a:solidFill>
+              </a:rPr>
+              <a:t>necesario</a:t>
+            </a:r>
+            <a:r>
+              <a:rPr lang="en-GB" sz="2000" dirty="0">
+                <a:solidFill>
+                  <a:schemeClr val="tx1"/>
+                </a:solidFill>
+              </a:rPr>
+              <a:t> </a:t>
+            </a:r>
+            <a:r>
+              <a:rPr lang="en-GB" sz="2000" dirty="0" err="1">
+                <a:solidFill>
+                  <a:schemeClr val="tx1"/>
+                </a:solidFill>
+              </a:rPr>
+              <a:t>usar</a:t>
+            </a:r>
+            <a:r>
+              <a:rPr lang="en-GB" sz="2000" dirty="0">
+                <a:solidFill>
+                  <a:schemeClr val="tx1"/>
+                </a:solidFill>
+              </a:rPr>
+              <a:t> wrappers para </a:t>
+            </a:r>
+            <a:r>
+              <a:rPr lang="en-GB" sz="2000" dirty="0" err="1">
+                <a:solidFill>
+                  <a:schemeClr val="tx1"/>
+                </a:solidFill>
+              </a:rPr>
+              <a:t>dependencias</a:t>
+            </a:r>
+            <a:r>
+              <a:rPr lang="en-GB" sz="2000" dirty="0">
+                <a:solidFill>
+                  <a:schemeClr val="tx1"/>
+                </a:solidFill>
+              </a:rPr>
+              <a:t> de </a:t>
+            </a:r>
+            <a:r>
+              <a:rPr lang="en-GB" sz="2000" dirty="0" err="1">
+                <a:solidFill>
+                  <a:schemeClr val="tx1"/>
+                </a:solidFill>
+              </a:rPr>
+              <a:t>terceros</a:t>
+            </a:r>
+            <a:endParaRPr lang="es-AR" sz="2000" dirty="0">
+              <a:solidFill>
+                <a:schemeClr val="tx1"/>
+              </a:solidFill>
+            </a:endParaRPr>
+          </a:p>
+        </p:txBody>
+      </p:sp>
+      <p:sp>
+        <p:nvSpPr>
+          <p:cNvPr id="6" name="Text Placeholder 3"/>
+          <p:cNvSpPr txBox="1">
+            <a:spLocks/>
+          </p:cNvSpPr>
+          <p:nvPr/>
+        </p:nvSpPr>
+        <p:spPr>
+          <a:xfrm>
+            <a:off x="1169677" y="951684"/>
+            <a:ext cx="8847779" cy="560517"/>
+          </a:xfrm>
+          <a:prstGeom prst="rect">
+            <a:avLst/>
+          </a:prstGeom>
+        </p:spPr>
+        <p:txBody>
+          <a:bodyPr/>
+          <a:lstStyle>
+            <a:defPPr marR="0" lvl="0" algn="l" rtl="0">
+              <a:lnSpc>
+                <a:spcPct val="100000"/>
+              </a:lnSpc>
+              <a:spcBef>
+                <a:spcPts val="0"/>
+              </a:spcBef>
+              <a:spcAft>
+                <a:spcPts val="0"/>
+              </a:spcAft>
+            </a:defPPr>
+            <a:lvl1pPr marR="0" lvl="0" algn="l" rtl="0" eaLnBrk="1" hangingPunct="1">
+              <a:lnSpc>
+                <a:spcPct val="100000"/>
+              </a:lnSpc>
+              <a:spcBef>
+                <a:spcPts val="0"/>
+              </a:spcBef>
+              <a:spcAft>
+                <a:spcPts val="0"/>
+              </a:spcAft>
+              <a:buNone/>
+              <a:defRPr sz="2400" b="0" i="0" u="none" strike="noStrike" cap="none" baseline="0">
+                <a:solidFill>
+                  <a:srgbClr val="A3A3A3"/>
+                </a:solidFill>
+                <a:latin typeface="Century Gothic" charset="0"/>
+                <a:ea typeface="Century Gothic" charset="0"/>
+                <a:cs typeface="Century Gothic" charset="0"/>
+                <a:sym typeface="Arial"/>
+              </a:defRPr>
+            </a:lvl1pPr>
+            <a:lvl2pPr marR="0" lvl="1" algn="l" rtl="0" eaLnBrk="1" hangingPunct="1">
+              <a:lnSpc>
+                <a:spcPct val="100000"/>
+              </a:lnSpc>
+              <a:spcBef>
+                <a:spcPts val="0"/>
+              </a:spcBef>
+              <a:spcAft>
+                <a:spcPts val="0"/>
+              </a:spcAft>
+              <a:buNone/>
+              <a:defRPr sz="1800" b="0" i="0" u="none" strike="noStrike" cap="none" baseline="0">
+                <a:solidFill>
+                  <a:schemeClr val="bg1">
+                    <a:lumMod val="50000"/>
+                  </a:schemeClr>
+                </a:solidFill>
+                <a:latin typeface="+mn-lt"/>
+                <a:ea typeface="Arial"/>
+                <a:cs typeface="Arial"/>
+                <a:sym typeface="Arial"/>
+              </a:defRPr>
+            </a:lvl2pPr>
+            <a:lvl3pPr marR="0" lvl="2" algn="l" rtl="0" eaLnBrk="1" hangingPunct="1">
+              <a:lnSpc>
+                <a:spcPct val="100000"/>
+              </a:lnSpc>
+              <a:spcBef>
+                <a:spcPts val="0"/>
+              </a:spcBef>
+              <a:spcAft>
+                <a:spcPts val="0"/>
+              </a:spcAft>
+              <a:buNone/>
+              <a:defRPr sz="1867" b="0" i="0" u="none" strike="noStrike" cap="none">
+                <a:solidFill>
+                  <a:srgbClr val="000000"/>
+                </a:solidFill>
+                <a:latin typeface="Arial"/>
+                <a:ea typeface="Arial"/>
+                <a:cs typeface="Arial"/>
+                <a:sym typeface="Arial"/>
+              </a:defRPr>
+            </a:lvl3pPr>
+            <a:lvl4pPr marR="0" lvl="3" algn="l" rtl="0" eaLnBrk="1" hangingPunct="1">
+              <a:lnSpc>
+                <a:spcPct val="100000"/>
+              </a:lnSpc>
+              <a:spcBef>
+                <a:spcPts val="0"/>
+              </a:spcBef>
+              <a:spcAft>
+                <a:spcPts val="0"/>
+              </a:spcAft>
+              <a:buNone/>
+              <a:defRPr sz="1867" b="0" i="0" u="none" strike="noStrike" cap="none">
+                <a:solidFill>
+                  <a:srgbClr val="000000"/>
+                </a:solidFill>
+                <a:latin typeface="Arial"/>
+                <a:ea typeface="Arial"/>
+                <a:cs typeface="Arial"/>
+                <a:sym typeface="Arial"/>
+              </a:defRPr>
+            </a:lvl4pPr>
+            <a:lvl5pPr marR="0" lvl="4" algn="l" rtl="0" eaLnBrk="1" hangingPunct="1">
+              <a:lnSpc>
+                <a:spcPct val="100000"/>
+              </a:lnSpc>
+              <a:spcBef>
+                <a:spcPts val="0"/>
+              </a:spcBef>
+              <a:spcAft>
+                <a:spcPts val="0"/>
+              </a:spcAft>
+              <a:buNone/>
+              <a:defRPr sz="1867" b="0" i="0" u="none" strike="noStrike" cap="none">
+                <a:solidFill>
+                  <a:srgbClr val="000000"/>
+                </a:solidFill>
+                <a:latin typeface="Arial"/>
+                <a:ea typeface="Arial"/>
+                <a:cs typeface="Arial"/>
+                <a:sym typeface="Arial"/>
+              </a:defRPr>
+            </a:lvl5pPr>
+            <a:lvl6pPr marR="0" lvl="5" algn="l" rtl="0" eaLnBrk="1" hangingPunct="1">
+              <a:lnSpc>
+                <a:spcPct val="100000"/>
+              </a:lnSpc>
+              <a:spcBef>
+                <a:spcPts val="0"/>
+              </a:spcBef>
+              <a:spcAft>
+                <a:spcPts val="0"/>
+              </a:spcAft>
+              <a:buNone/>
+              <a:defRPr sz="1867" b="0" i="0" u="none" strike="noStrike" cap="none">
+                <a:solidFill>
+                  <a:srgbClr val="000000"/>
+                </a:solidFill>
+                <a:latin typeface="Arial"/>
+                <a:ea typeface="Arial"/>
+                <a:cs typeface="Arial"/>
+                <a:sym typeface="Arial"/>
+              </a:defRPr>
+            </a:lvl6pPr>
+            <a:lvl7pPr marR="0" lvl="6" algn="l" rtl="0" eaLnBrk="1" hangingPunct="1">
+              <a:lnSpc>
+                <a:spcPct val="100000"/>
+              </a:lnSpc>
+              <a:spcBef>
+                <a:spcPts val="0"/>
+              </a:spcBef>
+              <a:spcAft>
+                <a:spcPts val="0"/>
+              </a:spcAft>
+              <a:buNone/>
+              <a:defRPr sz="1867" b="0" i="0" u="none" strike="noStrike" cap="none">
+                <a:solidFill>
+                  <a:srgbClr val="000000"/>
+                </a:solidFill>
+                <a:latin typeface="Arial"/>
+                <a:ea typeface="Arial"/>
+                <a:cs typeface="Arial"/>
+                <a:sym typeface="Arial"/>
+              </a:defRPr>
+            </a:lvl7pPr>
+            <a:lvl8pPr marR="0" lvl="7" algn="l" rtl="0" eaLnBrk="1" hangingPunct="1">
+              <a:lnSpc>
+                <a:spcPct val="100000"/>
+              </a:lnSpc>
+              <a:spcBef>
+                <a:spcPts val="0"/>
+              </a:spcBef>
+              <a:spcAft>
+                <a:spcPts val="0"/>
+              </a:spcAft>
+              <a:buNone/>
+              <a:defRPr sz="1867" b="0" i="0" u="none" strike="noStrike" cap="none">
+                <a:solidFill>
+                  <a:srgbClr val="000000"/>
+                </a:solidFill>
+                <a:latin typeface="Arial"/>
+                <a:ea typeface="Arial"/>
+                <a:cs typeface="Arial"/>
+                <a:sym typeface="Arial"/>
+              </a:defRPr>
+            </a:lvl8pPr>
+            <a:lvl9pPr marR="0" lvl="8" algn="l" rtl="0" eaLnBrk="1" hangingPunct="1">
+              <a:lnSpc>
+                <a:spcPct val="100000"/>
+              </a:lnSpc>
+              <a:spcBef>
+                <a:spcPts val="0"/>
+              </a:spcBef>
+              <a:spcAft>
+                <a:spcPts val="0"/>
+              </a:spcAft>
+              <a:buNone/>
+              <a:defRPr sz="1867" b="0" i="0" u="none" strike="noStrike" cap="none">
+                <a:solidFill>
+                  <a:srgbClr val="000000"/>
+                </a:solidFill>
+                <a:latin typeface="Arial"/>
+                <a:ea typeface="Arial"/>
+                <a:cs typeface="Arial"/>
+                <a:sym typeface="Arial"/>
+              </a:defRPr>
+            </a:lvl9pPr>
+          </a:lstStyle>
+          <a:p>
+            <a:r>
+              <a:rPr lang="en-US" dirty="0"/>
+              <a:t>Tip 7: Wrappers para </a:t>
+            </a:r>
+            <a:r>
+              <a:rPr lang="en-US" dirty="0" err="1"/>
+              <a:t>encapsular</a:t>
+            </a:r>
+            <a:r>
+              <a:rPr lang="en-US" dirty="0"/>
+              <a:t> </a:t>
+            </a:r>
+            <a:r>
+              <a:rPr lang="en-US" dirty="0" err="1"/>
+              <a:t>dependencias</a:t>
+            </a:r>
+            <a:r>
+              <a:rPr lang="en-US" dirty="0"/>
+              <a:t> </a:t>
+            </a:r>
+            <a:r>
+              <a:rPr lang="en-US" dirty="0" err="1"/>
+              <a:t>estáticas</a:t>
+            </a:r>
+            <a:endParaRPr lang="es-AR" dirty="0"/>
+          </a:p>
+        </p:txBody>
+      </p:sp>
+      <p:sp>
+        <p:nvSpPr>
+          <p:cNvPr id="7" name="Rectangle 4"/>
+          <p:cNvSpPr txBox="1">
+            <a:spLocks noChangeArrowheads="1"/>
+          </p:cNvSpPr>
+          <p:nvPr/>
+        </p:nvSpPr>
+        <p:spPr>
+          <a:xfrm>
+            <a:off x="1169678" y="336161"/>
+            <a:ext cx="8488424" cy="615523"/>
+          </a:xfrm>
+          <a:prstGeom prst="rect">
+            <a:avLst/>
+          </a:prstGeom>
+        </p:spPr>
+        <p:txBody>
+          <a:bodyPr lIns="91425" tIns="91425" rIns="91425" bIns="91425" anchor="t" anchorCtr="0">
+            <a:spAutoFit/>
           </a:bodyPr>
-          <a:lstStyle/>
-          <a:p>
-            <a:r>
-              <a:rPr lang="es-AR" dirty="0" smtClean="0"/>
-              <a:t>Código Legacy</a:t>
+          <a:lstStyle>
+            <a:defPPr marR="0" lvl="0" algn="l" rtl="0">
+              <a:lnSpc>
+                <a:spcPct val="100000"/>
+              </a:lnSpc>
+              <a:spcBef>
+                <a:spcPts val="0"/>
+              </a:spcBef>
+              <a:spcAft>
+                <a:spcPts val="0"/>
+              </a:spcAft>
+            </a:defPPr>
+            <a:lvl1pPr marR="0" lvl="0" algn="l" rtl="0" eaLnBrk="1" hangingPunct="1">
+              <a:lnSpc>
+                <a:spcPct val="100000"/>
+              </a:lnSpc>
+              <a:spcBef>
+                <a:spcPts val="0"/>
+              </a:spcBef>
+              <a:spcAft>
+                <a:spcPts val="0"/>
+              </a:spcAft>
+              <a:buNone/>
+              <a:defRPr sz="2800" b="0" i="0" u="none" strike="noStrike" cap="none" baseline="0">
+                <a:solidFill>
+                  <a:srgbClr val="676767"/>
+                </a:solidFill>
+                <a:latin typeface="Century Gothic" charset="0"/>
+                <a:ea typeface="Century Gothic" charset="0"/>
+                <a:cs typeface="Century Gothic" charset="0"/>
+                <a:sym typeface="Arial"/>
+              </a:defRPr>
+            </a:lvl1pPr>
+            <a:lvl2pPr lvl="1">
+              <a:spcBef>
+                <a:spcPts val="0"/>
+              </a:spcBef>
+              <a:defRPr/>
+            </a:lvl2pPr>
+            <a:lvl3pPr lvl="2">
+              <a:spcBef>
+                <a:spcPts val="0"/>
+              </a:spcBef>
+              <a:defRPr/>
+            </a:lvl3pPr>
+            <a:lvl4pPr lvl="3">
+              <a:spcBef>
+                <a:spcPts val="0"/>
+              </a:spcBef>
+              <a:defRPr/>
+            </a:lvl4pPr>
+            <a:lvl5pPr lvl="4">
+              <a:spcBef>
+                <a:spcPts val="0"/>
+              </a:spcBef>
+              <a:defRPr/>
+            </a:lvl5pPr>
+            <a:lvl6pPr lvl="5">
+              <a:spcBef>
+                <a:spcPts val="0"/>
+              </a:spcBef>
+              <a:defRPr/>
+            </a:lvl6pPr>
+            <a:lvl7pPr lvl="6">
+              <a:spcBef>
+                <a:spcPts val="0"/>
+              </a:spcBef>
+              <a:defRPr/>
+            </a:lvl7pPr>
+            <a:lvl8pPr lvl="7">
+              <a:spcBef>
+                <a:spcPts val="0"/>
+              </a:spcBef>
+              <a:defRPr/>
+            </a:lvl8pPr>
+            <a:lvl9pPr lvl="8">
+              <a:spcBef>
+                <a:spcPts val="0"/>
+              </a:spcBef>
+              <a:defRPr/>
+            </a:lvl9pPr>
+          </a:lstStyle>
+          <a:p>
+            <a:r>
+              <a:rPr lang="en-US" dirty="0" smtClean="0"/>
+              <a:t>Tests </a:t>
+            </a:r>
+            <a:r>
+              <a:rPr lang="en-US" dirty="0" err="1" smtClean="0"/>
+              <a:t>Unitarios</a:t>
             </a:r>
             <a:endParaRPr lang="es-AR" dirty="0"/>
           </a:p>
@@ -17318,13 +17748,14 @@
     </p:spTree>
     <p:extLst>
       <p:ext uri="{BB962C8B-B14F-4D97-AF65-F5344CB8AC3E}">
-        <p14:creationId xmlns:p14="http://schemas.microsoft.com/office/powerpoint/2010/main" val="1186864165"/>
+        <p14:creationId xmlns:p14="http://schemas.microsoft.com/office/powerpoint/2010/main" val="725741956"/>
       </p:ext>
     </p:extLst>
   </p:cSld>
   <p:clrMapOvr>
     <a:masterClrMapping/>
   </p:clrMapOvr>
+  <p:transition/>
   <p:timing>
     <p:tnLst>
       <p:par>
@@ -17354,9 +17785,9 @@
       </p:grpSpPr>
       <p:sp>
         <p:nvSpPr>
-          <p:cNvPr id="185348" name="Rectangle 4"/>
+          <p:cNvPr id="5" name="Title 4"/>
           <p:cNvSpPr>
-            <a:spLocks noGrp="1" noChangeArrowheads="1"/>
+            <a:spLocks noGrp="1"/>
           </p:cNvSpPr>
           <p:nvPr>
             <p:ph type="title"/>
@@ -17364,284 +17795,15 @@
         </p:nvSpPr>
         <p:spPr/>
         <p:txBody>
-          <a:bodyPr/>
+          <a:bodyPr>
+            <a:normAutofit/>
+          </a:bodyPr>
           <a:lstStyle/>
           <a:p>
             <a:r>
-              <a:rPr lang="en-US" dirty="0" err="1" smtClean="0"/>
-              <a:t>Código</a:t>
-            </a:r>
-            <a:r>
-              <a:rPr lang="en-US" dirty="0" smtClean="0"/>
-              <a:t> Legacy</a:t>
-            </a:r>
-            <a:endParaRPr lang="es-AR" dirty="0"/>
-          </a:p>
-        </p:txBody>
-      </p:sp>
-      <p:sp>
-        <p:nvSpPr>
-          <p:cNvPr id="5" name="Text Placeholder 3"/>
-          <p:cNvSpPr>
-            <a:spLocks noGrp="1"/>
-          </p:cNvSpPr>
-          <p:nvPr>
-            <p:ph type="body" sz="quarter" idx="10"/>
-          </p:nvPr>
-        </p:nvSpPr>
-        <p:spPr>
-          <a:xfrm>
-            <a:off x="1169678" y="951684"/>
-            <a:ext cx="8488424" cy="560517"/>
-          </a:xfrm>
-        </p:spPr>
-        <p:txBody>
-          <a:bodyPr/>
-          <a:lstStyle/>
-          <a:p>
-            <a:r>
-              <a:rPr lang="en-US" dirty="0" err="1" smtClean="0"/>
-              <a:t>Trabajando</a:t>
-            </a:r>
-            <a:r>
-              <a:rPr lang="en-US" dirty="0" smtClean="0"/>
-              <a:t> con </a:t>
-            </a:r>
-            <a:r>
-              <a:rPr lang="en-US" dirty="0" err="1" smtClean="0"/>
-              <a:t>Código</a:t>
-            </a:r>
-            <a:r>
-              <a:rPr lang="en-US" dirty="0" smtClean="0"/>
-              <a:t> Legacy</a:t>
-            </a:r>
-            <a:endParaRPr lang="es-AR" dirty="0"/>
-          </a:p>
-        </p:txBody>
-      </p:sp>
-      <p:sp>
-        <p:nvSpPr>
-          <p:cNvPr id="7" name="Text Placeholder 4"/>
-          <p:cNvSpPr>
-            <a:spLocks noGrp="1"/>
-          </p:cNvSpPr>
-          <p:nvPr>
-            <p:ph type="body" sz="quarter" idx="12"/>
-          </p:nvPr>
-        </p:nvSpPr>
-        <p:spPr>
-          <a:xfrm>
-            <a:off x="1169988" y="1809750"/>
-            <a:ext cx="8488362" cy="4255020"/>
-          </a:xfrm>
-        </p:spPr>
-        <p:txBody>
-          <a:bodyPr/>
-          <a:lstStyle/>
-          <a:p>
-            <a:pPr>
-              <a:spcAft>
-                <a:spcPts val="400"/>
-              </a:spcAft>
-            </a:pPr>
-            <a:r>
-              <a:rPr lang="es-AR" altLang="es-AR" dirty="0" smtClean="0"/>
-              <a:t>Realizar cambios al código legacy nos brinda dos alternativas:</a:t>
-            </a:r>
-          </a:p>
-          <a:p>
-            <a:pPr lvl="1">
-              <a:spcAft>
-                <a:spcPts val="400"/>
-              </a:spcAft>
-              <a:buFont typeface="Courier New" panose="02070309020205020404" pitchFamily="49" charset="0"/>
-              <a:buChar char="o"/>
-            </a:pPr>
-            <a:r>
-              <a:rPr lang="es-AR" altLang="es-AR" sz="1800" dirty="0" smtClean="0"/>
-              <a:t>Modificar y rezar</a:t>
-            </a:r>
-          </a:p>
-          <a:p>
-            <a:pPr lvl="1">
-              <a:spcAft>
-                <a:spcPts val="400"/>
-              </a:spcAft>
-              <a:buFont typeface="Courier New" panose="02070309020205020404" pitchFamily="49" charset="0"/>
-              <a:buChar char="o"/>
-            </a:pPr>
-            <a:r>
-              <a:rPr lang="es-AR" altLang="es-AR" dirty="0" smtClean="0"/>
-              <a:t>Testear y modificar</a:t>
-            </a:r>
-          </a:p>
-          <a:p>
-            <a:pPr lvl="1">
-              <a:spcAft>
-                <a:spcPts val="400"/>
-              </a:spcAft>
-            </a:pPr>
-            <a:endParaRPr lang="es-AR" altLang="es-AR" sz="1800" dirty="0"/>
-          </a:p>
-          <a:p>
-            <a:pPr>
-              <a:spcAft>
-                <a:spcPts val="400"/>
-              </a:spcAft>
-            </a:pPr>
-            <a:r>
-              <a:rPr lang="es-AR" altLang="es-AR" sz="2000" dirty="0" smtClean="0"/>
-              <a:t>Refactoring dilemma</a:t>
-            </a:r>
-          </a:p>
-          <a:p>
-            <a:pPr lvl="1">
-              <a:spcAft>
-                <a:spcPts val="400"/>
-              </a:spcAft>
-              <a:buFont typeface="Courier New" panose="02070309020205020404" pitchFamily="49" charset="0"/>
-              <a:buChar char="o"/>
-            </a:pPr>
-            <a:r>
-              <a:rPr lang="es-AR" altLang="es-AR" sz="1800" dirty="0" smtClean="0"/>
-              <a:t>Cuando modificamos código, deberíamos tener cobertura de </a:t>
-            </a:r>
-            <a:r>
-              <a:rPr lang="es-AR" altLang="es-AR" sz="1800" dirty="0" err="1" smtClean="0"/>
-              <a:t>tests</a:t>
-            </a:r>
-            <a:endParaRPr lang="es-AR" altLang="es-AR" sz="1800" dirty="0" smtClean="0"/>
-          </a:p>
-          <a:p>
-            <a:pPr lvl="1">
-              <a:spcAft>
-                <a:spcPts val="400"/>
-              </a:spcAft>
-              <a:buFont typeface="Courier New" panose="02070309020205020404" pitchFamily="49" charset="0"/>
-              <a:buChar char="o"/>
-            </a:pPr>
-            <a:r>
-              <a:rPr lang="es-AR" altLang="es-AR" dirty="0" smtClean="0"/>
-              <a:t>Para tener cobertura de </a:t>
-            </a:r>
-            <a:r>
-              <a:rPr lang="es-AR" altLang="es-AR" dirty="0" err="1" smtClean="0"/>
-              <a:t>tests</a:t>
-            </a:r>
-            <a:r>
-              <a:rPr lang="es-AR" altLang="es-AR" dirty="0" smtClean="0"/>
-              <a:t>, usualmente debemos modificar código</a:t>
-            </a:r>
-          </a:p>
-          <a:p>
-            <a:pPr lvl="1">
-              <a:spcAft>
-                <a:spcPts val="400"/>
-              </a:spcAft>
-            </a:pPr>
-            <a:endParaRPr lang="es-AR" altLang="es-AR" sz="1800" dirty="0"/>
-          </a:p>
-          <a:p>
-            <a:pPr>
-              <a:spcAft>
-                <a:spcPts val="400"/>
-              </a:spcAft>
-            </a:pPr>
-            <a:r>
-              <a:rPr lang="es-AR" altLang="es-AR" sz="2000" dirty="0" smtClean="0"/>
-              <a:t>El código legacy suele:</a:t>
-            </a:r>
-          </a:p>
-          <a:p>
-            <a:pPr lvl="1">
-              <a:spcAft>
-                <a:spcPts val="400"/>
-              </a:spcAft>
-              <a:buFont typeface="Courier New" panose="02070309020205020404" pitchFamily="49" charset="0"/>
-              <a:buChar char="o"/>
-            </a:pPr>
-            <a:r>
-              <a:rPr lang="es-AR" altLang="es-AR" sz="1800" dirty="0" smtClean="0"/>
-              <a:t>Tener dependencias acopladas con implementaciones concretas</a:t>
-            </a:r>
-          </a:p>
-          <a:p>
-            <a:pPr lvl="1">
-              <a:spcAft>
-                <a:spcPts val="400"/>
-              </a:spcAft>
-              <a:buFont typeface="Courier New" panose="02070309020205020404" pitchFamily="49" charset="0"/>
-              <a:buChar char="o"/>
-            </a:pPr>
-            <a:r>
-              <a:rPr lang="es-AR" altLang="es-AR" dirty="0" smtClean="0"/>
-              <a:t>Usar </a:t>
-            </a:r>
-            <a:r>
-              <a:rPr lang="es-AR" altLang="es-AR" dirty="0" err="1" smtClean="0"/>
-              <a:t>singletons</a:t>
-            </a:r>
-            <a:r>
-              <a:rPr lang="es-AR" altLang="es-AR" dirty="0" smtClean="0"/>
-              <a:t> y variables estáticas</a:t>
-            </a:r>
-          </a:p>
-          <a:p>
-            <a:pPr lvl="1">
-              <a:spcAft>
-                <a:spcPts val="400"/>
-              </a:spcAft>
-              <a:buFont typeface="Courier New" panose="02070309020205020404" pitchFamily="49" charset="0"/>
-              <a:buChar char="o"/>
-            </a:pPr>
-            <a:r>
-              <a:rPr lang="es-AR" altLang="es-AR" sz="1800" dirty="0" smtClean="0"/>
-              <a:t>Tener lógica en el constructor</a:t>
-            </a:r>
-          </a:p>
-          <a:p>
-            <a:pPr lvl="1">
-              <a:spcAft>
-                <a:spcPts val="400"/>
-              </a:spcAft>
-              <a:buFont typeface="Courier New" panose="02070309020205020404" pitchFamily="49" charset="0"/>
-              <a:buChar char="o"/>
-            </a:pPr>
-            <a:r>
-              <a:rPr lang="es-AR" altLang="es-AR" dirty="0" smtClean="0"/>
-              <a:t>Utilizar objetos que no son fácilmente creados</a:t>
-            </a:r>
-          </a:p>
-          <a:p>
-            <a:pPr lvl="1">
-              <a:spcAft>
-                <a:spcPts val="400"/>
-              </a:spcAft>
-              <a:buFont typeface="Courier New" panose="02070309020205020404" pitchFamily="49" charset="0"/>
-              <a:buChar char="o"/>
-            </a:pPr>
-            <a:r>
-              <a:rPr lang="es-AR" altLang="es-AR" sz="1800" dirty="0" smtClean="0"/>
-              <a:t>Implementar código con múltiples responsabilidades (no-SOLID)</a:t>
-            </a:r>
-            <a:endParaRPr lang="es-AR" altLang="es-AR" sz="1800" dirty="0"/>
-          </a:p>
-          <a:p>
-            <a:pPr lvl="0" defTabSz="914363">
-              <a:lnSpc>
-                <a:spcPct val="90000"/>
-              </a:lnSpc>
-              <a:spcAft>
-                <a:spcPts val="400"/>
-              </a:spcAft>
-              <a:buClr>
-                <a:schemeClr val="tx1">
-                  <a:lumMod val="75000"/>
-                  <a:lumOff val="25000"/>
-                </a:schemeClr>
-              </a:buClr>
-              <a:buSzPct val="100000"/>
-            </a:pPr>
+              <a:rPr lang="es-AR" dirty="0" smtClean="0"/>
+              <a:t>Código Legacy</a:t>
+            </a:r>
             <a:endParaRPr lang="es-AR" dirty="0"/>
           </a:p>
         </p:txBody>
@@ -17649,14 +17811,13 @@
     </p:spTree>
     <p:extLst>
       <p:ext uri="{BB962C8B-B14F-4D97-AF65-F5344CB8AC3E}">
-        <p14:creationId xmlns:p14="http://schemas.microsoft.com/office/powerpoint/2010/main" val="1676051169"/>
+        <p14:creationId xmlns:p14="http://schemas.microsoft.com/office/powerpoint/2010/main" val="1186864165"/>
       </p:ext>
     </p:extLst>
   </p:cSld>
   <p:clrMapOvr>
     <a:masterClrMapping/>
   </p:clrMapOvr>
-  <p:transition/>
   <p:timing>
     <p:tnLst>
       <p:par>
@@ -17732,28 +17893,20 @@
           <a:lstStyle/>
           <a:p>
             <a:r>
+              <a:rPr lang="en-US" dirty="0" err="1" smtClean="0"/>
+              <a:t>Trabajando</a:t>
+            </a:r>
+            <a:r>
               <a:rPr lang="en-US" dirty="0" smtClean="0"/>
-              <a:t>Tip 1: </a:t>
+              <a:t> con </a:t>
             </a:r>
             <a:r>
               <a:rPr lang="en-US" dirty="0" err="1" smtClean="0"/>
-              <a:t>Desacoplar</a:t>
+              <a:t>Código</a:t>
             </a:r>
             <a:r>
               <a:rPr lang="en-US" dirty="0" smtClean="0"/>
-              <a:t> </a:t>
-            </a:r>
-            <a:r>
-              <a:rPr lang="en-US" dirty="0" err="1" smtClean="0"/>
-              <a:t>dependencias</a:t>
-            </a:r>
-            <a:r>
-              <a:rPr lang="en-US" dirty="0"/>
-              <a:t> del </a:t>
-            </a:r>
-            <a:r>
-              <a:rPr lang="en-US" dirty="0" err="1"/>
-              <a:t>método</a:t>
+              <a:t> Legacy</a:t>
             </a:r>
             <a:endParaRPr lang="es-AR" dirty="0"/>
           </a:p>
@@ -17771,8 +17924,8 @@
         </p:nvSpPr>
         <p:spPr>
           <a:xfrm>
-            <a:off x="1169988" y="1936749"/>
-            <a:ext cx="9458038" cy="3727867"/>
+            <a:off x="1169988" y="1809750"/>
+            <a:ext cx="8488362" cy="4255020"/>
           </a:xfrm>
         </p:spPr>
         <p:txBody>
@@ -17786,7 +17939,7 @@
             </a:pPr>
             <a:r>
               <a:rPr lang="es-AR" altLang="es-AR" dirty="0" smtClean="0"/>
-              <a:t>Extraer implementaciones concretas a interfaces</a:t>
+              <a:t>Realizar cambios al código legacy nos brinda dos alternativas:</a:t>
             </a:r>
           </a:p>
           <a:p>
@@ -17798,12 +17951,8 @@
               <a:buChar char="o"/>
             </a:pPr>
             <a:r>
-              <a:rPr lang="es-AR" altLang="es-AR" dirty="0" err="1" smtClean="0"/>
-              <a:t>Tip</a:t>
-            </a:r>
-            <a:r>
-              <a:rPr lang="es-AR" altLang="es-AR" dirty="0" smtClean="0"/>
-              <a:t> 1: Programación orientada a interfaces</a:t>
+              <a:rPr lang="es-AR" altLang="es-AR" sz="1800" dirty="0" smtClean="0"/>
+              <a:t>Modificar y rezar</a:t>
             </a:r>
           </a:p>
           <a:p>
@@ -17815,12 +17964,27 @@
               <a:buChar char="o"/>
             </a:pPr>
             <a:r>
-              <a:rPr lang="es-AR" altLang="es-AR" dirty="0" err="1" smtClean="0"/>
-              <a:t>Tip</a:t>
-            </a:r>
-            <a:r>
               <a:rPr lang="es-AR" altLang="es-AR" dirty="0" smtClean="0"/>
-              <a:t> 2: Inyección de dependencias por constructor</a:t>
+              <a:t>Testear y modificar</a:t>
+            </a:r>
+          </a:p>
+          <a:p>
+            <a:pPr lvl="1">
+              <a:spcAft>
+                <a:spcPts val="400"/>
+              </a:spcAft>
+            </a:pPr>
+            <a:endParaRPr lang="es-AR" altLang="es-AR" sz="1800" dirty="0"/>
+          </a:p>
+          <a:p>
+            <a:pPr>
+              <a:spcAft>
+                <a:spcPts val="400"/>
+              </a:spcAft>
+            </a:pPr>
+            <a:r>
+              <a:rPr lang="es-AR" altLang="es-AR" sz="2000" dirty="0" smtClean="0"/>
+              <a:t>Refactoring dilemma</a:t>
             </a:r>
           </a:p>
           <a:p>
@@ -17832,40 +17996,14 @@
               <a:buChar char="o"/>
             </a:pPr>
             <a:r>
-              <a:rPr lang="es-AR" altLang="es-AR" dirty="0" smtClean="0"/>
-              <a:t>Permite usar </a:t>
-            </a:r>
-            <a:r>
-              <a:rPr lang="es-AR" altLang="es-AR" dirty="0" err="1" smtClean="0"/>
-              <a:t>mocks</a:t>
-            </a:r>
-            <a:r>
-              <a:rPr lang="es-AR" altLang="es-AR" dirty="0" smtClean="0"/>
-              <a:t> de dependencias para </a:t>
-            </a:r>
-            <a:r>
-              <a:rPr lang="es-AR" altLang="es-AR" dirty="0" err="1" smtClean="0"/>
+              <a:rPr lang="es-AR" altLang="es-AR" sz="1800" dirty="0" smtClean="0"/>
+              <a:t>Cuando modificamos código, deberíamos tener cobertura de </a:t>
+            </a:r>
+            <a:r>
+              <a:rPr lang="es-AR" altLang="es-AR" sz="1800" dirty="0" err="1" smtClean="0"/>
               <a:t>tests</a:t>
             </a:r>
-            <a:r>
-              <a:rPr lang="es-AR" altLang="es-AR" dirty="0" smtClean="0"/>
-              <a:t> unitarios</a:t>
-            </a:r>
-            <a:br>
-              <a:rPr lang="es-AR" altLang="es-AR" dirty="0" smtClean="0"/>
-            </a:br>
-            <a:endParaRPr lang="es-AR" altLang="es-AR" dirty="0" smtClean="0"/>
-          </a:p>
-          <a:p>
-            <a:pPr>
-              <a:spcAft>
-                <a:spcPts val="400"/>
-              </a:spcAft>
-            </a:pPr>
-            <a:r>
-              <a:rPr lang="es-AR" altLang="es-AR" dirty="0" smtClean="0"/>
-              <a:t>Cuidado con dependencias ocultas</a:t>
-            </a:r>
+            <a:endParaRPr lang="es-AR" altLang="es-AR" sz="1800" dirty="0" smtClean="0"/>
           </a:p>
           <a:p>
             <a:pPr lvl="1">
@@ -17877,12 +18015,24 @@
             </a:pPr>
             <a:r>
               <a:rPr lang="es-AR" altLang="es-AR" dirty="0" smtClean="0"/>
-              <a:t>Ej. El constructor crea una instancia de otra clase</a:t>
-            </a:r>
-            <a:br>
+              <a:t>Para tener cobertura de </a:t>
+            </a:r>
+            <a:r>
+              <a:rPr lang="es-AR" altLang="es-AR" dirty="0" err="1" smtClean="0"/>
+              <a:t>tests</a:t>
+            </a:r>
+            <a:r>
               <a:rPr lang="es-AR" altLang="es-AR" dirty="0" smtClean="0"/>
-            </a:br>
-            <a:endParaRPr lang="es-AR" altLang="es-AR" dirty="0" smtClean="0"/>
+              <a:t>, usualmente debemos modificar código</a:t>
+            </a:r>
+          </a:p>
+          <a:p>
+            <a:pPr lvl="1">
+              <a:spcAft>
+                <a:spcPts val="400"/>
+              </a:spcAft>
+            </a:pPr>
+            <a:endParaRPr lang="es-AR" altLang="es-AR" sz="1800" dirty="0"/>
           </a:p>
           <a:p>
             <a:pPr>
@@ -17891,16 +18041,108 @@
               </a:spcAft>
             </a:pPr>
             <a:r>
+              <a:rPr lang="es-AR" altLang="es-AR" sz="2000" dirty="0" smtClean="0"/>
+              <a:t>El código legacy suele:</a:t>
+            </a:r>
+          </a:p>
+          <a:p>
+            <a:pPr lvl="1">
+              <a:spcAft>
+                <a:spcPts val="400"/>
+              </a:spcAft>
+              <a:buFont typeface="Courier New" panose="02070309020205020404" pitchFamily="49" charset="0"/>
+              <a:buChar char="o"/>
+            </a:pPr>
+            <a:r>
+              <a:rPr lang="es-AR" altLang="es-AR" sz="1800" dirty="0" smtClean="0"/>
+              <a:t>Tener dependencias acopladas con implementaciones concretas</a:t>
+            </a:r>
+          </a:p>
+          <a:p>
+            <a:pPr lvl="1">
+              <a:spcAft>
+                <a:spcPts val="400"/>
+              </a:spcAft>
+              <a:buFont typeface="Courier New" panose="02070309020205020404" pitchFamily="49" charset="0"/>
+              <a:buChar char="o"/>
+            </a:pPr>
+            <a:r>
               <a:rPr lang="es-AR" altLang="es-AR" dirty="0" smtClean="0"/>
-              <a:t>Cuando se agregan constructores para inyección de dependencias, mantener un constructor sin parámetros para evitar modificar el código existente</a:t>
-            </a:r>
+              <a:t>Usar </a:t>
+            </a:r>
+            <a:r>
+              <a:rPr lang="es-AR" altLang="es-AR" dirty="0" err="1" smtClean="0"/>
+              <a:t>singletons</a:t>
+            </a:r>
+            <a:r>
+              <a:rPr lang="es-AR" altLang="es-AR" dirty="0" smtClean="0"/>
+              <a:t> y variables estáticas</a:t>
+            </a:r>
+          </a:p>
+          <a:p>
+            <a:pPr lvl="1">
+              <a:spcAft>
+                <a:spcPts val="400"/>
+              </a:spcAft>
+              <a:buFont typeface="Courier New" panose="02070309020205020404" pitchFamily="49" charset="0"/>
+              <a:buChar char="o"/>
+            </a:pPr>
+            <a:r>
+              <a:rPr lang="es-AR" altLang="es-AR" sz="1800" dirty="0" smtClean="0"/>
+              <a:t>Tener lógica en el constructor</a:t>
+            </a:r>
+          </a:p>
+          <a:p>
+            <a:pPr lvl="1">
+              <a:spcAft>
+                <a:spcPts val="400"/>
+              </a:spcAft>
+              <a:buFont typeface="Courier New" panose="02070309020205020404" pitchFamily="49" charset="0"/>
+              <a:buChar char="o"/>
+            </a:pPr>
+            <a:r>
+              <a:rPr lang="es-AR" altLang="es-AR" dirty="0" smtClean="0"/>
+              <a:t>Utilizar objetos que no son fácilmente creados</a:t>
+            </a:r>
+          </a:p>
+          <a:p>
+            <a:pPr lvl="1">
+              <a:spcAft>
+                <a:spcPts val="400"/>
+              </a:spcAft>
+              <a:buFont typeface="Courier New" panose="02070309020205020404" pitchFamily="49" charset="0"/>
+              <a:buChar char="o"/>
+            </a:pPr>
+            <a:r>
+              <a:rPr lang="es-AR" altLang="es-AR" sz="1800" dirty="0" smtClean="0"/>
+              <a:t>Implementar código con múltiples responsabilidades (no-SOLID)</a:t>
+            </a:r>
+            <a:endParaRPr lang="es-AR" altLang="es-AR" sz="1800" dirty="0"/>
+          </a:p>
+          <a:p>
+            <a:pPr lvl="0" defTabSz="914363">
+              <a:lnSpc>
+                <a:spcPct val="90000"/>
+              </a:lnSpc>
+              <a:spcAft>
+                <a:spcPts val="400"/>
+              </a:spcAft>
+              <a:buClr>
+                <a:schemeClr val="tx1">
+                  <a:lumMod val="75000"/>
+                  <a:lumOff val="25000"/>
+                </a:schemeClr>
+              </a:buClr>
+              <a:buSzPct val="100000"/>
+            </a:pPr>
+            <a:endParaRPr lang="es-AR" dirty="0"/>
           </a:p>
         </p:txBody>
       </p:sp>
     </p:spTree>
     <p:extLst>
       <p:ext uri="{BB962C8B-B14F-4D97-AF65-F5344CB8AC3E}">
-        <p14:creationId xmlns:p14="http://schemas.microsoft.com/office/powerpoint/2010/main" val="56492951"/>
+        <p14:creationId xmlns:p14="http://schemas.microsoft.com/office/powerpoint/2010/main" val="1676051169"/>
       </p:ext>
     </p:extLst>
   </p:cSld>
@@ -17999,11 +18241,11 @@
               <a:t>dependencias</a:t>
             </a:r>
             <a:r>
-              <a:rPr lang="en-US" dirty="0" smtClean="0"/>
+              <a:rPr lang="en-US" dirty="0"/>
               <a:t> del </a:t>
             </a:r>
             <a:r>
-              <a:rPr lang="en-US" dirty="0" err="1" smtClean="0"/>
+              <a:rPr lang="en-US" dirty="0" err="1"/>
               <a:t>método</a:t>
             </a:r>
             <a:endParaRPr lang="es-AR" dirty="0"/>
@@ -18022,8 +18264,8 @@
         </p:nvSpPr>
         <p:spPr>
           <a:xfrm>
-            <a:off x="1169988" y="2190749"/>
-            <a:ext cx="9458038" cy="2213861"/>
+            <a:off x="1169988" y="1936749"/>
+            <a:ext cx="9458038" cy="3727867"/>
           </a:xfrm>
         </p:spPr>
         <p:txBody>
@@ -18037,15 +18279,7 @@
             </a:pPr>
             <a:r>
               <a:rPr lang="es-AR" altLang="es-AR" dirty="0" smtClean="0"/>
-              <a:t>Utilizar </a:t>
-            </a:r>
-            <a:r>
-              <a:rPr lang="es-AR" altLang="es-AR" dirty="0" err="1" smtClean="0"/>
-              <a:t>wrappers</a:t>
-            </a:r>
-            <a:r>
-              <a:rPr lang="es-AR" altLang="es-AR" dirty="0" smtClean="0"/>
-              <a:t> para desacoplar el código de librerías de terceros que no podemos instanciar</a:t>
+              <a:t>Extraer implementaciones concretas a interfaces</a:t>
             </a:r>
           </a:p>
           <a:p>
@@ -18057,53 +18291,13 @@
               <a:buChar char="o"/>
             </a:pPr>
             <a:r>
-              <a:rPr lang="en-US" dirty="0"/>
-              <a:t>Tip 7: Wrappers para </a:t>
-            </a:r>
-            <a:r>
-              <a:rPr lang="en-US" dirty="0" err="1"/>
-              <a:t>encapsular</a:t>
-            </a:r>
-            <a:r>
-              <a:rPr lang="en-US" dirty="0"/>
-              <a:t> </a:t>
-            </a:r>
-            <a:r>
-              <a:rPr lang="en-US" dirty="0" err="1"/>
-              <a:t>dependencias</a:t>
-            </a:r>
-            <a:r>
-              <a:rPr lang="en-US" dirty="0"/>
-              <a:t> </a:t>
-            </a:r>
-            <a:r>
-              <a:rPr lang="en-US" dirty="0" err="1" smtClean="0"/>
-              <a:t>estáticas</a:t>
-            </a:r>
-            <a:r>
-              <a:rPr lang="en-US" dirty="0" smtClean="0"/>
-              <a:t/>
-            </a:r>
-            <a:br>
-              <a:rPr lang="en-US" dirty="0" smtClean="0"/>
-            </a:br>
-            <a:endParaRPr lang="en-US" dirty="0" smtClean="0"/>
-          </a:p>
-          <a:p>
-            <a:pPr>
-              <a:spcAft>
-                <a:spcPts val="400"/>
-              </a:spcAft>
-            </a:pPr>
-            <a:r>
-              <a:rPr lang="es-AR" dirty="0" smtClean="0"/>
-              <a:t>Tener en mente las buenas prácticas para escribir código </a:t>
-            </a:r>
-            <a:r>
-              <a:rPr lang="es-AR" dirty="0" err="1" smtClean="0"/>
-              <a:t>testeable</a:t>
-            </a:r>
-            <a:endParaRPr lang="es-AR" dirty="0" smtClean="0"/>
+              <a:rPr lang="es-AR" altLang="es-AR" dirty="0" err="1" smtClean="0"/>
+              <a:t>Tip</a:t>
+            </a:r>
+            <a:r>
+              <a:rPr lang="es-AR" altLang="es-AR" dirty="0" smtClean="0"/>
+              <a:t> 1: Programación orientada a interfaces</a:t>
+            </a:r>
           </a:p>
           <a:p>
             <a:pPr lvl="1">
@@ -18114,46 +18308,13 @@
               <a:buChar char="o"/>
             </a:pPr>
             <a:r>
-              <a:rPr lang="en-US" dirty="0"/>
-              <a:t>Tip 3: </a:t>
-            </a:r>
-            <a:r>
-              <a:rPr lang="en-US" dirty="0" err="1"/>
-              <a:t>Favorecer</a:t>
-            </a:r>
-            <a:r>
-              <a:rPr lang="en-US" dirty="0"/>
-              <a:t> la </a:t>
-            </a:r>
-            <a:r>
-              <a:rPr lang="en-US" dirty="0" err="1"/>
-              <a:t>composición</a:t>
-            </a:r>
-            <a:r>
-              <a:rPr lang="en-US" dirty="0"/>
-              <a:t> </a:t>
-            </a:r>
-            <a:r>
-              <a:rPr lang="en-US" dirty="0" err="1"/>
-              <a:t>por</a:t>
-            </a:r>
-            <a:r>
-              <a:rPr lang="en-US" dirty="0"/>
-              <a:t> </a:t>
-            </a:r>
-            <a:r>
-              <a:rPr lang="en-US" dirty="0" err="1"/>
-              <a:t>sobre</a:t>
-            </a:r>
-            <a:r>
-              <a:rPr lang="en-US" dirty="0"/>
-              <a:t> la </a:t>
-            </a:r>
-            <a:r>
-              <a:rPr lang="en-US" dirty="0" err="1" smtClean="0"/>
-              <a:t>herencia</a:t>
-            </a:r>
-            <a:endParaRPr lang="en-US" dirty="0" smtClean="0"/>
+              <a:rPr lang="es-AR" altLang="es-AR" dirty="0" err="1" smtClean="0"/>
+              <a:t>Tip</a:t>
+            </a:r>
+            <a:r>
+              <a:rPr lang="es-AR" altLang="es-AR" dirty="0" smtClean="0"/>
+              <a:t> 2: Inyección de dependencias por constructor</a:t>
+            </a:r>
           </a:p>
           <a:p>
             <a:pPr lvl="1">
@@ -18164,37 +18325,75 @@
               <a:buChar char="o"/>
             </a:pPr>
             <a:r>
-              <a:rPr lang="en-US" dirty="0"/>
-              <a:t>Tip 6: </a:t>
-            </a:r>
-            <a:r>
-              <a:rPr lang="en-US" dirty="0" err="1"/>
-              <a:t>Escribiendo</a:t>
-            </a:r>
-            <a:r>
-              <a:rPr lang="en-US" dirty="0"/>
-              <a:t> </a:t>
-            </a:r>
-            <a:r>
-              <a:rPr lang="en-US" dirty="0" err="1"/>
-              <a:t>código</a:t>
-            </a:r>
-            <a:r>
-              <a:rPr lang="en-US" dirty="0"/>
-              <a:t> </a:t>
-            </a:r>
-            <a:r>
-              <a:rPr lang="en-US" dirty="0" err="1" smtClean="0"/>
-              <a:t>testeable</a:t>
-            </a:r>
-            <a:endParaRPr lang="es-AR" dirty="0"/>
+              <a:rPr lang="es-AR" altLang="es-AR" dirty="0" smtClean="0"/>
+              <a:t>Permite usar </a:t>
+            </a:r>
+            <a:r>
+              <a:rPr lang="es-AR" altLang="es-AR" dirty="0" err="1" smtClean="0"/>
+              <a:t>mocks</a:t>
+            </a:r>
+            <a:r>
+              <a:rPr lang="es-AR" altLang="es-AR" dirty="0" smtClean="0"/>
+              <a:t> de dependencias para </a:t>
+            </a:r>
+            <a:r>
+              <a:rPr lang="es-AR" altLang="es-AR" dirty="0" err="1" smtClean="0"/>
+              <a:t>tests</a:t>
+            </a:r>
+            <a:r>
+              <a:rPr lang="es-AR" altLang="es-AR" dirty="0" smtClean="0"/>
+              <a:t> unitarios</a:t>
+            </a:r>
+            <a:br>
+              <a:rPr lang="es-AR" altLang="es-AR" dirty="0" smtClean="0"/>
+            </a:br>
+            <a:endParaRPr lang="es-AR" altLang="es-AR" dirty="0" smtClean="0"/>
+          </a:p>
+          <a:p>
+            <a:pPr>
+              <a:spcAft>
+                <a:spcPts val="400"/>
+              </a:spcAft>
+            </a:pPr>
+            <a:r>
+              <a:rPr lang="es-AR" altLang="es-AR" dirty="0" smtClean="0"/>
+              <a:t>Cuidado con dependencias ocultas</a:t>
+            </a:r>
+          </a:p>
+          <a:p>
+            <a:pPr lvl="1">
+              <a:spcAft>
+                <a:spcPts val="400"/>
+              </a:spcAft>
+              <a:buFont typeface="Courier New" panose="02070309020205020404" pitchFamily="49" charset="0"/>
+              <a:buChar char="o"/>
+            </a:pPr>
+            <a:r>
+              <a:rPr lang="es-AR" altLang="es-AR" dirty="0" smtClean="0"/>
+              <a:t>Ej. El constructor crea una instancia de otra clase</a:t>
+            </a:r>
+            <a:br>
+              <a:rPr lang="es-AR" altLang="es-AR" dirty="0" smtClean="0"/>
+            </a:br>
+            <a:endParaRPr lang="es-AR" altLang="es-AR" dirty="0" smtClean="0"/>
+          </a:p>
+          <a:p>
+            <a:pPr>
+              <a:spcAft>
+                <a:spcPts val="400"/>
+              </a:spcAft>
+            </a:pPr>
+            <a:r>
+              <a:rPr lang="es-AR" altLang="es-AR" dirty="0" smtClean="0"/>
+              <a:t>Cuando se agregan constructores para inyección de dependencias, mantener un constructor sin parámetros para evitar modificar el código existente</a:t>
+            </a:r>
           </a:p>
         </p:txBody>
       </p:sp>
     </p:spTree>
     <p:extLst>
       <p:ext uri="{BB962C8B-B14F-4D97-AF65-F5344CB8AC3E}">
-        <p14:creationId xmlns:p14="http://schemas.microsoft.com/office/powerpoint/2010/main" val="25458211"/>
+        <p14:creationId xmlns:p14="http://schemas.microsoft.com/office/powerpoint/2010/main" val="56492951"/>
       </p:ext>
     </p:extLst>
   </p:cSld>
@@ -18258,7 +18457,6 @@
               <a:rPr lang="es-AR" dirty="0" smtClean="0"/>
               <a:t>Objetivos</a:t>
             </a:r>
-            <a:endParaRPr lang="es-AR" dirty="0" smtClean="0"/>
           </a:p>
           <a:p>
             <a:pPr>
@@ -18289,7 +18487,6 @@
               <a:rPr lang="es-AR" dirty="0" smtClean="0"/>
               <a:t> y Ejemplos</a:t>
             </a:r>
-            <a:endParaRPr lang="es-AR" dirty="0" smtClean="0"/>
           </a:p>
           <a:p>
             <a:pPr>
@@ -18299,11 +18496,7 @@
             </a:pPr>
             <a:r>
               <a:rPr lang="es-AR" dirty="0" smtClean="0"/>
-              <a:t>Código </a:t>
-            </a:r>
-            <a:r>
-              <a:rPr lang="es-AR" dirty="0" smtClean="0"/>
-              <a:t>Legacy</a:t>
+              <a:t>Código Legacy</a:t>
             </a:r>
           </a:p>
           <a:p>
@@ -18320,7 +18513,6 @@
               <a:rPr lang="es-AR" dirty="0" smtClean="0"/>
               <a:t> y Ejemplos</a:t>
             </a:r>
-            <a:endParaRPr lang="es-AR" dirty="0" smtClean="0"/>
           </a:p>
           <a:p>
             <a:pPr>
@@ -18498,15 +18690,23 @@
           <a:p>
             <a:r>
               <a:rPr lang="en-US" dirty="0" smtClean="0"/>
-              <a:t>Tip 2: </a:t>
+              <a:t>Tip 1: </a:t>
             </a:r>
             <a:r>
               <a:rPr lang="en-US" dirty="0" err="1" smtClean="0"/>
-              <a:t>Testear</a:t>
+              <a:t>Desacoplar</a:t>
             </a:r>
             <a:r>
               <a:rPr lang="en-US" dirty="0" smtClean="0"/>
-              <a:t> el </a:t>
+              <a:t> </a:t>
+            </a:r>
+            <a:r>
+              <a:rPr lang="en-US" dirty="0" err="1" smtClean="0"/>
+              <a:t>dependencias</a:t>
+            </a:r>
+            <a:r>
+              <a:rPr lang="en-US" dirty="0" smtClean="0"/>
+              <a:t> del </a:t>
             </a:r>
             <a:r>
               <a:rPr lang="en-US" dirty="0" err="1" smtClean="0"/>
@@ -18543,15 +18743,15 @@
             </a:pPr>
             <a:r>
               <a:rPr lang="es-AR" altLang="es-AR" dirty="0" smtClean="0"/>
-              <a:t>Desacoplar hizo la aplicación </a:t>
+              <a:t>Utilizar </a:t>
             </a:r>
             <a:r>
               <a:rPr lang="es-AR" altLang="es-AR" dirty="0" err="1" smtClean="0"/>
-              <a:t>testeable</a:t>
+              <a:t>wrappers</a:t>
             </a:r>
             <a:r>
               <a:rPr lang="es-AR" altLang="es-AR" dirty="0" smtClean="0"/>
-              <a:t>, ahora vamos a testearla!</a:t>
+              <a:t> para desacoplar el código de librerías de terceros que no podemos instanciar</a:t>
             </a:r>
           </a:p>
           <a:p>
@@ -18564,37 +18764,27 @@
             </a:pPr>
             <a:r>
               <a:rPr lang="en-US" dirty="0"/>
-              <a:t>Tip 4: </a:t>
+              <a:t>Tip 7: Wrappers para </a:t>
             </a:r>
             <a:r>
               <a:rPr lang="en-US" dirty="0" err="1"/>
-              <a:t>Generar</a:t>
+              <a:t>encapsular</a:t>
             </a:r>
             <a:r>
               <a:rPr lang="en-US" dirty="0"/>
-              <a:t> Tests </a:t>
+              <a:t> </a:t>
             </a:r>
             <a:r>
               <a:rPr lang="en-US" dirty="0" err="1"/>
-              <a:t>Unitarios</a:t>
-            </a:r>
-            <a:endParaRPr lang="es-AR" dirty="0"/>
-          </a:p>
-          <a:p>
-            <a:pPr lvl="1">
-              <a:spcAft>
-                <a:spcPts val="400"/>
-              </a:spcAft>
-              <a:buFont typeface="Courier New" panose="02070309020205020404" pitchFamily="49" charset="0"/>
-              <a:buChar char="o"/>
-            </a:pPr>
+              <a:t>dependencias</a:t>
+            </a:r>
             <a:r>
               <a:rPr lang="en-US" dirty="0"/>
-              <a:t>Tip 5: Mocking de </a:t>
+              <a:t> </a:t>
             </a:r>
             <a:r>
               <a:rPr lang="en-US" dirty="0" err="1" smtClean="0"/>
-              <a:t>dependencias</a:t>
+              <a:t>estáticas</a:t>
             </a:r>
             <a:r>
               <a:rPr lang="en-US" dirty="0" smtClean="0"/>
@@ -18612,57 +18802,97 @@
               </a:spcAft>
             </a:pPr>
             <a:r>
+              <a:rPr lang="es-AR" dirty="0" smtClean="0"/>
+              <a:t>Tener en mente las buenas prácticas para escribir código </a:t>
+            </a:r>
+            <a:r>
+              <a:rPr lang="es-AR" dirty="0" err="1" smtClean="0"/>
+              <a:t>testeable</a:t>
+            </a:r>
+            <a:endParaRPr lang="es-AR" dirty="0" smtClean="0"/>
+          </a:p>
+          <a:p>
+            <a:pPr lvl="1">
+              <a:spcAft>
+                <a:spcPts val="400"/>
+              </a:spcAft>
+              <a:buFont typeface="Courier New" panose="02070309020205020404" pitchFamily="49" charset="0"/>
+              <a:buChar char="o"/>
+            </a:pPr>
+            <a:r>
+              <a:rPr lang="en-US" dirty="0"/>
+              <a:t>Tip 3: </a:t>
+            </a:r>
+            <a:r>
+              <a:rPr lang="en-US" dirty="0" err="1"/>
+              <a:t>Favorecer</a:t>
+            </a:r>
+            <a:r>
+              <a:rPr lang="en-US" dirty="0"/>
+              <a:t> la </a:t>
+            </a:r>
+            <a:r>
+              <a:rPr lang="en-US" dirty="0" err="1"/>
+              <a:t>composición</a:t>
+            </a:r>
+            <a:r>
+              <a:rPr lang="en-US" dirty="0"/>
+              <a:t> </a:t>
+            </a:r>
+            <a:r>
+              <a:rPr lang="en-US" dirty="0" err="1"/>
+              <a:t>por</a:t>
+            </a:r>
+            <a:r>
+              <a:rPr lang="en-US" dirty="0"/>
+              <a:t> </a:t>
+            </a:r>
+            <a:r>
+              <a:rPr lang="en-US" dirty="0" err="1"/>
+              <a:t>sobre</a:t>
+            </a:r>
+            <a:r>
+              <a:rPr lang="en-US" dirty="0"/>
+              <a:t> la </a:t>
+            </a:r>
+            <a:r>
               <a:rPr lang="en-US" dirty="0" err="1" smtClean="0"/>
-              <a:t>Verificar</a:t>
-            </a:r>
-            <a:r>
-              <a:rPr lang="en-US" dirty="0" smtClean="0"/>
-              <a:t> que </a:t>
+              <a:t>herencia</a:t>
+            </a:r>
+            <a:endParaRPr lang="en-US" dirty="0" smtClean="0"/>
+          </a:p>
+          <a:p>
+            <a:pPr lvl="1">
+              <a:spcAft>
+                <a:spcPts val="400"/>
+              </a:spcAft>
+              <a:buFont typeface="Courier New" panose="02070309020205020404" pitchFamily="49" charset="0"/>
+              <a:buChar char="o"/>
+            </a:pPr>
+            <a:r>
+              <a:rPr lang="en-US" dirty="0"/>
+              <a:t>Tip 6: </a:t>
+            </a:r>
+            <a:r>
+              <a:rPr lang="en-US" dirty="0" err="1"/>
+              <a:t>Escribiendo</a:t>
+            </a:r>
+            <a:r>
+              <a:rPr lang="en-US" dirty="0"/>
+              <a:t> </a:t>
+            </a:r>
+            <a:r>
+              <a:rPr lang="en-US" dirty="0" err="1"/>
+              <a:t>código</a:t>
+            </a:r>
+            <a:r>
+              <a:rPr lang="en-US" dirty="0"/>
+              <a:t> </a:t>
             </a:r>
             <a:r>
               <a:rPr lang="en-US" dirty="0" err="1" smtClean="0"/>
-              <a:t>los</a:t>
-            </a:r>
-            <a:r>
-              <a:rPr lang="en-US" dirty="0" smtClean="0"/>
-              <a:t> tests </a:t>
-            </a:r>
-            <a:r>
-              <a:rPr lang="en-US" dirty="0" err="1" smtClean="0"/>
-              <a:t>prueben</a:t>
-            </a:r>
-            <a:r>
-              <a:rPr lang="en-US" dirty="0" smtClean="0"/>
-              <a:t> </a:t>
-            </a:r>
-            <a:r>
-              <a:rPr lang="en-US" dirty="0" err="1" smtClean="0"/>
-              <a:t>correctamente</a:t>
-            </a:r>
-            <a:r>
-              <a:rPr lang="en-US" dirty="0" smtClean="0"/>
-              <a:t> el </a:t>
-            </a:r>
-            <a:r>
-              <a:rPr lang="en-US" dirty="0" err="1" smtClean="0"/>
-              <a:t>comportamiento</a:t>
-            </a:r>
-            <a:r>
-              <a:rPr lang="en-US" dirty="0" smtClean="0"/>
-              <a:t> de la </a:t>
-            </a:r>
-            <a:r>
-              <a:rPr lang="en-US" dirty="0" err="1" smtClean="0"/>
-              <a:t>aplicación</a:t>
-            </a:r>
-            <a:endParaRPr lang="es-AR" dirty="0"/>
-          </a:p>
-          <a:p>
-            <a:pPr lvl="1">
-              <a:spcAft>
-                <a:spcPts val="400"/>
-              </a:spcAft>
-            </a:pPr>
+              <a:t>testeable</a:t>
+            </a:r>
             <a:endParaRPr lang="es-AR" dirty="0"/>
           </a:p>
         </p:txBody>
@@ -18670,7 +18900,7 @@
     </p:spTree>
     <p:extLst>
       <p:ext uri="{BB962C8B-B14F-4D97-AF65-F5344CB8AC3E}">
-        <p14:creationId xmlns:p14="http://schemas.microsoft.com/office/powerpoint/2010/main" val="581140076"/>
+        <p14:creationId xmlns:p14="http://schemas.microsoft.com/office/powerpoint/2010/main" val="25458211"/>
       </p:ext>
     </p:extLst>
   </p:cSld>
@@ -18754,11 +18984,19 @@
           <a:p>
             <a:r>
               <a:rPr lang="en-US" dirty="0" smtClean="0"/>
-              <a:t>Tip 3: </a:t>
+              <a:t>Tip 2: </a:t>
             </a:r>
             <a:r>
               <a:rPr lang="en-US" dirty="0" err="1" smtClean="0"/>
-              <a:t>Refactorizar</a:t>
+              <a:t>Testear</a:t>
+            </a:r>
+            <a:r>
+              <a:rPr lang="en-US" dirty="0" smtClean="0"/>
+              <a:t> el </a:t>
+            </a:r>
+            <a:r>
+              <a:rPr lang="en-US" dirty="0" err="1" smtClean="0"/>
+              <a:t>método</a:t>
             </a:r>
             <a:endParaRPr lang="es-AR" dirty="0"/>
           </a:p>
@@ -18776,7 +19014,7 @@
         </p:nvSpPr>
         <p:spPr>
           <a:xfrm>
-            <a:off x="1169988" y="1809749"/>
+            <a:off x="1169988" y="2190749"/>
             <a:ext cx="9458038" cy="2213861"/>
           </a:xfrm>
         </p:spPr>
@@ -18790,23 +19028,16 @@
               </a:spcAft>
             </a:pPr>
             <a:r>
-              <a:rPr lang="es-AR" dirty="0" smtClean="0"/>
-              <a:t>La refactorización es el proceso de reestructurar código existente sin afectar su comportamiento</a:t>
-            </a:r>
-            <a:br>
-              <a:rPr lang="es-AR" dirty="0" smtClean="0"/>
-            </a:br>
-            <a:endParaRPr lang="es-AR" dirty="0" smtClean="0"/>
-          </a:p>
-          <a:p>
-            <a:pPr>
-              <a:spcAft>
-                <a:spcPts val="400"/>
-              </a:spcAft>
-            </a:pPr>
-            <a:r>
-              <a:rPr lang="es-AR" dirty="0" smtClean="0"/>
-              <a:t>Ventajas</a:t>
+              <a:rPr lang="es-AR" altLang="es-AR" dirty="0" smtClean="0"/>
+              <a:t>Desacoplar hizo la aplicación </a:t>
+            </a:r>
+            <a:r>
+              <a:rPr lang="es-AR" altLang="es-AR" dirty="0" err="1" smtClean="0"/>
+              <a:t>testeable</a:t>
+            </a:r>
+            <a:r>
+              <a:rPr lang="es-AR" altLang="es-AR" dirty="0" smtClean="0"/>
+              <a:t>, ahora vamos a testearla!</a:t>
             </a:r>
           </a:p>
           <a:p>
@@ -18818,9 +19049,22 @@
               <a:buChar char="o"/>
             </a:pPr>
             <a:r>
-              <a:rPr lang="es-AR" dirty="0" smtClean="0"/>
-              <a:t>Mejora la lectura del código</a:t>
-            </a:r>
+              <a:rPr lang="en-US" dirty="0"/>
+              <a:t>Tip 4: </a:t>
+            </a:r>
+            <a:r>
+              <a:rPr lang="en-US" dirty="0" err="1"/>
+              <a:t>Generar</a:t>
+            </a:r>
+            <a:r>
+              <a:rPr lang="en-US" dirty="0"/>
+              <a:t> Tests </a:t>
+            </a:r>
+            <a:r>
+              <a:rPr lang="en-US" dirty="0" err="1"/>
+              <a:t>Unitarios</a:t>
+            </a:r>
+            <a:endParaRPr lang="es-AR" dirty="0"/>
           </a:p>
           <a:p>
             <a:pPr lvl="1">
@@ -18831,142 +19075,71 @@
               <a:buChar char="o"/>
             </a:pPr>
             <a:r>
-              <a:rPr lang="es-AR" dirty="0" smtClean="0"/>
-              <a:t>Reduce la complejidad</a:t>
-            </a:r>
-          </a:p>
-          <a:p>
-            <a:pPr lvl="1">
+              <a:rPr lang="en-US" dirty="0"/>
+              <a:t>Tip 5: Mocking de </a:t>
+            </a:r>
+            <a:r>
+              <a:rPr lang="en-US" dirty="0" err="1" smtClean="0"/>
+              <a:t>dependencias</a:t>
+            </a:r>
+            <a:r>
+              <a:rPr lang="en-US" dirty="0" smtClean="0"/>
+              <a:t/>
+            </a:r>
+            <a:br>
+              <a:rPr lang="en-US" dirty="0" smtClean="0"/>
+            </a:br>
+            <a:endParaRPr lang="en-US" dirty="0" smtClean="0"/>
+          </a:p>
+          <a:p>
+            <a:pPr>
               <a:spcAft>
                 <a:spcPts val="400"/>
               </a:spcAft>
-              <a:buFont typeface="Courier New" panose="02070309020205020404" pitchFamily="49" charset="0"/>
-              <a:buChar char="o"/>
             </a:pPr>
             <a:r>
-              <a:rPr lang="es-AR" dirty="0" smtClean="0"/>
-              <a:t>Mejora la mantenibilidad del código</a:t>
-            </a:r>
-          </a:p>
-          <a:p>
-            <a:pPr lvl="1">
-              <a:spcAft>
-                <a:spcPts val="400"/>
-              </a:spcAft>
-              <a:buFont typeface="Courier New" panose="02070309020205020404" pitchFamily="49" charset="0"/>
-              <a:buChar char="o"/>
-            </a:pPr>
-            <a:r>
-              <a:rPr lang="es-AR" dirty="0" smtClean="0"/>
-              <a:t>Mejora la extensibilidad</a:t>
-            </a:r>
-          </a:p>
-          <a:p>
-            <a:pPr lvl="1">
-              <a:spcAft>
-                <a:spcPts val="400"/>
-              </a:spcAft>
-              <a:buFont typeface="Courier New" panose="02070309020205020404" pitchFamily="49" charset="0"/>
-              <a:buChar char="o"/>
-            </a:pPr>
-            <a:r>
-              <a:rPr lang="es-AR" dirty="0" smtClean="0"/>
-              <a:t>Permite identificar bugs ocultos o no descubiertos</a:t>
-            </a:r>
-          </a:p>
-          <a:p>
-            <a:pPr lvl="1">
-              <a:spcAft>
-                <a:spcPts val="400"/>
-              </a:spcAft>
-              <a:buFont typeface="Courier New" panose="02070309020205020404" pitchFamily="49" charset="0"/>
-              <a:buChar char="o"/>
-            </a:pPr>
-            <a:r>
-              <a:rPr lang="es-AR" dirty="0" smtClean="0"/>
-              <a:t>Ayuda a identificar oportunidades de mejora</a:t>
-            </a:r>
-          </a:p>
-          <a:p>
-            <a:pPr lvl="1">
-              <a:spcAft>
-                <a:spcPts val="400"/>
-              </a:spcAft>
-              <a:buFont typeface="Courier New" panose="02070309020205020404" pitchFamily="49" charset="0"/>
-              <a:buChar char="o"/>
-            </a:pPr>
-            <a:r>
-              <a:rPr lang="es-AR" dirty="0" smtClean="0"/>
-              <a:t>Permite </a:t>
-            </a:r>
-            <a:r>
-              <a:rPr lang="es-AR" i="1" dirty="0" smtClean="0"/>
-              <a:t>diseñar aplicaciones </a:t>
-            </a:r>
-            <a:r>
-              <a:rPr lang="es-AR" i="1" dirty="0" err="1" smtClean="0"/>
-              <a:t>testeables</a:t>
-            </a:r>
-            <a:r>
-              <a:rPr lang="es-AR" dirty="0" smtClean="0"/>
-              <a:t/>
-            </a:r>
-            <a:br>
-              <a:rPr lang="es-AR" dirty="0" smtClean="0"/>
-            </a:br>
-            <a:endParaRPr lang="es-AR" dirty="0" smtClean="0"/>
-          </a:p>
-          <a:p>
-            <a:pPr>
-              <a:spcAft>
-                <a:spcPts val="400"/>
-              </a:spcAft>
-            </a:pPr>
-            <a:r>
-              <a:rPr lang="es-AR" dirty="0" smtClean="0"/>
-              <a:t>En la aplicación:</a:t>
-            </a:r>
-          </a:p>
-          <a:p>
-            <a:pPr lvl="1">
-              <a:spcAft>
-                <a:spcPts val="400"/>
-              </a:spcAft>
-              <a:buFont typeface="Courier New" panose="02070309020205020404" pitchFamily="49" charset="0"/>
-              <a:buChar char="o"/>
-            </a:pPr>
-            <a:r>
-              <a:rPr lang="es-AR" dirty="0" smtClean="0"/>
-              <a:t>Asegurarse que todos los </a:t>
-            </a:r>
-            <a:r>
-              <a:rPr lang="es-AR" dirty="0" err="1" smtClean="0"/>
-              <a:t>tests</a:t>
-            </a:r>
-            <a:r>
-              <a:rPr lang="es-AR" dirty="0" smtClean="0"/>
-              <a:t> pasen antes de modificar el código</a:t>
-            </a:r>
-          </a:p>
-          <a:p>
-            <a:pPr lvl="1">
-              <a:spcAft>
-                <a:spcPts val="400"/>
-              </a:spcAft>
-              <a:buFont typeface="Courier New" panose="02070309020205020404" pitchFamily="49" charset="0"/>
-              <a:buChar char="o"/>
-            </a:pPr>
-            <a:r>
-              <a:rPr lang="es-AR" dirty="0" smtClean="0"/>
-              <a:t>Después de modificar el código, todos los </a:t>
-            </a:r>
-            <a:r>
-              <a:rPr lang="es-AR" dirty="0" err="1" smtClean="0"/>
-              <a:t>tests</a:t>
-            </a:r>
-            <a:r>
-              <a:rPr lang="es-AR" dirty="0" smtClean="0"/>
-              <a:t> deben seguir pasando</a:t>
+              <a:rPr lang="en-US" dirty="0" err="1" smtClean="0"/>
+              <a:t>Verificar</a:t>
+            </a:r>
+            <a:r>
+              <a:rPr lang="en-US" dirty="0" smtClean="0"/>
+              <a:t> que </a:t>
+            </a:r>
+            <a:r>
+              <a:rPr lang="en-US" dirty="0" err="1" smtClean="0"/>
+              <a:t>los</a:t>
+            </a:r>
+            <a:r>
+              <a:rPr lang="en-US" dirty="0" smtClean="0"/>
+              <a:t> tests </a:t>
+            </a:r>
+            <a:r>
+              <a:rPr lang="en-US" dirty="0" err="1" smtClean="0"/>
+              <a:t>prueben</a:t>
+            </a:r>
+            <a:r>
+              <a:rPr lang="en-US" dirty="0" smtClean="0"/>
+              <a:t> </a:t>
+            </a:r>
+            <a:r>
+              <a:rPr lang="en-US" dirty="0" err="1" smtClean="0"/>
+              <a:t>correctamente</a:t>
+            </a:r>
+            <a:r>
+              <a:rPr lang="en-US" dirty="0" smtClean="0"/>
+              <a:t> el </a:t>
+            </a:r>
+            <a:r>
+              <a:rPr lang="en-US" dirty="0" err="1" smtClean="0"/>
+              <a:t>comportamiento</a:t>
+            </a:r>
+            <a:r>
+              <a:rPr lang="en-US" dirty="0" smtClean="0"/>
+              <a:t> de la </a:t>
+            </a:r>
+            <a:r>
+              <a:rPr lang="en-US" dirty="0" err="1" smtClean="0"/>
+              <a:t>aplicación</a:t>
             </a:r>
             <a:endParaRPr lang="es-AR" dirty="0"/>
           </a:p>
@@ -18983,7 +19156,7 @@
     </p:spTree>
     <p:extLst>
       <p:ext uri="{BB962C8B-B14F-4D97-AF65-F5344CB8AC3E}">
-        <p14:creationId xmlns:p14="http://schemas.microsoft.com/office/powerpoint/2010/main" val="3880403159"/>
+        <p14:creationId xmlns:p14="http://schemas.microsoft.com/office/powerpoint/2010/main" val="581140076"/>
       </p:ext>
     </p:extLst>
   </p:cSld>
@@ -19089,7 +19262,7 @@
         </p:nvSpPr>
         <p:spPr>
           <a:xfrm>
-            <a:off x="1169988" y="1682749"/>
+            <a:off x="1169988" y="1809749"/>
             <a:ext cx="9458038" cy="2213861"/>
           </a:xfrm>
         </p:spPr>
@@ -19103,28 +19276,183 @@
               </a:spcAft>
             </a:pPr>
             <a:r>
+              <a:rPr lang="es-AR" dirty="0" smtClean="0"/>
+              <a:t>La refactorización es el proceso de reestructurar código existente sin afectar su comportamiento</a:t>
+            </a:r>
+            <a:br>
+              <a:rPr lang="es-AR" dirty="0" smtClean="0"/>
+            </a:br>
+            <a:endParaRPr lang="es-AR" dirty="0" smtClean="0"/>
+          </a:p>
+          <a:p>
+            <a:pPr>
+              <a:spcAft>
+                <a:spcPts val="400"/>
+              </a:spcAft>
+            </a:pPr>
+            <a:r>
+              <a:rPr lang="es-AR" dirty="0" smtClean="0"/>
+              <a:t>Ventajas</a:t>
+            </a:r>
+          </a:p>
+          <a:p>
+            <a:pPr lvl="1">
+              <a:spcAft>
+                <a:spcPts val="400"/>
+              </a:spcAft>
+              <a:buFont typeface="Courier New" panose="02070309020205020404" pitchFamily="49" charset="0"/>
+              <a:buChar char="o"/>
+            </a:pPr>
+            <a:r>
+              <a:rPr lang="es-AR" dirty="0" smtClean="0"/>
+              <a:t>Mejora la lectura del código</a:t>
+            </a:r>
+          </a:p>
+          <a:p>
+            <a:pPr lvl="1">
+              <a:spcAft>
+                <a:spcPts val="400"/>
+              </a:spcAft>
+              <a:buFont typeface="Courier New" panose="02070309020205020404" pitchFamily="49" charset="0"/>
+              <a:buChar char="o"/>
+            </a:pPr>
+            <a:r>
+              <a:rPr lang="es-AR" dirty="0" smtClean="0"/>
+              <a:t>Reduce la complejidad</a:t>
+            </a:r>
+          </a:p>
+          <a:p>
+            <a:pPr lvl="1">
+              <a:spcAft>
+                <a:spcPts val="400"/>
+              </a:spcAft>
+              <a:buFont typeface="Courier New" panose="02070309020205020404" pitchFamily="49" charset="0"/>
+              <a:buChar char="o"/>
+            </a:pPr>
+            <a:r>
+              <a:rPr lang="es-AR" dirty="0" smtClean="0"/>
+              <a:t>Mejora la mantenibilidad del código</a:t>
+            </a:r>
+          </a:p>
+          <a:p>
+            <a:pPr lvl="1">
+              <a:spcAft>
+                <a:spcPts val="400"/>
+              </a:spcAft>
+              <a:buFont typeface="Courier New" panose="02070309020205020404" pitchFamily="49" charset="0"/>
+              <a:buChar char="o"/>
+            </a:pPr>
+            <a:r>
+              <a:rPr lang="es-AR" dirty="0" smtClean="0"/>
+              <a:t>Mejora la extensibilidad</a:t>
+            </a:r>
+          </a:p>
+          <a:p>
+            <a:pPr lvl="1">
+              <a:spcAft>
+                <a:spcPts val="400"/>
+              </a:spcAft>
+              <a:buFont typeface="Courier New" panose="02070309020205020404" pitchFamily="49" charset="0"/>
+              <a:buChar char="o"/>
+            </a:pPr>
+            <a:r>
+              <a:rPr lang="es-AR" dirty="0" smtClean="0"/>
+              <a:t>Permite identificar bugs ocultos o no descubiertos</a:t>
+            </a:r>
+          </a:p>
+          <a:p>
+            <a:pPr lvl="1">
+              <a:spcAft>
+                <a:spcPts val="400"/>
+              </a:spcAft>
+              <a:buFont typeface="Courier New" panose="02070309020205020404" pitchFamily="49" charset="0"/>
+              <a:buChar char="o"/>
+            </a:pPr>
+            <a:r>
+              <a:rPr lang="es-AR" dirty="0" smtClean="0"/>
+              <a:t>Ayuda a identificar oportunidades de mejora</a:t>
+            </a:r>
+          </a:p>
+          <a:p>
+            <a:pPr lvl="1">
+              <a:spcAft>
+                <a:spcPts val="400"/>
+              </a:spcAft>
+              <a:buFont typeface="Courier New" panose="02070309020205020404" pitchFamily="49" charset="0"/>
+              <a:buChar char="o"/>
+            </a:pPr>
+            <a:r>
+              <a:rPr lang="es-AR" dirty="0" smtClean="0"/>
+              <a:t>Permite </a:t>
+            </a:r>
+            <a:r>
+              <a:rPr lang="es-AR" i="1" dirty="0" smtClean="0"/>
+              <a:t>diseñar aplicaciones </a:t>
+            </a:r>
+            <a:r>
+              <a:rPr lang="es-AR" i="1" dirty="0" err="1" smtClean="0"/>
+              <a:t>testeables</a:t>
+            </a:r>
+            <a:r>
+              <a:rPr lang="es-AR" dirty="0" smtClean="0"/>
+              <a:t/>
+            </a:r>
+            <a:br>
+              <a:rPr lang="es-AR" dirty="0" smtClean="0"/>
+            </a:br>
+            <a:endParaRPr lang="es-AR" dirty="0" smtClean="0"/>
+          </a:p>
+          <a:p>
+            <a:pPr>
+              <a:spcAft>
+                <a:spcPts val="400"/>
+              </a:spcAft>
+            </a:pPr>
+            <a:r>
+              <a:rPr lang="es-AR" dirty="0" smtClean="0"/>
+              <a:t>En la aplicación:</a:t>
+            </a:r>
+          </a:p>
+          <a:p>
+            <a:pPr lvl="1">
+              <a:spcAft>
+                <a:spcPts val="400"/>
+              </a:spcAft>
+              <a:buFont typeface="Courier New" panose="02070309020205020404" pitchFamily="49" charset="0"/>
+              <a:buChar char="o"/>
+            </a:pPr>
+            <a:r>
+              <a:rPr lang="es-AR" dirty="0" smtClean="0"/>
+              <a:t>Asegurarse que todos los </a:t>
+            </a:r>
+            <a:r>
               <a:rPr lang="es-AR" dirty="0" err="1" smtClean="0"/>
-              <a:t>Refactorizar</a:t>
+              <a:t>tests</a:t>
             </a:r>
             <a:r>
               <a:rPr lang="es-AR" dirty="0" smtClean="0"/>
-              <a:t> </a:t>
-            </a:r>
-            <a:r>
-              <a:rPr lang="es-AR" dirty="0"/>
-              <a:t>es una inversión, no una pérdida de tiempo</a:t>
-            </a:r>
-            <a:endParaRPr lang="es-AR" dirty="0" smtClean="0"/>
-          </a:p>
-          <a:p>
-            <a:pPr>
+              <a:t> pasen antes de modificar el código</a:t>
+            </a:r>
+          </a:p>
+          <a:p>
+            <a:pPr lvl="1">
               <a:spcAft>
                 <a:spcPts val="400"/>
               </a:spcAft>
+              <a:buFont typeface="Courier New" panose="02070309020205020404" pitchFamily="49" charset="0"/>
+              <a:buChar char="o"/>
             </a:pPr>
             <a:r>
               <a:rPr lang="es-AR" dirty="0" smtClean="0"/>
-              <a:t>Convénzanse (¡y a sus compañeros!)</a:t>
+              <a:t>Después de modificar el código, todos los </a:t>
+            </a:r>
+            <a:r>
+              <a:rPr lang="es-AR" dirty="0" err="1" smtClean="0"/>
+              <a:t>tests</a:t>
+            </a:r>
+            <a:r>
+              <a:rPr lang="es-AR" dirty="0" smtClean="0"/>
+              <a:t> deben seguir pasando</a:t>
             </a:r>
             <a:endParaRPr lang="es-AR" dirty="0"/>
           </a:p>
@@ -19138,60 +19466,10 @@
           </a:p>
         </p:txBody>
       </p:sp>
-      <p:pic>
-        <p:nvPicPr>
-          <p:cNvPr id="6" name="Picture 2" descr="http://1.bp.blogspot.com/-Mpykpfpj4l4/U7mwCWCX7TI/AAAAAAAAr_I/nEhB7tgjYhY/w600-h450/Brtku2iCMAI36EV.jpg"/>
-          <p:cNvPicPr>
-            <a:picLocks noChangeAspect="1" noChangeArrowheads="1"/>
-          </p:cNvPicPr>
-          <p:nvPr/>
-        </p:nvPicPr>
-        <p:blipFill>
-          <a:blip r:embed="rId3">
-            <a:extLst>
-              <a:ext uri="{28A0092B-C50C-407E-A947-70E740481C1C}">
-                <a14:useLocalDpi xmlns:a14="http://schemas.microsoft.com/office/drawing/2010/main" val="0"/>
-              </a:ext>
-            </a:extLst>
-          </a:blip>
-          <a:srcRect/>
-          <a:stretch>
-            <a:fillRect/>
-          </a:stretch>
-        </p:blipFill>
-        <p:spPr bwMode="auto">
-          <a:xfrm>
-            <a:off x="3535155" y="2709527"/>
-            <a:ext cx="4975015" cy="3731261"/>
-          </a:xfrm>
-          <a:prstGeom prst="rect">
-            <a:avLst/>
-          </a:prstGeom>
-          <a:ln>
-            <a:noFill/>
-          </a:ln>
-          <a:effectLst>
-            <a:outerShdw blurRad="292100" dist="139700" dir="2700000" algn="tl" rotWithShape="0">
-              <a:srgbClr val="333333">
-                <a:alpha val="65000"/>
-              </a:srgbClr>
-            </a:outerShdw>
-          </a:effectLst>
-          <a:extLst>
-            <a:ext uri="{909E8E84-426E-40DD-AFC4-6F175D3DCCD1}">
-              <a14:hiddenFill xmlns:a14="http://schemas.microsoft.com/office/drawing/2010/main">
-                <a:solidFill>
-                  <a:srgbClr val="FFFFFF"/>
-                </a:solidFill>
-              </a14:hiddenFill>
-            </a:ext>
-          </a:extLst>
-        </p:spPr>
-      </p:pic>
     </p:spTree>
     <p:extLst>
       <p:ext uri="{BB962C8B-B14F-4D97-AF65-F5344CB8AC3E}">
-        <p14:creationId xmlns:p14="http://schemas.microsoft.com/office/powerpoint/2010/main" val="3186627165"/>
+        <p14:creationId xmlns:p14="http://schemas.microsoft.com/office/powerpoint/2010/main" val="3880403159"/>
       </p:ext>
     </p:extLst>
   </p:cSld>
@@ -19275,7 +19553,11 @@
           <a:p>
             <a:r>
               <a:rPr lang="en-US" dirty="0" smtClean="0"/>
-              <a:t>El “Legacy Code Change Algorithm”</a:t>
+              <a:t>Tip 3: </a:t>
+            </a:r>
+            <a:r>
+              <a:rPr lang="en-US" dirty="0" err="1" smtClean="0"/>
+              <a:t>Refactorizar</a:t>
             </a:r>
             <a:endParaRPr lang="es-AR" dirty="0"/>
           </a:p>
@@ -19293,191 +19575,109 @@
         </p:nvSpPr>
         <p:spPr>
           <a:xfrm>
-            <a:off x="964962" y="1905284"/>
-            <a:ext cx="9458038" cy="4239199"/>
+            <a:off x="1169988" y="1682749"/>
+            <a:ext cx="9458038" cy="2213861"/>
           </a:xfrm>
         </p:spPr>
         <p:txBody>
           <a:bodyPr/>
           <a:lstStyle/>
           <a:p>
-            <a:pPr marL="597150" lvl="1" indent="-342900">
+            <a:pPr>
               <a:spcAft>
                 <a:spcPts val="400"/>
               </a:spcAft>
-              <a:buFont typeface="+mj-lt"/>
-              <a:buAutoNum type="arabicPeriod"/>
             </a:pPr>
             <a:r>
-              <a:rPr lang="es-AR" sz="2000" dirty="0" smtClean="0"/>
-              <a:t>Identificar puntos de cambio</a:t>
-            </a:r>
-          </a:p>
-          <a:p>
-            <a:pPr marL="862013" lvl="2" indent="-342900">
+              <a:rPr lang="es-AR" dirty="0" err="1" smtClean="0"/>
+              <a:t>Refactorizar</a:t>
+            </a:r>
+            <a:r>
+              <a:rPr lang="es-AR" dirty="0" smtClean="0"/>
+              <a:t> </a:t>
+            </a:r>
+            <a:r>
+              <a:rPr lang="es-AR" dirty="0"/>
+              <a:t>es una inversión, no una pérdida de tiempo</a:t>
+            </a:r>
+            <a:endParaRPr lang="es-AR" dirty="0" smtClean="0"/>
+          </a:p>
+          <a:p>
+            <a:pPr>
               <a:spcAft>
                 <a:spcPts val="400"/>
               </a:spcAft>
             </a:pPr>
             <a:r>
-              <a:rPr lang="es-AR" sz="1800" dirty="0" smtClean="0"/>
-              <a:t>Encontrar el lugar donde hacer el cambio necesario para agregar características o eliminar bugs</a:t>
-            </a:r>
-          </a:p>
-          <a:p>
-            <a:pPr marL="597150" lvl="1" indent="-342900">
+              <a:rPr lang="es-AR" dirty="0" smtClean="0"/>
+              <a:t>Convénzanse (¡y a sus compañeros!)</a:t>
+            </a:r>
+            <a:endParaRPr lang="es-AR" dirty="0"/>
+          </a:p>
+          <a:p>
+            <a:pPr lvl="1">
               <a:spcAft>
                 <a:spcPts val="400"/>
               </a:spcAft>
-              <a:buFont typeface="+mj-lt"/>
-              <a:buAutoNum type="arabicPeriod"/>
             </a:pPr>
-            <a:r>
-              <a:rPr lang="es-AR" sz="2000" dirty="0" smtClean="0"/>
-              <a:t>Encontrar puntos de test</a:t>
-            </a:r>
-          </a:p>
-          <a:p>
-            <a:pPr marL="597150" lvl="1" indent="-342900">
-              <a:spcAft>
-                <a:spcPts val="400"/>
-              </a:spcAft>
-              <a:buFont typeface="+mj-lt"/>
-              <a:buAutoNum type="arabicPeriod"/>
-            </a:pPr>
-            <a:r>
-              <a:rPr lang="es-AR" sz="2000" dirty="0" smtClean="0"/>
-              <a:t>Romper dependencias</a:t>
-            </a:r>
-          </a:p>
-          <a:p>
-            <a:pPr marL="862013" lvl="2" indent="-342900">
-              <a:spcAft>
-                <a:spcPts val="400"/>
-              </a:spcAft>
-            </a:pPr>
-            <a:r>
-              <a:rPr lang="es-AR" sz="1800" dirty="0" smtClean="0"/>
-              <a:t>Donde es difícil o imposible escribir </a:t>
-            </a:r>
-            <a:r>
-              <a:rPr lang="es-AR" sz="1800" dirty="0" err="1" smtClean="0"/>
-              <a:t>tests</a:t>
-            </a:r>
-            <a:r>
-              <a:rPr lang="es-AR" sz="1800" dirty="0" smtClean="0"/>
-              <a:t> para tener cobertura del comportamiento actual en los puntos de test</a:t>
-            </a:r>
-          </a:p>
-          <a:p>
-            <a:pPr marL="862013" lvl="2" indent="-342900">
-              <a:spcAft>
-                <a:spcPts val="400"/>
-              </a:spcAft>
-            </a:pPr>
-            <a:r>
-              <a:rPr lang="es-AR" sz="1800" dirty="0" smtClean="0"/>
-              <a:t>Pre-</a:t>
-            </a:r>
-            <a:r>
-              <a:rPr lang="es-AR" sz="1800" dirty="0" err="1" smtClean="0"/>
-              <a:t>refactorizar</a:t>
-            </a:r>
-            <a:r>
-              <a:rPr lang="es-AR" sz="1800" dirty="0" smtClean="0"/>
-              <a:t> es complicado ya que no hay </a:t>
-            </a:r>
-            <a:r>
-              <a:rPr lang="es-AR" sz="1800" dirty="0" err="1" smtClean="0"/>
-              <a:t>tests</a:t>
-            </a:r>
-            <a:r>
-              <a:rPr lang="es-AR" sz="1800" dirty="0" smtClean="0"/>
-              <a:t> aún para protegerse mientras se trabaja</a:t>
-            </a:r>
-          </a:p>
-          <a:p>
-            <a:pPr marL="597150" lvl="1" indent="-342900">
-              <a:spcAft>
-                <a:spcPts val="400"/>
-              </a:spcAft>
-              <a:buFont typeface="+mj-lt"/>
-              <a:buAutoNum type="arabicPeriod"/>
-            </a:pPr>
-            <a:r>
-              <a:rPr lang="es-AR" sz="2000" dirty="0" smtClean="0"/>
-              <a:t>Escribir </a:t>
-            </a:r>
-            <a:r>
-              <a:rPr lang="es-AR" sz="2000" dirty="0" err="1" smtClean="0"/>
-              <a:t>tests</a:t>
-            </a:r>
-            <a:endParaRPr lang="es-AR" sz="2000" dirty="0" smtClean="0"/>
-          </a:p>
-          <a:p>
-            <a:pPr marL="597150" lvl="1" indent="-342900">
-              <a:spcAft>
-                <a:spcPts val="400"/>
-              </a:spcAft>
-              <a:buFont typeface="+mj-lt"/>
-              <a:buAutoNum type="arabicPeriod"/>
-            </a:pPr>
-            <a:r>
-              <a:rPr lang="es-AR" sz="2000" dirty="0" smtClean="0"/>
-              <a:t>Modificar el código y </a:t>
-            </a:r>
-            <a:r>
-              <a:rPr lang="es-AR" sz="2000" dirty="0" err="1" smtClean="0"/>
-              <a:t>refactorizar</a:t>
-            </a:r>
-            <a:endParaRPr lang="es-AR" sz="2000" dirty="0" smtClean="0"/>
-          </a:p>
-          <a:p>
-            <a:pPr marL="862013" lvl="2" indent="-342900">
-              <a:spcAft>
-                <a:spcPts val="400"/>
-              </a:spcAft>
-            </a:pPr>
-            <a:r>
-              <a:rPr lang="es-AR" sz="1800" dirty="0" err="1" smtClean="0"/>
-              <a:t>Refactorizar</a:t>
-            </a:r>
-            <a:r>
-              <a:rPr lang="es-AR" sz="1800" dirty="0" smtClean="0"/>
-              <a:t> el punto de cambio con cobertura de </a:t>
-            </a:r>
-            <a:r>
-              <a:rPr lang="es-AR" sz="1800" dirty="0" err="1" smtClean="0"/>
-              <a:t>tests</a:t>
-            </a:r>
-            <a:endParaRPr lang="es-AR" sz="1800" dirty="0" smtClean="0"/>
-          </a:p>
-          <a:p>
-            <a:pPr marL="862013" lvl="2" indent="-342900">
-              <a:spcAft>
-                <a:spcPts val="400"/>
-              </a:spcAft>
-            </a:pPr>
-            <a:r>
-              <a:rPr lang="es-AR" sz="1800" dirty="0" smtClean="0"/>
-              <a:t>Disfrutar de la cobertura de </a:t>
-            </a:r>
-            <a:r>
-              <a:rPr lang="es-AR" sz="1800" dirty="0" err="1" smtClean="0"/>
-              <a:t>tests</a:t>
-            </a:r>
-            <a:r>
-              <a:rPr lang="es-AR" sz="1800" dirty="0" smtClean="0"/>
-              <a:t> generada</a:t>
-            </a:r>
-            <a:endParaRPr lang="es-AR" sz="1800" dirty="0"/>
+            <a:endParaRPr lang="es-AR" dirty="0"/>
           </a:p>
         </p:txBody>
       </p:sp>
+      <p:pic>
+        <p:nvPicPr>
+          <p:cNvPr id="6" name="Picture 2" descr="http://1.bp.blogspot.com/-Mpykpfpj4l4/U7mwCWCX7TI/AAAAAAAAr_I/nEhB7tgjYhY/w600-h450/Brtku2iCMAI36EV.jpg"/>
+          <p:cNvPicPr>
+            <a:picLocks noChangeAspect="1" noChangeArrowheads="1"/>
+          </p:cNvPicPr>
+          <p:nvPr/>
+        </p:nvPicPr>
+        <p:blipFill>
+          <a:blip r:embed="rId3">
+            <a:extLst>
+              <a:ext uri="{28A0092B-C50C-407E-A947-70E740481C1C}">
+                <a14:useLocalDpi xmlns:a14="http://schemas.microsoft.com/office/drawing/2010/main" val="0"/>
+              </a:ext>
+            </a:extLst>
+          </a:blip>
+          <a:srcRect/>
+          <a:stretch>
+            <a:fillRect/>
+          </a:stretch>
+        </p:blipFill>
+        <p:spPr bwMode="auto">
+          <a:xfrm>
+            <a:off x="3535155" y="2709527"/>
+            <a:ext cx="4975015" cy="3731261"/>
+          </a:xfrm>
+          <a:prstGeom prst="rect">
+            <a:avLst/>
+          </a:prstGeom>
+          <a:ln>
+            <a:noFill/>
+          </a:ln>
+          <a:effectLst>
+            <a:outerShdw blurRad="292100" dist="139700" dir="2700000" algn="tl" rotWithShape="0">
+              <a:srgbClr val="333333">
+                <a:alpha val="65000"/>
+              </a:srgbClr>
+            </a:outerShdw>
+          </a:effectLst>
+          <a:extLst>
+            <a:ext uri="{909E8E84-426E-40DD-AFC4-6F175D3DCCD1}">
+              <a14:hiddenFill xmlns:a14="http://schemas.microsoft.com/office/drawing/2010/main">
+                <a:solidFill>
+                  <a:srgbClr val="FFFFFF"/>
+                </a:solidFill>
+              </a14:hiddenFill>
+            </a:ext>
+          </a:extLst>
+        </p:spPr>
+      </p:pic>
     </p:spTree>
     <p:extLst>
       <p:ext uri="{BB962C8B-B14F-4D97-AF65-F5344CB8AC3E}">
-        <p14:creationId xmlns:p14="http://schemas.microsoft.com/office/powerpoint/2010/main" val="3866827507"/>
+        <p14:creationId xmlns:p14="http://schemas.microsoft.com/office/powerpoint/2010/main" val="3186627165"/>
       </p:ext>
     </p:extLst>
   </p:cSld>
@@ -19514,72 +19714,6 @@
       </p:grpSpPr>
       <p:sp>
         <p:nvSpPr>
-          <p:cNvPr id="5" name="Title 4"/>
-          <p:cNvSpPr>
-            <a:spLocks noGrp="1"/>
-          </p:cNvSpPr>
-          <p:nvPr>
-            <p:ph type="title"/>
-          </p:nvPr>
-        </p:nvSpPr>
-        <p:spPr/>
-        <p:txBody>
-          <a:bodyPr>
-            <a:normAutofit/>
-          </a:bodyPr>
-          <a:lstStyle/>
-          <a:p>
-            <a:r>
-              <a:rPr lang="es-AR" dirty="0" err="1" smtClean="0"/>
-              <a:t>Coding</a:t>
-            </a:r>
-            <a:r>
-              <a:rPr lang="es-AR" dirty="0" smtClean="0"/>
-              <a:t> time!</a:t>
-            </a:r>
-            <a:endParaRPr lang="es-AR" dirty="0"/>
-          </a:p>
-        </p:txBody>
-      </p:sp>
-    </p:spTree>
-    <p:extLst>
-      <p:ext uri="{BB962C8B-B14F-4D97-AF65-F5344CB8AC3E}">
-        <p14:creationId xmlns:p14="http://schemas.microsoft.com/office/powerpoint/2010/main" val="1378463368"/>
-      </p:ext>
-    </p:extLst>
-  </p:cSld>
-  <p:clrMapOvr>
-    <a:masterClrMapping/>
-  </p:clrMapOvr>
-  <p:timing>
-    <p:tnLst>
-      <p:par>
-        <p:cTn id="1" dur="indefinite" restart="never" nodeType="tmRoot"/>
-      </p:par>
-    </p:tnLst>
-  </p:timing>
-</p:sld>
-</file>
-
-<file path=ppt/slides/slide25.xml><?xml version="1.0" encoding="utf-8"?>
-<p:sld xmlns:a="http://schemas.openxmlformats.org/drawingml/2006/main" xmlns:r="http://schemas.openxmlformats.org/officeDocument/2006/relationships" xmlns:p="http://schemas.openxmlformats.org/presentationml/2006/main">
-  <p:cSld>
-    <p:spTree>
-      <p:nvGrpSpPr>
-        <p:cNvPr id="1" name=""/>
-        <p:cNvGrpSpPr/>
-        <p:nvPr/>
-      </p:nvGrpSpPr>
-      <p:grpSpPr>
-        <a:xfrm>
-          <a:off x="0" y="0"/>
-          <a:ext cx="0" cy="0"/>
-          <a:chOff x="0" y="0"/>
-          <a:chExt cx="0" cy="0"/>
-        </a:xfrm>
-      </p:grpSpPr>
-      <p:sp>
-        <p:nvSpPr>
           <p:cNvPr id="185348" name="Rectangle 4"/>
           <p:cNvSpPr>
             <a:spLocks noGrp="1" noChangeArrowheads="1"/>
@@ -19594,8 +19728,12 @@
           <a:lstStyle/>
           <a:p>
             <a:r>
+              <a:rPr lang="en-US" dirty="0" err="1" smtClean="0"/>
+              <a:t>Código</a:t>
+            </a:r>
+            <a:r>
               <a:rPr lang="en-US" dirty="0" smtClean="0"/>
-              <a:t>Coding time!</a:t>
+              <a:t> Legacy</a:t>
             </a:r>
             <a:endParaRPr lang="es-AR" dirty="0"/>
           </a:p>
@@ -19622,8 +19760,8 @@
           <a:lstStyle/>
           <a:p>
             <a:r>
-              <a:rPr lang="en-US" dirty="0" err="1" smtClean="0"/>
-              <a:t>Enunciado</a:t>
+              <a:rPr lang="en-US" dirty="0" smtClean="0"/>
+              <a:t>El “Legacy Code Change Algorithm”</a:t>
             </a:r>
             <a:endParaRPr lang="es-AR" dirty="0"/>
           </a:p>
@@ -19641,58 +19779,61 @@
         </p:nvSpPr>
         <p:spPr>
           <a:xfrm>
-            <a:off x="951314" y="1766201"/>
-            <a:ext cx="10012984" cy="5290793"/>
+            <a:off x="964962" y="1905284"/>
+            <a:ext cx="9458038" cy="4239199"/>
           </a:xfrm>
         </p:spPr>
         <p:txBody>
           <a:bodyPr/>
           <a:lstStyle/>
           <a:p>
-            <a:pPr lvl="1">
+            <a:pPr marL="597150" lvl="1" indent="-342900">
               <a:spcAft>
                 <a:spcPts val="400"/>
               </a:spcAft>
-              <a:buFont typeface="Arial" panose="020B0604020202020204" pitchFamily="34" charset="0"/>
-              <a:buChar char="•"/>
+              <a:buFont typeface="+mj-lt"/>
+              <a:buAutoNum type="arabicPeriod"/>
             </a:pPr>
             <a:r>
-              <a:rPr lang="es-AR" dirty="0"/>
-              <a:t>Como la empresa está festejando su </a:t>
-            </a:r>
-            <a:r>
-              <a:rPr lang="es-AR" dirty="0" smtClean="0"/>
-              <a:t>26° </a:t>
-            </a:r>
-            <a:r>
-              <a:rPr lang="es-AR" dirty="0"/>
-              <a:t>aniversario, los directivos decidieron ofrecer una promoción especial.</a:t>
-            </a:r>
-          </a:p>
-          <a:p>
-            <a:pPr lvl="1">
+              <a:rPr lang="es-AR" sz="2000" dirty="0" smtClean="0"/>
+              <a:t>Identificar puntos de cambio</a:t>
+            </a:r>
+          </a:p>
+          <a:p>
+            <a:pPr marL="862013" lvl="2" indent="-342900">
               <a:spcAft>
                 <a:spcPts val="400"/>
               </a:spcAft>
-              <a:buFont typeface="Arial" panose="020B0604020202020204" pitchFamily="34" charset="0"/>
-              <a:buChar char="•"/>
             </a:pPr>
             <a:r>
-              <a:rPr lang="es-AR" dirty="0"/>
-              <a:t>Los clientes que compren frecuentemente serán beneficiados a partir de un esquema de puntos obtenidos mediante cada compra, con los que podrán acceder a beneficios desopilantes.</a:t>
-            </a:r>
-          </a:p>
-          <a:p>
-            <a:pPr lvl="1">
+              <a:rPr lang="es-AR" sz="1800" dirty="0" smtClean="0"/>
+              <a:t>Encontrar el lugar donde hacer el cambio necesario para agregar características o eliminar bugs</a:t>
+            </a:r>
+          </a:p>
+          <a:p>
+            <a:pPr marL="597150" lvl="1" indent="-342900">
               <a:spcAft>
                 <a:spcPts val="400"/>
               </a:spcAft>
-              <a:buFont typeface="Arial" panose="020B0604020202020204" pitchFamily="34" charset="0"/>
-              <a:buChar char="•"/>
+              <a:buFont typeface="+mj-lt"/>
+              <a:buAutoNum type="arabicPeriod"/>
             </a:pPr>
             <a:r>
-              <a:rPr lang="es-AR" dirty="0"/>
-              <a:t>Los puntos se otorgarán según los siguientes rangos:</a:t>
+              <a:rPr lang="es-AR" sz="2000" dirty="0" smtClean="0"/>
+              <a:t>Encontrar puntos de test</a:t>
+            </a:r>
+          </a:p>
+          <a:p>
+            <a:pPr marL="597150" lvl="1" indent="-342900">
+              <a:spcAft>
+                <a:spcPts val="400"/>
+              </a:spcAft>
+              <a:buFont typeface="+mj-lt"/>
+              <a:buAutoNum type="arabicPeriod"/>
+            </a:pPr>
+            <a:r>
+              <a:rPr lang="es-AR" sz="2000" dirty="0" smtClean="0"/>
+              <a:t>Romper dependencias</a:t>
             </a:r>
           </a:p>
           <a:p>
@@ -19702,8 +19843,16 @@
               </a:spcAft>
             </a:pPr>
             <a:r>
-              <a:rPr lang="es-AR" dirty="0"/>
-              <a:t>Compra entre $1 y $4999: Puntos otorgados = Monto Compra * 1</a:t>
+              <a:rPr lang="es-AR" sz="1800" dirty="0" smtClean="0"/>
+              <a:t>Donde es difícil o imposible escribir </a:t>
+            </a:r>
+            <a:r>
+              <a:rPr lang="es-AR" sz="1800" dirty="0" err="1" smtClean="0"/>
+              <a:t>tests</a:t>
+            </a:r>
+            <a:r>
+              <a:rPr lang="es-AR" sz="1800" dirty="0" smtClean="0"/>
+              <a:t> para tener cobertura del comportamiento actual en los puntos de test</a:t>
             </a:r>
           </a:p>
           <a:p>
@@ -19713,9 +19862,61 @@
               </a:spcAft>
             </a:pPr>
             <a:r>
-              <a:rPr lang="es-AR" dirty="0"/>
-              <a:t>Compra entre $5000 y $9999: Puntos otorgados = Monto Compra * 2</a:t>
-            </a:r>
+              <a:rPr lang="es-AR" sz="1800" dirty="0" smtClean="0"/>
+              <a:t>Pre-</a:t>
+            </a:r>
+            <a:r>
+              <a:rPr lang="es-AR" sz="1800" dirty="0" err="1" smtClean="0"/>
+              <a:t>refactorizar</a:t>
+            </a:r>
+            <a:r>
+              <a:rPr lang="es-AR" sz="1800" dirty="0" smtClean="0"/>
+              <a:t> es complicado ya que no hay </a:t>
+            </a:r>
+            <a:r>
+              <a:rPr lang="es-AR" sz="1800" dirty="0" err="1" smtClean="0"/>
+              <a:t>tests</a:t>
+            </a:r>
+            <a:r>
+              <a:rPr lang="es-AR" sz="1800" dirty="0" smtClean="0"/>
+              <a:t> aún para protegerse mientras se trabaja</a:t>
+            </a:r>
+          </a:p>
+          <a:p>
+            <a:pPr marL="597150" lvl="1" indent="-342900">
+              <a:spcAft>
+                <a:spcPts val="400"/>
+              </a:spcAft>
+              <a:buFont typeface="+mj-lt"/>
+              <a:buAutoNum type="arabicPeriod"/>
+            </a:pPr>
+            <a:r>
+              <a:rPr lang="es-AR" sz="2000" dirty="0" smtClean="0"/>
+              <a:t>Escribir </a:t>
+            </a:r>
+            <a:r>
+              <a:rPr lang="es-AR" sz="2000" dirty="0" err="1" smtClean="0"/>
+              <a:t>tests</a:t>
+            </a:r>
+            <a:endParaRPr lang="es-AR" sz="2000" dirty="0" smtClean="0"/>
+          </a:p>
+          <a:p>
+            <a:pPr marL="597150" lvl="1" indent="-342900">
+              <a:spcAft>
+                <a:spcPts val="400"/>
+              </a:spcAft>
+              <a:buFont typeface="+mj-lt"/>
+              <a:buAutoNum type="arabicPeriod"/>
+            </a:pPr>
+            <a:r>
+              <a:rPr lang="es-AR" sz="2000" dirty="0" smtClean="0"/>
+              <a:t>Modificar el código y </a:t>
+            </a:r>
+            <a:r>
+              <a:rPr lang="es-AR" sz="2000" dirty="0" err="1" smtClean="0"/>
+              <a:t>refactorizar</a:t>
+            </a:r>
+            <a:endParaRPr lang="es-AR" sz="2000" dirty="0" smtClean="0"/>
           </a:p>
           <a:p>
             <a:pPr marL="862013" lvl="2" indent="-342900">
@@ -19724,9 +19925,18 @@
               </a:spcAft>
             </a:pPr>
             <a:r>
-              <a:rPr lang="es-AR" dirty="0"/>
-              <a:t>Compra entre $10000 y $19999: Puntos otorgados = Monto Compra * 3</a:t>
-            </a:r>
+              <a:rPr lang="es-AR" sz="1800" dirty="0" err="1" smtClean="0"/>
+              <a:t>Refactorizar</a:t>
+            </a:r>
+            <a:r>
+              <a:rPr lang="es-AR" sz="1800" dirty="0" smtClean="0"/>
+              <a:t> el punto de cambio con cobertura de </a:t>
+            </a:r>
+            <a:r>
+              <a:rPr lang="es-AR" sz="1800" dirty="0" err="1" smtClean="0"/>
+              <a:t>tests</a:t>
+            </a:r>
+            <a:endParaRPr lang="es-AR" sz="1800" dirty="0" smtClean="0"/>
           </a:p>
           <a:p>
             <a:pPr marL="862013" lvl="2" indent="-342900">
@@ -19735,114 +19945,25 @@
               </a:spcAft>
             </a:pPr>
             <a:r>
-              <a:rPr lang="es-AR" dirty="0"/>
-              <a:t>Compra mayor a $20000: Puntos otorgados = Monto Compra * </a:t>
-            </a:r>
-            <a:r>
-              <a:rPr lang="es-AR" dirty="0" smtClean="0"/>
-              <a:t>4</a:t>
-            </a:r>
-            <a:endParaRPr lang="es-AR" sz="1200" dirty="0"/>
-          </a:p>
-          <a:p>
-            <a:pPr lvl="1">
-              <a:spcAft>
-                <a:spcPts val="400"/>
-              </a:spcAft>
-              <a:buFont typeface="Arial" panose="020B0604020202020204" pitchFamily="34" charset="0"/>
-              <a:buChar char="•"/>
-            </a:pPr>
-            <a:endParaRPr lang="es-AR" dirty="0" smtClean="0"/>
-          </a:p>
-          <a:p>
-            <a:pPr lvl="1">
-              <a:spcAft>
-                <a:spcPts val="400"/>
-              </a:spcAft>
-              <a:buFont typeface="Arial" panose="020B0604020202020204" pitchFamily="34" charset="0"/>
-              <a:buChar char="•"/>
-            </a:pPr>
-            <a:r>
-              <a:rPr lang="es-AR" dirty="0" smtClean="0"/>
-              <a:t>Implementar </a:t>
-            </a:r>
-            <a:r>
-              <a:rPr lang="es-AR" dirty="0"/>
-              <a:t>los nuevos requerimientos de negocio, asegurando mediante </a:t>
-            </a:r>
-            <a:r>
-              <a:rPr lang="es-AR" dirty="0" err="1"/>
+              <a:rPr lang="es-AR" sz="1800" dirty="0" smtClean="0"/>
+              <a:t>Disfrutar de la cobertura de </a:t>
+            </a:r>
+            <a:r>
+              <a:rPr lang="es-AR" sz="1800" dirty="0" err="1" smtClean="0"/>
               <a:t>tests</a:t>
             </a:r>
             <a:r>
-              <a:rPr lang="es-AR" dirty="0"/>
-              <a:t> unitarios, que se cumplan adecuadamente y que no se vea afectada la funcionalidad actual de la aplicación.</a:t>
-            </a:r>
-          </a:p>
-          <a:p>
-            <a:pPr lvl="1">
-              <a:spcAft>
-                <a:spcPts val="400"/>
-              </a:spcAft>
-              <a:buFont typeface="Arial" panose="020B0604020202020204" pitchFamily="34" charset="0"/>
-              <a:buChar char="•"/>
-            </a:pPr>
-            <a:r>
-              <a:rPr lang="es-AR" dirty="0"/>
-              <a:t>Los </a:t>
-            </a:r>
-            <a:r>
-              <a:rPr lang="es-AR" dirty="0" err="1"/>
-              <a:t>tests</a:t>
-            </a:r>
-            <a:r>
-              <a:rPr lang="es-AR" dirty="0"/>
-              <a:t> de integración que ya tiene la aplicación deben seguir ejecutando exitosamente.</a:t>
-            </a:r>
-          </a:p>
-          <a:p>
-            <a:pPr lvl="1">
-              <a:spcAft>
-                <a:spcPts val="400"/>
-              </a:spcAft>
-              <a:buFont typeface="Arial" panose="020B0604020202020204" pitchFamily="34" charset="0"/>
-              <a:buChar char="•"/>
-            </a:pPr>
-            <a:r>
-              <a:rPr lang="es-AR" dirty="0"/>
-              <a:t>Se permite </a:t>
-            </a:r>
-            <a:r>
-              <a:rPr lang="es-AR" dirty="0" smtClean="0"/>
-              <a:t>(¡y </a:t>
-            </a:r>
-            <a:r>
-              <a:rPr lang="es-AR" dirty="0"/>
-              <a:t>recomienda!) hacer todos los cambios que sean necesarios para que </a:t>
-            </a:r>
-            <a:br>
-              <a:rPr lang="es-AR" dirty="0"/>
-            </a:br>
-            <a:r>
-              <a:rPr lang="es-AR" dirty="0"/>
-              <a:t>la aplicación sea </a:t>
-            </a:r>
-            <a:r>
-              <a:rPr lang="es-AR" dirty="0" err="1"/>
-              <a:t>testeable</a:t>
-            </a:r>
-            <a:r>
-              <a:rPr lang="es-AR" dirty="0" smtClean="0"/>
-              <a:t>.</a:t>
-            </a:r>
-            <a:endParaRPr lang="es-AR" dirty="0"/>
+              <a:rPr lang="es-AR" sz="1800" dirty="0" smtClean="0"/>
+              <a:t> generada</a:t>
+            </a:r>
+            <a:endParaRPr lang="es-AR" sz="1800" dirty="0"/>
           </a:p>
         </p:txBody>
       </p:sp>
     </p:spTree>
     <p:extLst>
       <p:ext uri="{BB962C8B-B14F-4D97-AF65-F5344CB8AC3E}">
-        <p14:creationId xmlns:p14="http://schemas.microsoft.com/office/powerpoint/2010/main" val="1936984276"/>
+        <p14:creationId xmlns:p14="http://schemas.microsoft.com/office/powerpoint/2010/main" val="3866827507"/>
       </p:ext>
     </p:extLst>
   </p:cSld>
@@ -19860,7 +19981,7 @@
 </p:sld>
 </file>
 
-<file path=ppt/slides/slide26.xml><?xml version="1.0" encoding="utf-8"?>
+<file path=ppt/slides/slide25.xml><?xml version="1.0" encoding="utf-8"?>
 <p:sld xmlns:a="http://schemas.openxmlformats.org/drawingml/2006/main" xmlns:r="http://schemas.openxmlformats.org/officeDocument/2006/relationships" xmlns:p="http://schemas.openxmlformats.org/presentationml/2006/main">
   <p:cSld>
     <p:spTree>
@@ -19896,7 +20017,11 @@
           <a:p>
             <a:r>
               <a:rPr lang="es-AR" dirty="0" err="1" smtClean="0"/>
-              <a:t>Feedback</a:t>
+              <a:t>Coding</a:t>
+            </a:r>
+            <a:r>
+              <a:rPr lang="es-AR" dirty="0" smtClean="0"/>
+              <a:t> time!</a:t>
             </a:r>
             <a:endParaRPr lang="es-AR" dirty="0"/>
           </a:p>
@@ -19905,13 +20030,312 @@
     </p:spTree>
     <p:extLst>
       <p:ext uri="{BB962C8B-B14F-4D97-AF65-F5344CB8AC3E}">
-        <p14:creationId xmlns:p14="http://schemas.microsoft.com/office/powerpoint/2010/main" val="37332354"/>
+        <p14:creationId xmlns:p14="http://schemas.microsoft.com/office/powerpoint/2010/main" val="1378463368"/>
       </p:ext>
     </p:extLst>
   </p:cSld>
   <p:clrMapOvr>
     <a:masterClrMapping/>
   </p:clrMapOvr>
+  <p:timing>
+    <p:tnLst>
+      <p:par>
+        <p:cTn id="1" dur="indefinite" restart="never" nodeType="tmRoot"/>
+      </p:par>
+    </p:tnLst>
+  </p:timing>
+</p:sld>
+</file>
+
+<file path=ppt/slides/slide26.xml><?xml version="1.0" encoding="utf-8"?>
+<p:sld xmlns:a="http://schemas.openxmlformats.org/drawingml/2006/main" xmlns:r="http://schemas.openxmlformats.org/officeDocument/2006/relationships" xmlns:p="http://schemas.openxmlformats.org/presentationml/2006/main">
+  <p:cSld>
+    <p:spTree>
+      <p:nvGrpSpPr>
+        <p:cNvPr id="1" name=""/>
+        <p:cNvGrpSpPr/>
+        <p:nvPr/>
+      </p:nvGrpSpPr>
+      <p:grpSpPr>
+        <a:xfrm>
+          <a:off x="0" y="0"/>
+          <a:ext cx="0" cy="0"/>
+          <a:chOff x="0" y="0"/>
+          <a:chExt cx="0" cy="0"/>
+        </a:xfrm>
+      </p:grpSpPr>
+      <p:sp>
+        <p:nvSpPr>
+          <p:cNvPr id="185348" name="Rectangle 4"/>
+          <p:cNvSpPr>
+            <a:spLocks noGrp="1" noChangeArrowheads="1"/>
+          </p:cNvSpPr>
+          <p:nvPr>
+            <p:ph type="title"/>
+          </p:nvPr>
+        </p:nvSpPr>
+        <p:spPr/>
+        <p:txBody>
+          <a:bodyPr/>
+          <a:lstStyle/>
+          <a:p>
+            <a:r>
+              <a:rPr lang="en-US" dirty="0" smtClean="0"/>
+              <a:t>Coding time!</a:t>
+            </a:r>
+            <a:endParaRPr lang="es-AR" dirty="0"/>
+          </a:p>
+        </p:txBody>
+      </p:sp>
+      <p:sp>
+        <p:nvSpPr>
+          <p:cNvPr id="5" name="Text Placeholder 3"/>
+          <p:cNvSpPr>
+            <a:spLocks noGrp="1"/>
+          </p:cNvSpPr>
+          <p:nvPr>
+            <p:ph type="body" sz="quarter" idx="10"/>
+          </p:nvPr>
+        </p:nvSpPr>
+        <p:spPr>
+          <a:xfrm>
+            <a:off x="1169678" y="951684"/>
+            <a:ext cx="8488424" cy="560517"/>
+          </a:xfrm>
+        </p:spPr>
+        <p:txBody>
+          <a:bodyPr/>
+          <a:lstStyle/>
+          <a:p>
+            <a:r>
+              <a:rPr lang="en-US" dirty="0" err="1" smtClean="0"/>
+              <a:t>Enunciado</a:t>
+            </a:r>
+            <a:endParaRPr lang="es-AR" dirty="0"/>
+          </a:p>
+        </p:txBody>
+      </p:sp>
+      <p:sp>
+        <p:nvSpPr>
+          <p:cNvPr id="7" name="Text Placeholder 4"/>
+          <p:cNvSpPr>
+            <a:spLocks noGrp="1"/>
+          </p:cNvSpPr>
+          <p:nvPr>
+            <p:ph type="body" sz="quarter" idx="12"/>
+          </p:nvPr>
+        </p:nvSpPr>
+        <p:spPr>
+          <a:xfrm>
+            <a:off x="951314" y="1766201"/>
+            <a:ext cx="10012984" cy="5290793"/>
+          </a:xfrm>
+        </p:spPr>
+        <p:txBody>
+          <a:bodyPr/>
+          <a:lstStyle/>
+          <a:p>
+            <a:pPr lvl="1">
+              <a:spcAft>
+                <a:spcPts val="400"/>
+              </a:spcAft>
+              <a:buFont typeface="Arial" panose="020B0604020202020204" pitchFamily="34" charset="0"/>
+              <a:buChar char="•"/>
+            </a:pPr>
+            <a:r>
+              <a:rPr lang="es-AR" dirty="0"/>
+              <a:t>Como la empresa está festejando su </a:t>
+            </a:r>
+            <a:r>
+              <a:rPr lang="es-AR" dirty="0" smtClean="0"/>
+              <a:t>26° </a:t>
+            </a:r>
+            <a:r>
+              <a:rPr lang="es-AR" dirty="0"/>
+              <a:t>aniversario, los directivos decidieron ofrecer una promoción especial.</a:t>
+            </a:r>
+          </a:p>
+          <a:p>
+            <a:pPr lvl="1">
+              <a:spcAft>
+                <a:spcPts val="400"/>
+              </a:spcAft>
+              <a:buFont typeface="Arial" panose="020B0604020202020204" pitchFamily="34" charset="0"/>
+              <a:buChar char="•"/>
+            </a:pPr>
+            <a:r>
+              <a:rPr lang="es-AR" dirty="0"/>
+              <a:t>Los clientes que compren frecuentemente serán beneficiados a partir de un esquema de puntos obtenidos mediante cada compra, con los que podrán acceder a beneficios desopilantes.</a:t>
+            </a:r>
+          </a:p>
+          <a:p>
+            <a:pPr lvl="1">
+              <a:spcAft>
+                <a:spcPts val="400"/>
+              </a:spcAft>
+              <a:buFont typeface="Arial" panose="020B0604020202020204" pitchFamily="34" charset="0"/>
+              <a:buChar char="•"/>
+            </a:pPr>
+            <a:r>
+              <a:rPr lang="es-AR" dirty="0"/>
+              <a:t>Los puntos se otorgarán según los siguientes rangos:</a:t>
+            </a:r>
+          </a:p>
+          <a:p>
+            <a:pPr marL="862013" lvl="2" indent="-342900">
+              <a:spcAft>
+                <a:spcPts val="400"/>
+              </a:spcAft>
+            </a:pPr>
+            <a:r>
+              <a:rPr lang="es-AR" dirty="0"/>
+              <a:t>Compra entre $1 y $4999: Puntos otorgados = Monto Compra * 1</a:t>
+            </a:r>
+          </a:p>
+          <a:p>
+            <a:pPr marL="862013" lvl="2" indent="-342900">
+              <a:spcAft>
+                <a:spcPts val="400"/>
+              </a:spcAft>
+            </a:pPr>
+            <a:r>
+              <a:rPr lang="es-AR" dirty="0"/>
+              <a:t>Compra entre $5000 y $9999: Puntos otorgados = Monto Compra * 2</a:t>
+            </a:r>
+          </a:p>
+          <a:p>
+            <a:pPr marL="862013" lvl="2" indent="-342900">
+              <a:spcAft>
+                <a:spcPts val="400"/>
+              </a:spcAft>
+            </a:pPr>
+            <a:r>
+              <a:rPr lang="es-AR" dirty="0"/>
+              <a:t>Compra entre $10000 y $19999: Puntos otorgados = Monto Compra * 3</a:t>
+            </a:r>
+          </a:p>
+          <a:p>
+            <a:pPr marL="862013" lvl="2" indent="-342900">
+              <a:spcAft>
+                <a:spcPts val="400"/>
+              </a:spcAft>
+            </a:pPr>
+            <a:r>
+              <a:rPr lang="es-AR" dirty="0"/>
+              <a:t>Compra mayor a $20000: Puntos otorgados = Monto Compra * </a:t>
+            </a:r>
+            <a:r>
+              <a:rPr lang="es-AR" dirty="0" smtClean="0"/>
+              <a:t>4</a:t>
+            </a:r>
+            <a:endParaRPr lang="es-AR" sz="1200" dirty="0"/>
+          </a:p>
+          <a:p>
+            <a:pPr lvl="1">
+              <a:spcAft>
+                <a:spcPts val="400"/>
+              </a:spcAft>
+              <a:buFont typeface="Arial" panose="020B0604020202020204" pitchFamily="34" charset="0"/>
+              <a:buChar char="•"/>
+            </a:pPr>
+            <a:endParaRPr lang="es-AR" dirty="0" smtClean="0"/>
+          </a:p>
+          <a:p>
+            <a:pPr lvl="1">
+              <a:spcAft>
+                <a:spcPts val="400"/>
+              </a:spcAft>
+              <a:buFont typeface="Arial" panose="020B0604020202020204" pitchFamily="34" charset="0"/>
+              <a:buChar char="•"/>
+            </a:pPr>
+            <a:r>
+              <a:rPr lang="es-AR" dirty="0" smtClean="0"/>
+              <a:t>Implementar </a:t>
+            </a:r>
+            <a:r>
+              <a:rPr lang="es-AR" dirty="0"/>
+              <a:t>los nuevos requerimientos de negocio, asegurando mediante </a:t>
+            </a:r>
+            <a:r>
+              <a:rPr lang="es-AR" dirty="0" err="1"/>
+              <a:t>tests</a:t>
+            </a:r>
+            <a:r>
+              <a:rPr lang="es-AR" dirty="0"/>
+              <a:t> unitarios, que se cumplan adecuadamente y que no se vea afectada la funcionalidad actual de la aplicación.</a:t>
+            </a:r>
+          </a:p>
+          <a:p>
+            <a:pPr lvl="1">
+              <a:spcAft>
+                <a:spcPts val="400"/>
+              </a:spcAft>
+              <a:buFont typeface="Arial" panose="020B0604020202020204" pitchFamily="34" charset="0"/>
+              <a:buChar char="•"/>
+            </a:pPr>
+            <a:r>
+              <a:rPr lang="es-AR" dirty="0"/>
+              <a:t>Los </a:t>
+            </a:r>
+            <a:r>
+              <a:rPr lang="es-AR" dirty="0" err="1"/>
+              <a:t>tests</a:t>
+            </a:r>
+            <a:r>
+              <a:rPr lang="es-AR" dirty="0"/>
+              <a:t> de integración que ya tiene la aplicación deben seguir ejecutando exitosamente.</a:t>
+            </a:r>
+          </a:p>
+          <a:p>
+            <a:pPr lvl="1">
+              <a:spcAft>
+                <a:spcPts val="400"/>
+              </a:spcAft>
+              <a:buFont typeface="Arial" panose="020B0604020202020204" pitchFamily="34" charset="0"/>
+              <a:buChar char="•"/>
+            </a:pPr>
+            <a:r>
+              <a:rPr lang="es-AR" dirty="0"/>
+              <a:t>Se permite </a:t>
+            </a:r>
+            <a:r>
+              <a:rPr lang="es-AR" dirty="0" smtClean="0"/>
+              <a:t>(¡y </a:t>
+            </a:r>
+            <a:r>
+              <a:rPr lang="es-AR" dirty="0"/>
+              <a:t>recomienda!) hacer todos los cambios que sean necesarios para que </a:t>
+            </a:r>
+            <a:br>
+              <a:rPr lang="es-AR" dirty="0"/>
+            </a:br>
+            <a:r>
+              <a:rPr lang="es-AR" dirty="0"/>
+              <a:t>la aplicación sea </a:t>
+            </a:r>
+            <a:r>
+              <a:rPr lang="es-AR" dirty="0" err="1"/>
+              <a:t>testeable</a:t>
+            </a:r>
+            <a:r>
+              <a:rPr lang="es-AR" dirty="0" smtClean="0"/>
+              <a:t>.</a:t>
+            </a:r>
+            <a:endParaRPr lang="es-AR" dirty="0"/>
+          </a:p>
+        </p:txBody>
+      </p:sp>
+    </p:spTree>
+    <p:extLst>
+      <p:ext uri="{BB962C8B-B14F-4D97-AF65-F5344CB8AC3E}">
+        <p14:creationId xmlns:p14="http://schemas.microsoft.com/office/powerpoint/2010/main" val="1936984276"/>
+      </p:ext>
+    </p:extLst>
+  </p:cSld>
+  <p:clrMapOvr>
+    <a:masterClrMapping/>
+  </p:clrMapOvr>
+  <p:transition/>
   <p:timing>
     <p:tnLst>
       <p:par>
@@ -19957,8 +20381,8 @@
           <a:lstStyle/>
           <a:p>
             <a:r>
-              <a:rPr lang="es-AR" dirty="0" smtClean="0"/>
-              <a:t>Resumen</a:t>
+              <a:rPr lang="es-AR" dirty="0" err="1" smtClean="0"/>
+              <a:t>Feedback</a:t>
             </a:r>
             <a:endParaRPr lang="es-AR" dirty="0"/>
           </a:p>
@@ -19967,7 +20391,7 @@
     </p:spTree>
     <p:extLst>
       <p:ext uri="{BB962C8B-B14F-4D97-AF65-F5344CB8AC3E}">
-        <p14:creationId xmlns:p14="http://schemas.microsoft.com/office/powerpoint/2010/main" val="3082452924"/>
+        <p14:creationId xmlns:p14="http://schemas.microsoft.com/office/powerpoint/2010/main" val="37332354"/>
       </p:ext>
     </p:extLst>
   </p:cSld>
@@ -20003,6 +20427,68 @@
       </p:grpSpPr>
       <p:sp>
         <p:nvSpPr>
+          <p:cNvPr id="5" name="Title 4"/>
+          <p:cNvSpPr>
+            <a:spLocks noGrp="1"/>
+          </p:cNvSpPr>
+          <p:nvPr>
+            <p:ph type="title"/>
+          </p:nvPr>
+        </p:nvSpPr>
+        <p:spPr/>
+        <p:txBody>
+          <a:bodyPr>
+            <a:normAutofit/>
+          </a:bodyPr>
+          <a:lstStyle/>
+          <a:p>
+            <a:r>
+              <a:rPr lang="es-AR" dirty="0" smtClean="0"/>
+              <a:t>Resumen</a:t>
+            </a:r>
+            <a:endParaRPr lang="es-AR" dirty="0"/>
+          </a:p>
+        </p:txBody>
+      </p:sp>
+    </p:spTree>
+    <p:extLst>
+      <p:ext uri="{BB962C8B-B14F-4D97-AF65-F5344CB8AC3E}">
+        <p14:creationId xmlns:p14="http://schemas.microsoft.com/office/powerpoint/2010/main" val="3082452924"/>
+      </p:ext>
+    </p:extLst>
+  </p:cSld>
+  <p:clrMapOvr>
+    <a:masterClrMapping/>
+  </p:clrMapOvr>
+  <p:timing>
+    <p:tnLst>
+      <p:par>
+        <p:cTn id="1" dur="indefinite" restart="never" nodeType="tmRoot"/>
+      </p:par>
+    </p:tnLst>
+  </p:timing>
+</p:sld>
+</file>
+
+<file path=ppt/slides/slide29.xml><?xml version="1.0" encoding="utf-8"?>
+<p:sld xmlns:a="http://schemas.openxmlformats.org/drawingml/2006/main" xmlns:r="http://schemas.openxmlformats.org/officeDocument/2006/relationships" xmlns:p="http://schemas.openxmlformats.org/presentationml/2006/main">
+  <p:cSld>
+    <p:spTree>
+      <p:nvGrpSpPr>
+        <p:cNvPr id="1" name=""/>
+        <p:cNvGrpSpPr/>
+        <p:nvPr/>
+      </p:nvGrpSpPr>
+      <p:grpSpPr>
+        <a:xfrm>
+          <a:off x="0" y="0"/>
+          <a:ext cx="0" cy="0"/>
+          <a:chOff x="0" y="0"/>
+          <a:chExt cx="0" cy="0"/>
+        </a:xfrm>
+      </p:grpSpPr>
+      <p:sp>
+        <p:nvSpPr>
           <p:cNvPr id="185348" name="Rectangle 4"/>
           <p:cNvSpPr>
             <a:spLocks noGrp="1" noChangeArrowheads="1"/>
@@ -20185,7 +20671,69 @@
 </p:sld>
 </file>
 
-<file path=ppt/slides/slide29.xml><?xml version="1.0" encoding="utf-8"?>
+<file path=ppt/slides/slide3.xml><?xml version="1.0" encoding="utf-8"?>
+<p:sld xmlns:a="http://schemas.openxmlformats.org/drawingml/2006/main" xmlns:r="http://schemas.openxmlformats.org/officeDocument/2006/relationships" xmlns:p="http://schemas.openxmlformats.org/presentationml/2006/main">
+  <p:cSld>
+    <p:spTree>
+      <p:nvGrpSpPr>
+        <p:cNvPr id="1" name=""/>
+        <p:cNvGrpSpPr/>
+        <p:nvPr/>
+      </p:nvGrpSpPr>
+      <p:grpSpPr>
+        <a:xfrm>
+          <a:off x="0" y="0"/>
+          <a:ext cx="0" cy="0"/>
+          <a:chOff x="0" y="0"/>
+          <a:chExt cx="0" cy="0"/>
+        </a:xfrm>
+      </p:grpSpPr>
+      <p:sp>
+        <p:nvSpPr>
+          <p:cNvPr id="5" name="Title 4"/>
+          <p:cNvSpPr>
+            <a:spLocks noGrp="1"/>
+          </p:cNvSpPr>
+          <p:nvPr>
+            <p:ph type="title"/>
+          </p:nvPr>
+        </p:nvSpPr>
+        <p:spPr/>
+        <p:txBody>
+          <a:bodyPr>
+            <a:normAutofit/>
+          </a:bodyPr>
+          <a:lstStyle/>
+          <a:p>
+            <a:r>
+              <a:rPr lang="es-AR" dirty="0" smtClean="0"/>
+              <a:t>Objetivos</a:t>
+            </a:r>
+            <a:endParaRPr lang="es-AR" dirty="0"/>
+          </a:p>
+        </p:txBody>
+      </p:sp>
+    </p:spTree>
+    <p:extLst>
+      <p:ext uri="{BB962C8B-B14F-4D97-AF65-F5344CB8AC3E}">
+        <p14:creationId xmlns:p14="http://schemas.microsoft.com/office/powerpoint/2010/main" val="36452531"/>
+      </p:ext>
+    </p:extLst>
+  </p:cSld>
+  <p:clrMapOvr>
+    <a:masterClrMapping/>
+  </p:clrMapOvr>
+  <p:timing>
+    <p:tnLst>
+      <p:par>
+        <p:cTn id="1" dur="indefinite" restart="never" nodeType="tmRoot"/>
+      </p:par>
+    </p:tnLst>
+  </p:timing>
+</p:sld>
+</file>
+
+<file path=ppt/slides/slide30.xml><?xml version="1.0" encoding="utf-8"?>
 <p:sld xmlns:a="http://schemas.openxmlformats.org/drawingml/2006/main" xmlns:r="http://schemas.openxmlformats.org/officeDocument/2006/relationships" xmlns:p="http://schemas.openxmlformats.org/presentationml/2006/main">
   <p:cSld>
     <p:spTree>
@@ -21671,68 +22219,6 @@
     <p:extLst>
       <p:ext uri="{BB962C8B-B14F-4D97-AF65-F5344CB8AC3E}">
         <p14:creationId xmlns:p14="http://schemas.microsoft.com/office/powerpoint/2010/main" val="1541372802"/>
-      </p:ext>
-    </p:extLst>
-  </p:cSld>
-  <p:clrMapOvr>
-    <a:masterClrMapping/>
-  </p:clrMapOvr>
-  <p:timing>
-    <p:tnLst>
-      <p:par>
-        <p:cTn id="1" dur="indefinite" restart="never" nodeType="tmRoot"/>
-      </p:par>
-    </p:tnLst>
-  </p:timing>
-</p:sld>
-</file>
-
-<file path=ppt/slides/slide3.xml><?xml version="1.0" encoding="utf-8"?>
-<p:sld xmlns:a="http://schemas.openxmlformats.org/drawingml/2006/main" xmlns:r="http://schemas.openxmlformats.org/officeDocument/2006/relationships" xmlns:p="http://schemas.openxmlformats.org/presentationml/2006/main">
-  <p:cSld>
-    <p:spTree>
-      <p:nvGrpSpPr>
-        <p:cNvPr id="1" name=""/>
-        <p:cNvGrpSpPr/>
-        <p:nvPr/>
-      </p:nvGrpSpPr>
-      <p:grpSpPr>
-        <a:xfrm>
-          <a:off x="0" y="0"/>
-          <a:ext cx="0" cy="0"/>
-          <a:chOff x="0" y="0"/>
-          <a:chExt cx="0" cy="0"/>
-        </a:xfrm>
-      </p:grpSpPr>
-      <p:sp>
-        <p:nvSpPr>
-          <p:cNvPr id="5" name="Title 4"/>
-          <p:cNvSpPr>
-            <a:spLocks noGrp="1"/>
-          </p:cNvSpPr>
-          <p:nvPr>
-            <p:ph type="title"/>
-          </p:nvPr>
-        </p:nvSpPr>
-        <p:spPr/>
-        <p:txBody>
-          <a:bodyPr>
-            <a:normAutofit/>
-          </a:bodyPr>
-          <a:lstStyle/>
-          <a:p>
-            <a:r>
-              <a:rPr lang="es-AR" dirty="0" smtClean="0"/>
-              <a:t>Objetivos</a:t>
-            </a:r>
-            <a:endParaRPr lang="es-AR" dirty="0"/>
-          </a:p>
-        </p:txBody>
-      </p:sp>
-    </p:spTree>
-    <p:extLst>
-      <p:ext uri="{BB962C8B-B14F-4D97-AF65-F5344CB8AC3E}">
-        <p14:creationId xmlns:p14="http://schemas.microsoft.com/office/powerpoint/2010/main" val="36452531"/>
       </p:ext>
     </p:extLst>
   </p:cSld>
@@ -26859,6 +27345,12 @@
 </file>
 
 <file path=customXml/item1.xml><?xml version="1.0" encoding="utf-8"?>
+<p:properties xmlns:p="http://schemas.microsoft.com/office/2006/metadata/properties" xmlns:xsi="http://www.w3.org/2001/XMLSchema-instance" xmlns:pc="http://schemas.microsoft.com/office/infopath/2007/PartnerControls">
+  <documentManagement/>
+</p:properties>
+</file>
+
+<file path=customXml/item2.xml><?xml version="1.0" encoding="utf-8"?>
 <ct:contentTypeSchema xmlns:ct="http://schemas.microsoft.com/office/2006/metadata/contentType" xmlns:ma="http://schemas.microsoft.com/office/2006/metadata/properties/metaAttributes" ct:_="" ma:_="" ma:contentTypeName="Documento" ma:contentTypeID="0x0101003ADB8EEE65C30C46B0738F337B75258F" ma:contentTypeVersion="0" ma:contentTypeDescription="Crear nuevo documento." ma:contentTypeScope="" ma:versionID="7bfd305fe848610ec8ddd6cb2c162981">
   <xsd:schema xmlns:xsd="http://www.w3.org/2001/XMLSchema" xmlns:xs="http://www.w3.org/2001/XMLSchema" xmlns:p="http://schemas.microsoft.com/office/2006/metadata/properties" targetNamespace="http://schemas.microsoft.com/office/2006/metadata/properties" ma:root="true" ma:fieldsID="ebba8a198e9bb40c3eeca6d0bd41257a">
     <xsd:element name="properties">
@@ -26972,12 +27464,6 @@
 </ct:contentTypeSchema>
 </file>
 
-<file path=customXml/item2.xml><?xml version="1.0" encoding="utf-8"?>
-<p:properties xmlns:p="http://schemas.microsoft.com/office/2006/metadata/properties" xmlns:xsi="http://www.w3.org/2001/XMLSchema-instance" xmlns:pc="http://schemas.microsoft.com/office/infopath/2007/PartnerControls">
-  <documentManagement/>
-</p:properties>
-</file>
-
 <file path=customXml/item3.xml><?xml version="1.0" encoding="utf-8"?>
 <?mso-contentType ?>
 <FormTemplates xmlns="http://schemas.microsoft.com/sharepoint/v3/contenttype/forms">
@@ -26988,6 +27474,15 @@
 </file>
 
 <file path=customXml/itemProps1.xml><?xml version="1.0" encoding="utf-8"?>
+<ds:datastoreItem xmlns:ds="http://schemas.openxmlformats.org/officeDocument/2006/customXml" ds:itemID="{9AB95CA3-6658-4A3E-BCCB-86304949D862}">
+  <ds:schemaRefs>
+    <ds:schemaRef ds:uri="http://schemas.microsoft.com/office/2006/metadata/properties"/>
+    <ds:schemaRef ds:uri="http://schemas.microsoft.com/office/infopath/2007/PartnerControls"/>
+  </ds:schemaRefs>
+</ds:datastoreItem>
+</file>
+
+<file path=customXml/itemProps2.xml><?xml version="1.0" encoding="utf-8"?>
 <ds:datastoreItem xmlns:ds="http://schemas.openxmlformats.org/officeDocument/2006/customXml" ds:itemID="{B29A6B9D-DD38-4AD9-8569-FE55D7D21842}">
   <ds:schemaRefs>
     <ds:schemaRef ds:uri="http://schemas.microsoft.com/office/2006/metadata/contentType"/>
@@ -27003,15 +27498,6 @@
 </ds:datastoreItem>
 </file>
 
-<file path=customXml/itemProps2.xml><?xml version="1.0" encoding="utf-8"?>
-<ds:datastoreItem xmlns:ds="http://schemas.openxmlformats.org/officeDocument/2006/customXml" ds:itemID="{9AB95CA3-6658-4A3E-BCCB-86304949D862}">
-  <ds:schemaRefs>
-    <ds:schemaRef ds:uri="http://schemas.microsoft.com/office/2006/metadata/properties"/>
-    <ds:schemaRef ds:uri="http://schemas.microsoft.com/office/infopath/2007/PartnerControls"/>
-  </ds:schemaRefs>
-</ds:datastoreItem>
-</file>
-
 <file path=customXml/itemProps3.xml><?xml version="1.0" encoding="utf-8"?>
 <ds:datastoreItem xmlns:ds="http://schemas.openxmlformats.org/officeDocument/2006/customXml" ds:itemID="{EDBEB935-7F6F-426D-B200-B7CC03EB48A6}">
   <ds:schemaRefs>
